--- a/TutorJA - P2.pptx
+++ b/TutorJA - P2.pptx
@@ -1,131 +1,71 @@
 
 <file path=ppt/presentation.xml><?xml version="1.0" encoding="utf-8"?>
-<p:presentation xmlns:a="http://schemas.openxmlformats.org/drawingml/2006/main" xmlns:r="http://schemas.openxmlformats.org/officeDocument/2006/relationships" xmlns:p="http://schemas.openxmlformats.org/presentationml/2006/main" saveSubsetFonts="1" embedTrueTypeFonts="true">
+<p:presentation xmlns:a="http://schemas.openxmlformats.org/drawingml/2006/main" xmlns:r="http://schemas.openxmlformats.org/officeDocument/2006/relationships" xmlns:p="http://schemas.openxmlformats.org/presentationml/2006/main" embedTrueTypeFonts="1" saveSubsetFonts="1">
   <p:sldMasterIdLst>
     <p:sldMasterId id="2147483648" r:id="rId1"/>
   </p:sldMasterIdLst>
+  <p:notesMasterIdLst>
+    <p:notesMasterId r:id="rId22"/>
+  </p:notesMasterIdLst>
   <p:sldIdLst>
-    <p:sldId id="256" r:id="rId30"/>
-    <p:sldId id="257" r:id="rId31"/>
-    <p:sldId id="258" r:id="rId32"/>
-    <p:sldId id="259" r:id="rId33"/>
-    <p:sldId id="260" r:id="rId34"/>
-    <p:sldId id="261" r:id="rId35"/>
-    <p:sldId id="262" r:id="rId36"/>
-    <p:sldId id="263" r:id="rId37"/>
-    <p:sldId id="264" r:id="rId38"/>
-    <p:sldId id="265" r:id="rId39"/>
-    <p:sldId id="266" r:id="rId40"/>
-    <p:sldId id="267" r:id="rId41"/>
-    <p:sldId id="268" r:id="rId42"/>
-    <p:sldId id="269" r:id="rId43"/>
-    <p:sldId id="270" r:id="rId44"/>
-    <p:sldId id="271" r:id="rId45"/>
-    <p:sldId id="272" r:id="rId46"/>
-    <p:sldId id="273" r:id="rId47"/>
-    <p:sldId id="274" r:id="rId48"/>
-    <p:sldId id="275" r:id="rId49"/>
-    <p:sldId id="276" r:id="rId50"/>
-    <p:sldId id="277" r:id="rId51"/>
+    <p:sldId id="256" r:id="rId2"/>
+    <p:sldId id="257" r:id="rId3"/>
+    <p:sldId id="258" r:id="rId4"/>
+    <p:sldId id="259" r:id="rId5"/>
+    <p:sldId id="260" r:id="rId6"/>
+    <p:sldId id="261" r:id="rId7"/>
+    <p:sldId id="262" r:id="rId8"/>
+    <p:sldId id="263" r:id="rId9"/>
+    <p:sldId id="264" r:id="rId10"/>
+    <p:sldId id="265" r:id="rId11"/>
+    <p:sldId id="266" r:id="rId12"/>
+    <p:sldId id="267" r:id="rId13"/>
+    <p:sldId id="268" r:id="rId14"/>
+    <p:sldId id="269" r:id="rId15"/>
+    <p:sldId id="270" r:id="rId16"/>
+    <p:sldId id="271" r:id="rId17"/>
+    <p:sldId id="278" r:id="rId18"/>
+    <p:sldId id="279" r:id="rId19"/>
+    <p:sldId id="274" r:id="rId20"/>
+    <p:sldId id="277" r:id="rId21"/>
   </p:sldIdLst>
   <p:sldSz cx="18288000" cy="10287000"/>
   <p:notesSz cx="6858000" cy="9144000"/>
   <p:embeddedFontLst>
     <p:embeddedFont>
-      <p:font typeface="Arimo" charset="1" panose="020B0604020202020204"/>
-      <p:regular r:id="rId6"/>
+      <p:font typeface="Calibri" panose="020F0502020204030204" pitchFamily="34" charset="0"/>
+      <p:regular r:id="rId23"/>
+      <p:bold r:id="rId24"/>
+      <p:italic r:id="rId25"/>
+      <p:boldItalic r:id="rId26"/>
     </p:embeddedFont>
     <p:embeddedFont>
-      <p:font typeface="Arimo Bold" charset="1" panose="020B0704020202020204"/>
-      <p:regular r:id="rId7"/>
-    </p:embeddedFont>
-    <p:embeddedFont>
-      <p:font typeface="Arimo Italics" charset="1" panose="020B0604020202090204"/>
-      <p:regular r:id="rId8"/>
-    </p:embeddedFont>
-    <p:embeddedFont>
-      <p:font typeface="Arimo Bold Italics" charset="1" panose="020B0704020202090204"/>
-      <p:regular r:id="rId9"/>
-    </p:embeddedFont>
-    <p:embeddedFont>
-      <p:font typeface="HK Grotesk Bold" charset="1" panose="00000800000000000000"/>
-      <p:regular r:id="rId10"/>
-    </p:embeddedFont>
-    <p:embeddedFont>
-      <p:font typeface="HK Grotesk Bold Italics" charset="1" panose="00000800000000000000"/>
-      <p:regular r:id="rId11"/>
-    </p:embeddedFont>
-    <p:embeddedFont>
-      <p:font typeface="HK Grotesk Medium" charset="1" panose="00000600000000000000"/>
-      <p:regular r:id="rId12"/>
-    </p:embeddedFont>
-    <p:embeddedFont>
-      <p:font typeface="HK Grotesk Medium Bold" charset="1" panose="00000700000000000000"/>
-      <p:regular r:id="rId13"/>
-    </p:embeddedFont>
-    <p:embeddedFont>
-      <p:font typeface="HK Grotesk Medium Italics" charset="1" panose="00000600000000000000"/>
-      <p:regular r:id="rId14"/>
-    </p:embeddedFont>
-    <p:embeddedFont>
-      <p:font typeface="HK Grotesk Medium Bold Italics" charset="1" panose="00000700000000000000"/>
-      <p:regular r:id="rId15"/>
-    </p:embeddedFont>
-    <p:embeddedFont>
-      <p:font typeface="Open Sans Light" charset="1" panose="020B0306030504020204"/>
-      <p:regular r:id="rId16"/>
-    </p:embeddedFont>
-    <p:embeddedFont>
-      <p:font typeface="Open Sans Light Bold" charset="1" panose="020B0806030504020204"/>
-      <p:regular r:id="rId17"/>
-    </p:embeddedFont>
-    <p:embeddedFont>
-      <p:font typeface="Open Sans Light Italics" charset="1" panose="020B0306030504020204"/>
-      <p:regular r:id="rId18"/>
-    </p:embeddedFont>
-    <p:embeddedFont>
-      <p:font typeface="Open Sans Light Bold Italics" charset="1" panose="020B0806030504020204"/>
-      <p:regular r:id="rId19"/>
-    </p:embeddedFont>
-    <p:embeddedFont>
-      <p:font typeface="Open Sans" charset="1" panose="020B0606030504020204"/>
-      <p:regular r:id="rId20"/>
-    </p:embeddedFont>
-    <p:embeddedFont>
-      <p:font typeface="Open Sans Bold" charset="1" panose="020B0806030504020204"/>
-      <p:regular r:id="rId21"/>
-    </p:embeddedFont>
-    <p:embeddedFont>
-      <p:font typeface="Open Sans Italics" charset="1" panose="020B0606030504020204"/>
-      <p:regular r:id="rId22"/>
-    </p:embeddedFont>
-    <p:embeddedFont>
-      <p:font typeface="Open Sans Bold Italics" charset="1" panose="020B0806030504020204"/>
-      <p:regular r:id="rId23"/>
-    </p:embeddedFont>
-    <p:embeddedFont>
-      <p:font typeface="Open Sans Extra Bold" charset="1" panose="020B0906030804020204"/>
-      <p:regular r:id="rId24"/>
-    </p:embeddedFont>
-    <p:embeddedFont>
-      <p:font typeface="Open Sans Extra Bold Italics" charset="1" panose="020B0906030804020204"/>
-      <p:regular r:id="rId25"/>
-    </p:embeddedFont>
-    <p:embeddedFont>
-      <p:font typeface="XB Titre" charset="1" panose="02000506080000020004"/>
-      <p:regular r:id="rId26"/>
-    </p:embeddedFont>
-    <p:embeddedFont>
-      <p:font typeface="XB Titre Italics" charset="1" panose="02000506090000090004"/>
+      <p:font typeface="HK Grotesk Bold" panose="020B0604020202020204" charset="0"/>
       <p:regular r:id="rId27"/>
     </p:embeddedFont>
     <p:embeddedFont>
-      <p:font typeface="Sunborn" charset="1" panose="00000500000000000000"/>
+      <p:font typeface="HK Grotesk Medium" panose="020B0604020202020204" charset="0"/>
       <p:regular r:id="rId28"/>
     </p:embeddedFont>
     <p:embeddedFont>
-      <p:font typeface="Sunborn Italics" charset="1" panose="00000500000000000000"/>
+      <p:font typeface="Open Sans" panose="020B0604020202020204" charset="0"/>
       <p:regular r:id="rId29"/>
+    </p:embeddedFont>
+    <p:embeddedFont>
+      <p:font typeface="Open Sans Extra Bold" panose="020B0604020202020204" charset="0"/>
+      <p:regular r:id="rId30"/>
+    </p:embeddedFont>
+    <p:embeddedFont>
+      <p:font typeface="Open Sans Light" panose="020B0604020202020204" charset="0"/>
+      <p:regular r:id="rId31"/>
+    </p:embeddedFont>
+    <p:embeddedFont>
+      <p:font typeface="Open Sans Light Bold" panose="020B0604020202020204" charset="0"/>
+      <p:regular r:id="rId32"/>
+    </p:embeddedFont>
+    <p:embeddedFont>
+      <p:font typeface="Open Sans Light Italics" panose="020B0604020202020204" charset="0"/>
+      <p:regular r:id="rId33"/>
     </p:embeddedFont>
   </p:embeddedFontLst>
   <p:defaultTextStyle>
@@ -223,7 +163,459 @@
       </a:defRPr>
     </a:lvl9pPr>
   </p:defaultTextStyle>
+  <p:extLst>
+    <p:ext uri="{EFAFB233-063F-42B5-8137-9DF3F51BA10A}">
+      <p15:sldGuideLst xmlns:p15="http://schemas.microsoft.com/office/powerpoint/2012/main">
+        <p15:guide id="1" orient="horz" pos="2160">
+          <p15:clr>
+            <a:srgbClr val="A4A3A4"/>
+          </p15:clr>
+        </p15:guide>
+        <p15:guide id="2" pos="2880">
+          <p15:clr>
+            <a:srgbClr val="A4A3A4"/>
+          </p15:clr>
+        </p15:guide>
+      </p15:sldGuideLst>
+    </p:ext>
+  </p:extLst>
 </p:presentation>
+</file>
+
+<file path=ppt/notesMasters/notesMaster1.xml><?xml version="1.0" encoding="utf-8"?>
+<p:notesMaster xmlns:a="http://schemas.openxmlformats.org/drawingml/2006/main" xmlns:r="http://schemas.openxmlformats.org/officeDocument/2006/relationships" xmlns:p="http://schemas.openxmlformats.org/presentationml/2006/main">
+  <p:cSld>
+    <p:bg>
+      <p:bgRef idx="1001">
+        <a:schemeClr val="bg1"/>
+      </p:bgRef>
+    </p:bg>
+    <p:spTree>
+      <p:nvGrpSpPr>
+        <p:cNvPr id="1" name=""/>
+        <p:cNvGrpSpPr/>
+        <p:nvPr/>
+      </p:nvGrpSpPr>
+      <p:grpSpPr>
+        <a:xfrm>
+          <a:off x="0" y="0"/>
+          <a:ext cx="0" cy="0"/>
+          <a:chOff x="0" y="0"/>
+          <a:chExt cx="0" cy="0"/>
+        </a:xfrm>
+      </p:grpSpPr>
+      <p:sp>
+        <p:nvSpPr>
+          <p:cNvPr id="2" name="Header Placeholder 1"/>
+          <p:cNvSpPr>
+            <a:spLocks noGrp="1"/>
+          </p:cNvSpPr>
+          <p:nvPr>
+            <p:ph type="hdr" sz="quarter"/>
+          </p:nvPr>
+        </p:nvSpPr>
+        <p:spPr>
+          <a:xfrm>
+            <a:off x="0" y="0"/>
+            <a:ext cx="2971800" cy="458788"/>
+          </a:xfrm>
+          <a:prstGeom prst="rect">
+            <a:avLst/>
+          </a:prstGeom>
+        </p:spPr>
+        <p:txBody>
+          <a:bodyPr vert="horz" lIns="91440" tIns="45720" rIns="91440" bIns="45720" rtlCol="0"/>
+          <a:lstStyle>
+            <a:lvl1pPr algn="l">
+              <a:defRPr sz="1200"/>
+            </a:lvl1pPr>
+          </a:lstStyle>
+          <a:p>
+            <a:endParaRPr lang="en-US"/>
+          </a:p>
+        </p:txBody>
+      </p:sp>
+      <p:sp>
+        <p:nvSpPr>
+          <p:cNvPr id="3" name="Date Placeholder 2"/>
+          <p:cNvSpPr>
+            <a:spLocks noGrp="1"/>
+          </p:cNvSpPr>
+          <p:nvPr>
+            <p:ph type="dt" idx="1"/>
+          </p:nvPr>
+        </p:nvSpPr>
+        <p:spPr>
+          <a:xfrm>
+            <a:off x="3884613" y="0"/>
+            <a:ext cx="2971800" cy="458788"/>
+          </a:xfrm>
+          <a:prstGeom prst="rect">
+            <a:avLst/>
+          </a:prstGeom>
+        </p:spPr>
+        <p:txBody>
+          <a:bodyPr vert="horz" lIns="91440" tIns="45720" rIns="91440" bIns="45720" rtlCol="0"/>
+          <a:lstStyle>
+            <a:lvl1pPr algn="r">
+              <a:defRPr sz="1200"/>
+            </a:lvl1pPr>
+          </a:lstStyle>
+          <a:p>
+            <a:fld id="{583E73BC-9EA4-463D-8A8D-A9F200D662BB}" type="datetimeFigureOut">
+              <a:rPr lang="en-US" smtClean="0"/>
+              <a:t>11/3/2020</a:t>
+            </a:fld>
+            <a:endParaRPr lang="en-US"/>
+          </a:p>
+        </p:txBody>
+      </p:sp>
+      <p:sp>
+        <p:nvSpPr>
+          <p:cNvPr id="4" name="Slide Image Placeholder 3"/>
+          <p:cNvSpPr>
+            <a:spLocks noGrp="1" noRot="1" noChangeAspect="1"/>
+          </p:cNvSpPr>
+          <p:nvPr>
+            <p:ph type="sldImg" idx="2"/>
+          </p:nvPr>
+        </p:nvSpPr>
+        <p:spPr>
+          <a:xfrm>
+            <a:off x="685800" y="1143000"/>
+            <a:ext cx="5486400" cy="3086100"/>
+          </a:xfrm>
+          <a:prstGeom prst="rect">
+            <a:avLst/>
+          </a:prstGeom>
+          <a:noFill/>
+          <a:ln w="12700">
+            <a:solidFill>
+              <a:prstClr val="black"/>
+            </a:solidFill>
+          </a:ln>
+        </p:spPr>
+        <p:txBody>
+          <a:bodyPr vert="horz" lIns="91440" tIns="45720" rIns="91440" bIns="45720" rtlCol="0" anchor="ctr"/>
+          <a:lstStyle/>
+          <a:p>
+            <a:endParaRPr lang="en-US"/>
+          </a:p>
+        </p:txBody>
+      </p:sp>
+      <p:sp>
+        <p:nvSpPr>
+          <p:cNvPr id="5" name="Notes Placeholder 4"/>
+          <p:cNvSpPr>
+            <a:spLocks noGrp="1"/>
+          </p:cNvSpPr>
+          <p:nvPr>
+            <p:ph type="body" sz="quarter" idx="3"/>
+          </p:nvPr>
+        </p:nvSpPr>
+        <p:spPr>
+          <a:xfrm>
+            <a:off x="685800" y="4400550"/>
+            <a:ext cx="5486400" cy="3600450"/>
+          </a:xfrm>
+          <a:prstGeom prst="rect">
+            <a:avLst/>
+          </a:prstGeom>
+        </p:spPr>
+        <p:txBody>
+          <a:bodyPr vert="horz" lIns="91440" tIns="45720" rIns="91440" bIns="45720" rtlCol="0"/>
+          <a:lstStyle/>
+          <a:p>
+            <a:pPr lvl="0"/>
+            <a:r>
+              <a:rPr lang="en-US"/>
+              <a:t>Click to edit Master text styles</a:t>
+            </a:r>
+          </a:p>
+          <a:p>
+            <a:pPr lvl="1"/>
+            <a:r>
+              <a:rPr lang="en-US"/>
+              <a:t>Second level</a:t>
+            </a:r>
+          </a:p>
+          <a:p>
+            <a:pPr lvl="2"/>
+            <a:r>
+              <a:rPr lang="en-US"/>
+              <a:t>Third level</a:t>
+            </a:r>
+          </a:p>
+          <a:p>
+            <a:pPr lvl="3"/>
+            <a:r>
+              <a:rPr lang="en-US"/>
+              <a:t>Fourth level</a:t>
+            </a:r>
+          </a:p>
+          <a:p>
+            <a:pPr lvl="4"/>
+            <a:r>
+              <a:rPr lang="en-US"/>
+              <a:t>Fifth level</a:t>
+            </a:r>
+          </a:p>
+        </p:txBody>
+      </p:sp>
+      <p:sp>
+        <p:nvSpPr>
+          <p:cNvPr id="6" name="Footer Placeholder 5"/>
+          <p:cNvSpPr>
+            <a:spLocks noGrp="1"/>
+          </p:cNvSpPr>
+          <p:nvPr>
+            <p:ph type="ftr" sz="quarter" idx="4"/>
+          </p:nvPr>
+        </p:nvSpPr>
+        <p:spPr>
+          <a:xfrm>
+            <a:off x="0" y="8685213"/>
+            <a:ext cx="2971800" cy="458787"/>
+          </a:xfrm>
+          <a:prstGeom prst="rect">
+            <a:avLst/>
+          </a:prstGeom>
+        </p:spPr>
+        <p:txBody>
+          <a:bodyPr vert="horz" lIns="91440" tIns="45720" rIns="91440" bIns="45720" rtlCol="0" anchor="b"/>
+          <a:lstStyle>
+            <a:lvl1pPr algn="l">
+              <a:defRPr sz="1200"/>
+            </a:lvl1pPr>
+          </a:lstStyle>
+          <a:p>
+            <a:endParaRPr lang="en-US"/>
+          </a:p>
+        </p:txBody>
+      </p:sp>
+      <p:sp>
+        <p:nvSpPr>
+          <p:cNvPr id="7" name="Slide Number Placeholder 6"/>
+          <p:cNvSpPr>
+            <a:spLocks noGrp="1"/>
+          </p:cNvSpPr>
+          <p:nvPr>
+            <p:ph type="sldNum" sz="quarter" idx="5"/>
+          </p:nvPr>
+        </p:nvSpPr>
+        <p:spPr>
+          <a:xfrm>
+            <a:off x="3884613" y="8685213"/>
+            <a:ext cx="2971800" cy="458787"/>
+          </a:xfrm>
+          <a:prstGeom prst="rect">
+            <a:avLst/>
+          </a:prstGeom>
+        </p:spPr>
+        <p:txBody>
+          <a:bodyPr vert="horz" lIns="91440" tIns="45720" rIns="91440" bIns="45720" rtlCol="0" anchor="b"/>
+          <a:lstStyle>
+            <a:lvl1pPr algn="r">
+              <a:defRPr sz="1200"/>
+            </a:lvl1pPr>
+          </a:lstStyle>
+          <a:p>
+            <a:fld id="{3CB6F791-2959-43AB-97D7-231736B4B205}" type="slidenum">
+              <a:rPr lang="en-US" smtClean="0"/>
+              <a:t>‹#›</a:t>
+            </a:fld>
+            <a:endParaRPr lang="en-US"/>
+          </a:p>
+        </p:txBody>
+      </p:sp>
+    </p:spTree>
+    <p:extLst>
+      <p:ext uri="{BB962C8B-B14F-4D97-AF65-F5344CB8AC3E}">
+        <p14:creationId xmlns:p14="http://schemas.microsoft.com/office/powerpoint/2010/main" val="344634780"/>
+      </p:ext>
+    </p:extLst>
+  </p:cSld>
+  <p:clrMap bg1="lt1" tx1="dk1" bg2="lt2" tx2="dk2" accent1="accent1" accent2="accent2" accent3="accent3" accent4="accent4" accent5="accent5" accent6="accent6" hlink="hlink" folHlink="folHlink"/>
+  <p:notesStyle>
+    <a:lvl1pPr marL="0" algn="l" defTabSz="914400" rtl="0" eaLnBrk="1" latinLnBrk="0" hangingPunct="1">
+      <a:defRPr sz="1200" kern="1200">
+        <a:solidFill>
+          <a:schemeClr val="tx1"/>
+        </a:solidFill>
+        <a:latin typeface="+mn-lt"/>
+        <a:ea typeface="+mn-ea"/>
+        <a:cs typeface="+mn-cs"/>
+      </a:defRPr>
+    </a:lvl1pPr>
+    <a:lvl2pPr marL="457200" algn="l" defTabSz="914400" rtl="0" eaLnBrk="1" latinLnBrk="0" hangingPunct="1">
+      <a:defRPr sz="1200" kern="1200">
+        <a:solidFill>
+          <a:schemeClr val="tx1"/>
+        </a:solidFill>
+        <a:latin typeface="+mn-lt"/>
+        <a:ea typeface="+mn-ea"/>
+        <a:cs typeface="+mn-cs"/>
+      </a:defRPr>
+    </a:lvl2pPr>
+    <a:lvl3pPr marL="914400" algn="l" defTabSz="914400" rtl="0" eaLnBrk="1" latinLnBrk="0" hangingPunct="1">
+      <a:defRPr sz="1200" kern="1200">
+        <a:solidFill>
+          <a:schemeClr val="tx1"/>
+        </a:solidFill>
+        <a:latin typeface="+mn-lt"/>
+        <a:ea typeface="+mn-ea"/>
+        <a:cs typeface="+mn-cs"/>
+      </a:defRPr>
+    </a:lvl3pPr>
+    <a:lvl4pPr marL="1371600" algn="l" defTabSz="914400" rtl="0" eaLnBrk="1" latinLnBrk="0" hangingPunct="1">
+      <a:defRPr sz="1200" kern="1200">
+        <a:solidFill>
+          <a:schemeClr val="tx1"/>
+        </a:solidFill>
+        <a:latin typeface="+mn-lt"/>
+        <a:ea typeface="+mn-ea"/>
+        <a:cs typeface="+mn-cs"/>
+      </a:defRPr>
+    </a:lvl4pPr>
+    <a:lvl5pPr marL="1828800" algn="l" defTabSz="914400" rtl="0" eaLnBrk="1" latinLnBrk="0" hangingPunct="1">
+      <a:defRPr sz="1200" kern="1200">
+        <a:solidFill>
+          <a:schemeClr val="tx1"/>
+        </a:solidFill>
+        <a:latin typeface="+mn-lt"/>
+        <a:ea typeface="+mn-ea"/>
+        <a:cs typeface="+mn-cs"/>
+      </a:defRPr>
+    </a:lvl5pPr>
+    <a:lvl6pPr marL="2286000" algn="l" defTabSz="914400" rtl="0" eaLnBrk="1" latinLnBrk="0" hangingPunct="1">
+      <a:defRPr sz="1200" kern="1200">
+        <a:solidFill>
+          <a:schemeClr val="tx1"/>
+        </a:solidFill>
+        <a:latin typeface="+mn-lt"/>
+        <a:ea typeface="+mn-ea"/>
+        <a:cs typeface="+mn-cs"/>
+      </a:defRPr>
+    </a:lvl6pPr>
+    <a:lvl7pPr marL="2743200" algn="l" defTabSz="914400" rtl="0" eaLnBrk="1" latinLnBrk="0" hangingPunct="1">
+      <a:defRPr sz="1200" kern="1200">
+        <a:solidFill>
+          <a:schemeClr val="tx1"/>
+        </a:solidFill>
+        <a:latin typeface="+mn-lt"/>
+        <a:ea typeface="+mn-ea"/>
+        <a:cs typeface="+mn-cs"/>
+      </a:defRPr>
+    </a:lvl7pPr>
+    <a:lvl8pPr marL="3200400" algn="l" defTabSz="914400" rtl="0" eaLnBrk="1" latinLnBrk="0" hangingPunct="1">
+      <a:defRPr sz="1200" kern="1200">
+        <a:solidFill>
+          <a:schemeClr val="tx1"/>
+        </a:solidFill>
+        <a:latin typeface="+mn-lt"/>
+        <a:ea typeface="+mn-ea"/>
+        <a:cs typeface="+mn-cs"/>
+      </a:defRPr>
+    </a:lvl8pPr>
+    <a:lvl9pPr marL="3657600" algn="l" defTabSz="914400" rtl="0" eaLnBrk="1" latinLnBrk="0" hangingPunct="1">
+      <a:defRPr sz="1200" kern="1200">
+        <a:solidFill>
+          <a:schemeClr val="tx1"/>
+        </a:solidFill>
+        <a:latin typeface="+mn-lt"/>
+        <a:ea typeface="+mn-ea"/>
+        <a:cs typeface="+mn-cs"/>
+      </a:defRPr>
+    </a:lvl9pPr>
+  </p:notesStyle>
+</p:notesMaster>
+</file>
+
+<file path=ppt/notesSlides/notesSlide1.xml><?xml version="1.0" encoding="utf-8"?>
+<p:notes xmlns:a="http://schemas.openxmlformats.org/drawingml/2006/main" xmlns:r="http://schemas.openxmlformats.org/officeDocument/2006/relationships" xmlns:p="http://schemas.openxmlformats.org/presentationml/2006/main">
+  <p:cSld>
+    <p:spTree>
+      <p:nvGrpSpPr>
+        <p:cNvPr id="1" name=""/>
+        <p:cNvGrpSpPr/>
+        <p:nvPr/>
+      </p:nvGrpSpPr>
+      <p:grpSpPr>
+        <a:xfrm>
+          <a:off x="0" y="0"/>
+          <a:ext cx="0" cy="0"/>
+          <a:chOff x="0" y="0"/>
+          <a:chExt cx="0" cy="0"/>
+        </a:xfrm>
+      </p:grpSpPr>
+      <p:sp>
+        <p:nvSpPr>
+          <p:cNvPr id="2" name="Slide Image Placeholder 1"/>
+          <p:cNvSpPr>
+            <a:spLocks noGrp="1" noRot="1" noChangeAspect="1"/>
+          </p:cNvSpPr>
+          <p:nvPr>
+            <p:ph type="sldImg"/>
+          </p:nvPr>
+        </p:nvSpPr>
+        <p:spPr/>
+      </p:sp>
+      <p:sp>
+        <p:nvSpPr>
+          <p:cNvPr id="3" name="Notes Placeholder 2"/>
+          <p:cNvSpPr>
+            <a:spLocks noGrp="1"/>
+          </p:cNvSpPr>
+          <p:nvPr>
+            <p:ph type="body" idx="1"/>
+          </p:nvPr>
+        </p:nvSpPr>
+        <p:spPr/>
+        <p:txBody>
+          <a:bodyPr/>
+          <a:lstStyle/>
+          <a:p>
+            <a:r>
+              <a:rPr lang="en-US" dirty="0"/>
+              <a:t>Model showing adherence to constraints</a:t>
+            </a:r>
+          </a:p>
+        </p:txBody>
+      </p:sp>
+      <p:sp>
+        <p:nvSpPr>
+          <p:cNvPr id="4" name="Slide Number Placeholder 3"/>
+          <p:cNvSpPr>
+            <a:spLocks noGrp="1"/>
+          </p:cNvSpPr>
+          <p:nvPr>
+            <p:ph type="sldNum" sz="quarter" idx="5"/>
+          </p:nvPr>
+        </p:nvSpPr>
+        <p:spPr/>
+        <p:txBody>
+          <a:bodyPr/>
+          <a:lstStyle/>
+          <a:p>
+            <a:fld id="{3CB6F791-2959-43AB-97D7-231736B4B205}" type="slidenum">
+              <a:rPr lang="en-US" smtClean="0"/>
+              <a:t>17</a:t>
+            </a:fld>
+            <a:endParaRPr lang="en-US"/>
+          </a:p>
+        </p:txBody>
+      </p:sp>
+    </p:spTree>
+    <p:extLst>
+      <p:ext uri="{BB962C8B-B14F-4D97-AF65-F5344CB8AC3E}">
+        <p14:creationId xmlns:p14="http://schemas.microsoft.com/office/powerpoint/2010/main" val="942372935"/>
+      </p:ext>
+    </p:extLst>
+  </p:cSld>
+  <p:clrMapOvr>
+    <a:masterClrMapping/>
+  </p:clrMapOvr>
+</p:notes>
 </file>
 
 <file path=ppt/slideLayouts/slideLayout1.xml><?xml version="1.0" encoding="utf-8"?>
@@ -264,10 +656,9 @@
           <a:lstStyle/>
           <a:p>
             <a:r>
-              <a:rPr lang="en-US" smtClean="0"/>
+              <a:rPr lang="en-US"/>
               <a:t>Click to edit Master title style</a:t>
             </a:r>
-            <a:endParaRPr lang="en-US"/>
           </a:p>
         </p:txBody>
       </p:sp>
@@ -383,10 +774,9 @@
           </a:lstStyle>
           <a:p>
             <a:r>
-              <a:rPr lang="en-US" smtClean="0"/>
+              <a:rPr lang="en-US"/>
               <a:t>Click to edit Master subtitle style</a:t>
             </a:r>
-            <a:endParaRPr lang="en-US"/>
           </a:p>
         </p:txBody>
       </p:sp>
@@ -408,7 +798,7 @@
             <a:fld id="{1D8BD707-D9CF-40AE-B4C6-C98DA3205C09}" type="datetimeFigureOut">
               <a:rPr lang="en-US" smtClean="0"/>
               <a:pPr/>
-              <a:t>8/1/2011</a:t>
+              <a:t>11/3/2020</a:t>
             </a:fld>
             <a:endParaRPr lang="en-US"/>
           </a:p>
@@ -498,10 +888,9 @@
           <a:lstStyle/>
           <a:p>
             <a:r>
-              <a:rPr lang="en-US" smtClean="0"/>
+              <a:rPr lang="en-US"/>
               <a:t>Click to edit Master title style</a:t>
             </a:r>
-            <a:endParaRPr lang="en-US"/>
           </a:p>
         </p:txBody>
       </p:sp>
@@ -522,38 +911,37 @@
           <a:p>
             <a:pPr lvl="0"/>
             <a:r>
-              <a:rPr lang="en-US" smtClean="0"/>
+              <a:rPr lang="en-US"/>
               <a:t>Click to edit Master text styles</a:t>
             </a:r>
           </a:p>
           <a:p>
             <a:pPr lvl="1"/>
             <a:r>
-              <a:rPr lang="en-US" smtClean="0"/>
+              <a:rPr lang="en-US"/>
               <a:t>Second level</a:t>
             </a:r>
           </a:p>
           <a:p>
             <a:pPr lvl="2"/>
             <a:r>
-              <a:rPr lang="en-US" smtClean="0"/>
+              <a:rPr lang="en-US"/>
               <a:t>Third level</a:t>
             </a:r>
           </a:p>
           <a:p>
             <a:pPr lvl="3"/>
             <a:r>
-              <a:rPr lang="en-US" smtClean="0"/>
+              <a:rPr lang="en-US"/>
               <a:t>Fourth level</a:t>
             </a:r>
           </a:p>
           <a:p>
             <a:pPr lvl="4"/>
             <a:r>
-              <a:rPr lang="en-US" smtClean="0"/>
+              <a:rPr lang="en-US"/>
               <a:t>Fifth level</a:t>
             </a:r>
-            <a:endParaRPr lang="en-US"/>
           </a:p>
         </p:txBody>
       </p:sp>
@@ -575,7 +963,7 @@
             <a:fld id="{1D8BD707-D9CF-40AE-B4C6-C98DA3205C09}" type="datetimeFigureOut">
               <a:rPr lang="en-US" smtClean="0"/>
               <a:pPr/>
-              <a:t>8/1/2011</a:t>
+              <a:t>11/3/2020</a:t>
             </a:fld>
             <a:endParaRPr lang="en-US"/>
           </a:p>
@@ -670,10 +1058,9 @@
           <a:lstStyle/>
           <a:p>
             <a:r>
-              <a:rPr lang="en-US" smtClean="0"/>
+              <a:rPr lang="en-US"/>
               <a:t>Click to edit Master title style</a:t>
             </a:r>
-            <a:endParaRPr lang="en-US"/>
           </a:p>
         </p:txBody>
       </p:sp>
@@ -699,38 +1086,37 @@
           <a:p>
             <a:pPr lvl="0"/>
             <a:r>
-              <a:rPr lang="en-US" smtClean="0"/>
+              <a:rPr lang="en-US"/>
               <a:t>Click to edit Master text styles</a:t>
             </a:r>
           </a:p>
           <a:p>
             <a:pPr lvl="1"/>
             <a:r>
-              <a:rPr lang="en-US" smtClean="0"/>
+              <a:rPr lang="en-US"/>
               <a:t>Second level</a:t>
             </a:r>
           </a:p>
           <a:p>
             <a:pPr lvl="2"/>
             <a:r>
-              <a:rPr lang="en-US" smtClean="0"/>
+              <a:rPr lang="en-US"/>
               <a:t>Third level</a:t>
             </a:r>
           </a:p>
           <a:p>
             <a:pPr lvl="3"/>
             <a:r>
-              <a:rPr lang="en-US" smtClean="0"/>
+              <a:rPr lang="en-US"/>
               <a:t>Fourth level</a:t>
             </a:r>
           </a:p>
           <a:p>
             <a:pPr lvl="4"/>
             <a:r>
-              <a:rPr lang="en-US" smtClean="0"/>
+              <a:rPr lang="en-US"/>
               <a:t>Fifth level</a:t>
             </a:r>
-            <a:endParaRPr lang="en-US"/>
           </a:p>
         </p:txBody>
       </p:sp>
@@ -752,7 +1138,7 @@
             <a:fld id="{1D8BD707-D9CF-40AE-B4C6-C98DA3205C09}" type="datetimeFigureOut">
               <a:rPr lang="en-US" smtClean="0"/>
               <a:pPr/>
-              <a:t>8/1/2011</a:t>
+              <a:t>11/3/2020</a:t>
             </a:fld>
             <a:endParaRPr lang="en-US"/>
           </a:p>
@@ -842,10 +1228,9 @@
           <a:lstStyle/>
           <a:p>
             <a:r>
-              <a:rPr lang="en-US" smtClean="0"/>
+              <a:rPr lang="en-US"/>
               <a:t>Click to edit Master title style</a:t>
             </a:r>
-            <a:endParaRPr lang="en-US"/>
           </a:p>
         </p:txBody>
       </p:sp>
@@ -866,38 +1251,37 @@
           <a:p>
             <a:pPr lvl="0"/>
             <a:r>
-              <a:rPr lang="en-US" smtClean="0"/>
+              <a:rPr lang="en-US"/>
               <a:t>Click to edit Master text styles</a:t>
             </a:r>
           </a:p>
           <a:p>
             <a:pPr lvl="1"/>
             <a:r>
-              <a:rPr lang="en-US" smtClean="0"/>
+              <a:rPr lang="en-US"/>
               <a:t>Second level</a:t>
             </a:r>
           </a:p>
           <a:p>
             <a:pPr lvl="2"/>
             <a:r>
-              <a:rPr lang="en-US" smtClean="0"/>
+              <a:rPr lang="en-US"/>
               <a:t>Third level</a:t>
             </a:r>
           </a:p>
           <a:p>
             <a:pPr lvl="3"/>
             <a:r>
-              <a:rPr lang="en-US" smtClean="0"/>
+              <a:rPr lang="en-US"/>
               <a:t>Fourth level</a:t>
             </a:r>
           </a:p>
           <a:p>
             <a:pPr lvl="4"/>
             <a:r>
-              <a:rPr lang="en-US" smtClean="0"/>
+              <a:rPr lang="en-US"/>
               <a:t>Fifth level</a:t>
             </a:r>
-            <a:endParaRPr lang="en-US"/>
           </a:p>
         </p:txBody>
       </p:sp>
@@ -919,7 +1303,7 @@
             <a:fld id="{1D8BD707-D9CF-40AE-B4C6-C98DA3205C09}" type="datetimeFigureOut">
               <a:rPr lang="en-US" smtClean="0"/>
               <a:pPr/>
-              <a:t>8/1/2011</a:t>
+              <a:t>11/3/2020</a:t>
             </a:fld>
             <a:endParaRPr lang="en-US"/>
           </a:p>
@@ -1018,10 +1402,9 @@
           </a:lstStyle>
           <a:p>
             <a:r>
-              <a:rPr lang="en-US" smtClean="0"/>
+              <a:rPr lang="en-US"/>
               <a:t>Click to edit Master title style</a:t>
             </a:r>
-            <a:endParaRPr lang="en-US"/>
           </a:p>
         </p:txBody>
       </p:sp>
@@ -1138,7 +1521,7 @@
           <a:p>
             <a:pPr lvl="0"/>
             <a:r>
-              <a:rPr lang="en-US" smtClean="0"/>
+              <a:rPr lang="en-US"/>
               <a:t>Click to edit Master text styles</a:t>
             </a:r>
           </a:p>
@@ -1162,7 +1545,7 @@
             <a:fld id="{1D8BD707-D9CF-40AE-B4C6-C98DA3205C09}" type="datetimeFigureOut">
               <a:rPr lang="en-US" smtClean="0"/>
               <a:pPr/>
-              <a:t>8/1/2011</a:t>
+              <a:t>11/3/2020</a:t>
             </a:fld>
             <a:endParaRPr lang="en-US"/>
           </a:p>
@@ -1252,10 +1635,9 @@
           <a:lstStyle/>
           <a:p>
             <a:r>
-              <a:rPr lang="en-US" smtClean="0"/>
+              <a:rPr lang="en-US"/>
               <a:t>Click to edit Master title style</a:t>
             </a:r>
-            <a:endParaRPr lang="en-US"/>
           </a:p>
         </p:txBody>
       </p:sp>
@@ -1309,38 +1691,37 @@
           <a:p>
             <a:pPr lvl="0"/>
             <a:r>
-              <a:rPr lang="en-US" smtClean="0"/>
+              <a:rPr lang="en-US"/>
               <a:t>Click to edit Master text styles</a:t>
             </a:r>
           </a:p>
           <a:p>
             <a:pPr lvl="1"/>
             <a:r>
-              <a:rPr lang="en-US" smtClean="0"/>
+              <a:rPr lang="en-US"/>
               <a:t>Second level</a:t>
             </a:r>
           </a:p>
           <a:p>
             <a:pPr lvl="2"/>
             <a:r>
-              <a:rPr lang="en-US" smtClean="0"/>
+              <a:rPr lang="en-US"/>
               <a:t>Third level</a:t>
             </a:r>
           </a:p>
           <a:p>
             <a:pPr lvl="3"/>
             <a:r>
-              <a:rPr lang="en-US" smtClean="0"/>
+              <a:rPr lang="en-US"/>
               <a:t>Fourth level</a:t>
             </a:r>
           </a:p>
           <a:p>
             <a:pPr lvl="4"/>
             <a:r>
-              <a:rPr lang="en-US" smtClean="0"/>
+              <a:rPr lang="en-US"/>
               <a:t>Fifth level</a:t>
             </a:r>
-            <a:endParaRPr lang="en-US"/>
           </a:p>
         </p:txBody>
       </p:sp>
@@ -1394,38 +1775,37 @@
           <a:p>
             <a:pPr lvl="0"/>
             <a:r>
-              <a:rPr lang="en-US" smtClean="0"/>
+              <a:rPr lang="en-US"/>
               <a:t>Click to edit Master text styles</a:t>
             </a:r>
           </a:p>
           <a:p>
             <a:pPr lvl="1"/>
             <a:r>
-              <a:rPr lang="en-US" smtClean="0"/>
+              <a:rPr lang="en-US"/>
               <a:t>Second level</a:t>
             </a:r>
           </a:p>
           <a:p>
             <a:pPr lvl="2"/>
             <a:r>
-              <a:rPr lang="en-US" smtClean="0"/>
+              <a:rPr lang="en-US"/>
               <a:t>Third level</a:t>
             </a:r>
           </a:p>
           <a:p>
             <a:pPr lvl="3"/>
             <a:r>
-              <a:rPr lang="en-US" smtClean="0"/>
+              <a:rPr lang="en-US"/>
               <a:t>Fourth level</a:t>
             </a:r>
           </a:p>
           <a:p>
             <a:pPr lvl="4"/>
             <a:r>
-              <a:rPr lang="en-US" smtClean="0"/>
+              <a:rPr lang="en-US"/>
               <a:t>Fifth level</a:t>
             </a:r>
-            <a:endParaRPr lang="en-US"/>
           </a:p>
         </p:txBody>
       </p:sp>
@@ -1447,7 +1827,7 @@
             <a:fld id="{1D8BD707-D9CF-40AE-B4C6-C98DA3205C09}" type="datetimeFigureOut">
               <a:rPr lang="en-US" smtClean="0"/>
               <a:pPr/>
-              <a:t>8/1/2011</a:t>
+              <a:t>11/3/2020</a:t>
             </a:fld>
             <a:endParaRPr lang="en-US"/>
           </a:p>
@@ -1541,10 +1921,9 @@
           </a:lstStyle>
           <a:p>
             <a:r>
-              <a:rPr lang="en-US" smtClean="0"/>
+              <a:rPr lang="en-US"/>
               <a:t>Click to edit Master title style</a:t>
             </a:r>
-            <a:endParaRPr lang="en-US"/>
           </a:p>
         </p:txBody>
       </p:sp>
@@ -1607,7 +1986,7 @@
           <a:p>
             <a:pPr lvl="0"/>
             <a:r>
-              <a:rPr lang="en-US" smtClean="0"/>
+              <a:rPr lang="en-US"/>
               <a:t>Click to edit Master text styles</a:t>
             </a:r>
           </a:p>
@@ -1663,38 +2042,37 @@
           <a:p>
             <a:pPr lvl="0"/>
             <a:r>
-              <a:rPr lang="en-US" smtClean="0"/>
+              <a:rPr lang="en-US"/>
               <a:t>Click to edit Master text styles</a:t>
             </a:r>
           </a:p>
           <a:p>
             <a:pPr lvl="1"/>
             <a:r>
-              <a:rPr lang="en-US" smtClean="0"/>
+              <a:rPr lang="en-US"/>
               <a:t>Second level</a:t>
             </a:r>
           </a:p>
           <a:p>
             <a:pPr lvl="2"/>
             <a:r>
-              <a:rPr lang="en-US" smtClean="0"/>
+              <a:rPr lang="en-US"/>
               <a:t>Third level</a:t>
             </a:r>
           </a:p>
           <a:p>
             <a:pPr lvl="3"/>
             <a:r>
-              <a:rPr lang="en-US" smtClean="0"/>
+              <a:rPr lang="en-US"/>
               <a:t>Fourth level</a:t>
             </a:r>
           </a:p>
           <a:p>
             <a:pPr lvl="4"/>
             <a:r>
-              <a:rPr lang="en-US" smtClean="0"/>
+              <a:rPr lang="en-US"/>
               <a:t>Fifth level</a:t>
             </a:r>
-            <a:endParaRPr lang="en-US"/>
           </a:p>
         </p:txBody>
       </p:sp>
@@ -1757,7 +2135,7 @@
           <a:p>
             <a:pPr lvl="0"/>
             <a:r>
-              <a:rPr lang="en-US" smtClean="0"/>
+              <a:rPr lang="en-US"/>
               <a:t>Click to edit Master text styles</a:t>
             </a:r>
           </a:p>
@@ -1813,38 +2191,37 @@
           <a:p>
             <a:pPr lvl="0"/>
             <a:r>
-              <a:rPr lang="en-US" smtClean="0"/>
+              <a:rPr lang="en-US"/>
               <a:t>Click to edit Master text styles</a:t>
             </a:r>
           </a:p>
           <a:p>
             <a:pPr lvl="1"/>
             <a:r>
-              <a:rPr lang="en-US" smtClean="0"/>
+              <a:rPr lang="en-US"/>
               <a:t>Second level</a:t>
             </a:r>
           </a:p>
           <a:p>
             <a:pPr lvl="2"/>
             <a:r>
-              <a:rPr lang="en-US" smtClean="0"/>
+              <a:rPr lang="en-US"/>
               <a:t>Third level</a:t>
             </a:r>
           </a:p>
           <a:p>
             <a:pPr lvl="3"/>
             <a:r>
-              <a:rPr lang="en-US" smtClean="0"/>
+              <a:rPr lang="en-US"/>
               <a:t>Fourth level</a:t>
             </a:r>
           </a:p>
           <a:p>
             <a:pPr lvl="4"/>
             <a:r>
-              <a:rPr lang="en-US" smtClean="0"/>
+              <a:rPr lang="en-US"/>
               <a:t>Fifth level</a:t>
             </a:r>
-            <a:endParaRPr lang="en-US"/>
           </a:p>
         </p:txBody>
       </p:sp>
@@ -1866,7 +2243,7 @@
             <a:fld id="{1D8BD707-D9CF-40AE-B4C6-C98DA3205C09}" type="datetimeFigureOut">
               <a:rPr lang="en-US" smtClean="0"/>
               <a:pPr/>
-              <a:t>8/1/2011</a:t>
+              <a:t>11/3/2020</a:t>
             </a:fld>
             <a:endParaRPr lang="en-US"/>
           </a:p>
@@ -1956,10 +2333,9 @@
           <a:lstStyle/>
           <a:p>
             <a:r>
-              <a:rPr lang="en-US" smtClean="0"/>
+              <a:rPr lang="en-US"/>
               <a:t>Click to edit Master title style</a:t>
             </a:r>
-            <a:endParaRPr lang="en-US"/>
           </a:p>
         </p:txBody>
       </p:sp>
@@ -1981,7 +2357,7 @@
             <a:fld id="{1D8BD707-D9CF-40AE-B4C6-C98DA3205C09}" type="datetimeFigureOut">
               <a:rPr lang="en-US" smtClean="0"/>
               <a:pPr/>
-              <a:t>8/1/2011</a:t>
+              <a:t>11/3/2020</a:t>
             </a:fld>
             <a:endParaRPr lang="en-US"/>
           </a:p>
@@ -2073,7 +2449,7 @@
             <a:fld id="{1D8BD707-D9CF-40AE-B4C6-C98DA3205C09}" type="datetimeFigureOut">
               <a:rPr lang="en-US" smtClean="0"/>
               <a:pPr/>
-              <a:t>8/1/2011</a:t>
+              <a:t>11/3/2020</a:t>
             </a:fld>
             <a:endParaRPr lang="en-US"/>
           </a:p>
@@ -2172,10 +2548,9 @@
           </a:lstStyle>
           <a:p>
             <a:r>
-              <a:rPr lang="en-US" smtClean="0"/>
+              <a:rPr lang="en-US"/>
               <a:t>Click to edit Master title style</a:t>
             </a:r>
-            <a:endParaRPr lang="en-US"/>
           </a:p>
         </p:txBody>
       </p:sp>
@@ -2229,38 +2604,37 @@
           <a:p>
             <a:pPr lvl="0"/>
             <a:r>
-              <a:rPr lang="en-US" smtClean="0"/>
+              <a:rPr lang="en-US"/>
               <a:t>Click to edit Master text styles</a:t>
             </a:r>
           </a:p>
           <a:p>
             <a:pPr lvl="1"/>
             <a:r>
-              <a:rPr lang="en-US" smtClean="0"/>
+              <a:rPr lang="en-US"/>
               <a:t>Second level</a:t>
             </a:r>
           </a:p>
           <a:p>
             <a:pPr lvl="2"/>
             <a:r>
-              <a:rPr lang="en-US" smtClean="0"/>
+              <a:rPr lang="en-US"/>
               <a:t>Third level</a:t>
             </a:r>
           </a:p>
           <a:p>
             <a:pPr lvl="3"/>
             <a:r>
-              <a:rPr lang="en-US" smtClean="0"/>
+              <a:rPr lang="en-US"/>
               <a:t>Fourth level</a:t>
             </a:r>
           </a:p>
           <a:p>
             <a:pPr lvl="4"/>
             <a:r>
-              <a:rPr lang="en-US" smtClean="0"/>
+              <a:rPr lang="en-US"/>
               <a:t>Fifth level</a:t>
             </a:r>
-            <a:endParaRPr lang="en-US"/>
           </a:p>
         </p:txBody>
       </p:sp>
@@ -2323,7 +2697,7 @@
           <a:p>
             <a:pPr lvl="0"/>
             <a:r>
-              <a:rPr lang="en-US" smtClean="0"/>
+              <a:rPr lang="en-US"/>
               <a:t>Click to edit Master text styles</a:t>
             </a:r>
           </a:p>
@@ -2347,7 +2721,7 @@
             <a:fld id="{1D8BD707-D9CF-40AE-B4C6-C98DA3205C09}" type="datetimeFigureOut">
               <a:rPr lang="en-US" smtClean="0"/>
               <a:pPr/>
-              <a:t>8/1/2011</a:t>
+              <a:t>11/3/2020</a:t>
             </a:fld>
             <a:endParaRPr lang="en-US"/>
           </a:p>
@@ -2446,10 +2820,9 @@
           </a:lstStyle>
           <a:p>
             <a:r>
-              <a:rPr lang="en-US" smtClean="0"/>
+              <a:rPr lang="en-US"/>
               <a:t>Click to edit Master title style</a:t>
             </a:r>
-            <a:endParaRPr lang="en-US"/>
           </a:p>
         </p:txBody>
       </p:sp>
@@ -2573,7 +2946,7 @@
           <a:p>
             <a:pPr lvl="0"/>
             <a:r>
-              <a:rPr lang="en-US" smtClean="0"/>
+              <a:rPr lang="en-US"/>
               <a:t>Click to edit Master text styles</a:t>
             </a:r>
           </a:p>
@@ -2597,7 +2970,7 @@
             <a:fld id="{1D8BD707-D9CF-40AE-B4C6-C98DA3205C09}" type="datetimeFigureOut">
               <a:rPr lang="en-US" smtClean="0"/>
               <a:pPr/>
-              <a:t>8/1/2011</a:t>
+              <a:t>11/3/2020</a:t>
             </a:fld>
             <a:endParaRPr lang="en-US"/>
           </a:p>
@@ -2702,10 +3075,9 @@
           <a:lstStyle/>
           <a:p>
             <a:r>
-              <a:rPr lang="en-US" smtClean="0"/>
+              <a:rPr lang="en-US"/>
               <a:t>Click to edit Master title style</a:t>
             </a:r>
-            <a:endParaRPr lang="en-US"/>
           </a:p>
         </p:txBody>
       </p:sp>
@@ -2736,38 +3108,37 @@
           <a:p>
             <a:pPr lvl="0"/>
             <a:r>
-              <a:rPr lang="en-US" smtClean="0"/>
+              <a:rPr lang="en-US"/>
               <a:t>Click to edit Master text styles</a:t>
             </a:r>
           </a:p>
           <a:p>
             <a:pPr lvl="1"/>
             <a:r>
-              <a:rPr lang="en-US" smtClean="0"/>
+              <a:rPr lang="en-US"/>
               <a:t>Second level</a:t>
             </a:r>
           </a:p>
           <a:p>
             <a:pPr lvl="2"/>
             <a:r>
-              <a:rPr lang="en-US" smtClean="0"/>
+              <a:rPr lang="en-US"/>
               <a:t>Third level</a:t>
             </a:r>
           </a:p>
           <a:p>
             <a:pPr lvl="3"/>
             <a:r>
-              <a:rPr lang="en-US" smtClean="0"/>
+              <a:rPr lang="en-US"/>
               <a:t>Fourth level</a:t>
             </a:r>
           </a:p>
           <a:p>
             <a:pPr lvl="4"/>
             <a:r>
-              <a:rPr lang="en-US" smtClean="0"/>
+              <a:rPr lang="en-US"/>
               <a:t>Fifth level</a:t>
             </a:r>
-            <a:endParaRPr lang="en-US"/>
           </a:p>
         </p:txBody>
       </p:sp>
@@ -2807,7 +3178,7 @@
             <a:fld id="{1D8BD707-D9CF-40AE-B4C6-C98DA3205C09}" type="datetimeFigureOut">
               <a:rPr lang="en-US" smtClean="0"/>
               <a:pPr/>
-              <a:t>8/1/2011</a:t>
+              <a:t>11/3/2020</a:t>
             </a:fld>
             <a:endParaRPr lang="en-US"/>
           </a:p>
@@ -3162,13 +3533,14 @@
 </file>
 
 <file path=ppt/slides/slide1.xml><?xml version="1.0" encoding="utf-8"?>
-<p:sld xmlns:p="http://schemas.openxmlformats.org/presentationml/2006/main" xmlns:a="http://schemas.openxmlformats.org/drawingml/2006/main" xmlns:r="http://schemas.openxmlformats.org/officeDocument/2006/relationships">
+<p:sld xmlns:a="http://schemas.openxmlformats.org/drawingml/2006/main" xmlns:r="http://schemas.openxmlformats.org/officeDocument/2006/relationships" xmlns:p="http://schemas.openxmlformats.org/presentationml/2006/main">
   <p:cSld>
     <p:bg>
       <p:bgPr>
         <a:solidFill>
           <a:srgbClr val="008037"/>
         </a:solidFill>
+        <a:effectLst/>
       </p:bgPr>
     </p:bg>
     <p:spTree>
@@ -3187,117 +3559,40 @@
       </p:grpSpPr>
       <p:pic>
         <p:nvPicPr>
-          <p:cNvPr name="Picture 2" id="2"/>
+          <p:cNvPr id="7" name="Picture 6" descr="Logo&#10;&#10;Description automatically generated">
+            <a:extLst>
+              <a:ext uri="{FF2B5EF4-FFF2-40B4-BE49-F238E27FC236}">
+                <a16:creationId xmlns:a16="http://schemas.microsoft.com/office/drawing/2014/main" id="{1C553EA8-4EBA-4BA9-AD02-E99809A17CAE}"/>
+              </a:ext>
+            </a:extLst>
+          </p:cNvPr>
           <p:cNvPicPr>
-            <a:picLocks noChangeAspect="true"/>
+            <a:picLocks noChangeAspect="1"/>
           </p:cNvPicPr>
           <p:nvPr/>
         </p:nvPicPr>
         <p:blipFill>
-          <a:blip r:embed="rId2"/>
-          <a:srcRect l="0" t="0" r="0" b="0"/>
+          <a:blip r:embed="rId2">
+            <a:extLst>
+              <a:ext uri="{28A0092B-C50C-407E-A947-70E740481C1C}">
+                <a14:useLocalDpi xmlns:a14="http://schemas.microsoft.com/office/drawing/2010/main" val="0"/>
+              </a:ext>
+            </a:extLst>
+          </a:blip>
           <a:stretch>
             <a:fillRect/>
           </a:stretch>
         </p:blipFill>
         <p:spPr>
-          <a:xfrm flipH="false" flipV="false" rot="0">
-            <a:off x="2507580" y="2178685"/>
-            <a:ext cx="2329840" cy="3742715"/>
+          <a:xfrm>
+            <a:off x="0" y="0"/>
+            <a:ext cx="18288000" cy="10287000"/>
           </a:xfrm>
           <a:prstGeom prst="rect">
             <a:avLst/>
           </a:prstGeom>
         </p:spPr>
       </p:pic>
-      <p:pic>
-        <p:nvPicPr>
-          <p:cNvPr name="Picture 3" id="3"/>
-          <p:cNvPicPr>
-            <a:picLocks noChangeAspect="true"/>
-          </p:cNvPicPr>
-          <p:nvPr/>
-        </p:nvPicPr>
-        <p:blipFill>
-          <a:blip r:embed="rId3"/>
-          <a:srcRect l="0" t="0" r="0" b="0"/>
-          <a:stretch>
-            <a:fillRect/>
-          </a:stretch>
-        </p:blipFill>
-        <p:spPr>
-          <a:xfrm flipH="false" flipV="false" rot="0">
-            <a:off x="14536071" y="5143500"/>
-            <a:ext cx="1717929" cy="4114800"/>
-          </a:xfrm>
-          <a:prstGeom prst="rect">
-            <a:avLst/>
-          </a:prstGeom>
-        </p:spPr>
-      </p:pic>
-      <p:pic>
-        <p:nvPicPr>
-          <p:cNvPr name="Picture 4" id="4"/>
-          <p:cNvPicPr>
-            <a:picLocks noChangeAspect="true"/>
-          </p:cNvPicPr>
-          <p:nvPr/>
-        </p:nvPicPr>
-        <p:blipFill>
-          <a:blip r:embed="rId4"/>
-          <a:srcRect l="0" t="0" r="0" b="0"/>
-          <a:stretch>
-            <a:fillRect/>
-          </a:stretch>
-        </p:blipFill>
-        <p:spPr>
-          <a:xfrm flipH="false" flipV="false" rot="0">
-            <a:off x="9856825" y="2607499"/>
-            <a:ext cx="2257996" cy="4114800"/>
-          </a:xfrm>
-          <a:prstGeom prst="rect">
-            <a:avLst/>
-          </a:prstGeom>
-        </p:spPr>
-      </p:pic>
-      <p:sp>
-        <p:nvSpPr>
-          <p:cNvPr name="TextBox 5" id="5"/>
-          <p:cNvSpPr txBox="true"/>
-          <p:nvPr/>
-        </p:nvSpPr>
-        <p:spPr>
-          <a:xfrm rot="0">
-            <a:off x="5677071" y="11171"/>
-            <a:ext cx="6208094" cy="1835034"/>
-          </a:xfrm>
-          <a:prstGeom prst="rect">
-            <a:avLst/>
-          </a:prstGeom>
-        </p:spPr>
-        <p:txBody>
-          <a:bodyPr anchor="t" rtlCol="false" tIns="0" lIns="0" bIns="0" rIns="0">
-            <a:spAutoFit/>
-          </a:bodyPr>
-          <a:lstStyle/>
-          <a:p>
-            <a:pPr algn="ctr">
-              <a:lnSpc>
-                <a:spcPts val="15127"/>
-              </a:lnSpc>
-            </a:pPr>
-            <a:r>
-              <a:rPr lang="en-US" sz="10805" spc="486">
-                <a:solidFill>
-                  <a:srgbClr val="F9DD0B"/>
-                </a:solidFill>
-                <a:latin typeface="Sunborn"/>
-              </a:rPr>
-              <a:t>TRIPLE J</a:t>
-            </a:r>
-          </a:p>
-        </p:txBody>
-      </p:sp>
     </p:spTree>
   </p:cSld>
   <p:clrMapOvr>
@@ -3307,13 +3602,14 @@
 </file>
 
 <file path=ppt/slides/slide10.xml><?xml version="1.0" encoding="utf-8"?>
-<p:sld xmlns:p="http://schemas.openxmlformats.org/presentationml/2006/main" xmlns:a="http://schemas.openxmlformats.org/drawingml/2006/main" xmlns:r="http://schemas.openxmlformats.org/officeDocument/2006/relationships">
+<p:sld xmlns:a="http://schemas.openxmlformats.org/drawingml/2006/main" xmlns:r="http://schemas.openxmlformats.org/officeDocument/2006/relationships" xmlns:p="http://schemas.openxmlformats.org/presentationml/2006/main">
   <p:cSld>
     <p:bg>
       <p:bgPr>
         <a:solidFill>
           <a:srgbClr val="000000"/>
         </a:solidFill>
+        <a:effectLst/>
       </p:bgPr>
     </p:bg>
     <p:spTree>
@@ -3332,21 +3628,21 @@
       </p:grpSpPr>
       <p:pic>
         <p:nvPicPr>
-          <p:cNvPr name="Picture 2" id="2"/>
+          <p:cNvPr id="2" name="Picture 2"/>
           <p:cNvPicPr>
-            <a:picLocks noChangeAspect="true"/>
+            <a:picLocks noChangeAspect="1"/>
           </p:cNvPicPr>
           <p:nvPr/>
         </p:nvPicPr>
         <p:blipFill>
           <a:blip r:embed="rId2"/>
-          <a:srcRect l="0" t="0" r="0" b="0"/>
+          <a:srcRect/>
           <a:stretch>
             <a:fillRect/>
           </a:stretch>
         </p:blipFill>
         <p:spPr>
-          <a:xfrm flipH="false" flipV="false" rot="-5400000">
+          <a:xfrm rot="-5400000">
             <a:off x="13195276" y="4299934"/>
             <a:ext cx="5187978" cy="2593989"/>
           </a:xfrm>
@@ -3357,21 +3653,21 @@
       </p:pic>
       <p:pic>
         <p:nvPicPr>
-          <p:cNvPr name="Picture 3" id="3"/>
+          <p:cNvPr id="3" name="Picture 3"/>
           <p:cNvPicPr>
-            <a:picLocks noChangeAspect="true"/>
+            <a:picLocks noChangeAspect="1"/>
           </p:cNvPicPr>
           <p:nvPr/>
         </p:nvPicPr>
         <p:blipFill>
           <a:blip r:embed="rId3"/>
-          <a:srcRect l="0" t="0" r="0" b="0"/>
+          <a:srcRect/>
           <a:stretch>
             <a:fillRect/>
           </a:stretch>
         </p:blipFill>
         <p:spPr>
-          <a:xfrm flipH="false" flipV="false" rot="5400000">
+          <a:xfrm rot="5400000">
             <a:off x="10601287" y="2495715"/>
             <a:ext cx="5187978" cy="2593989"/>
           </a:xfrm>
@@ -3382,21 +3678,21 @@
       </p:pic>
       <p:pic>
         <p:nvPicPr>
-          <p:cNvPr name="Picture 4" id="4"/>
+          <p:cNvPr id="4" name="Picture 4"/>
           <p:cNvPicPr>
-            <a:picLocks noChangeAspect="true"/>
+            <a:picLocks noChangeAspect="1"/>
           </p:cNvPicPr>
           <p:nvPr/>
         </p:nvPicPr>
         <p:blipFill>
           <a:blip r:embed="rId4"/>
-          <a:srcRect l="0" t="0" r="0" b="0"/>
+          <a:srcRect/>
           <a:stretch>
             <a:fillRect/>
           </a:stretch>
         </p:blipFill>
         <p:spPr>
-          <a:xfrm flipH="false" flipV="false" rot="0">
+          <a:xfrm>
             <a:off x="11397506" y="1198721"/>
             <a:ext cx="1797770" cy="1671926"/>
           </a:xfrm>
@@ -3407,21 +3703,21 @@
       </p:pic>
       <p:pic>
         <p:nvPicPr>
-          <p:cNvPr name="Picture 5" id="5"/>
+          <p:cNvPr id="5" name="Picture 5"/>
           <p:cNvPicPr>
-            <a:picLocks noChangeAspect="true"/>
+            <a:picLocks noChangeAspect="1"/>
           </p:cNvPicPr>
           <p:nvPr/>
         </p:nvPicPr>
         <p:blipFill>
           <a:blip r:embed="rId4"/>
-          <a:srcRect l="0" t="0" r="0" b="0"/>
+          <a:srcRect/>
           <a:stretch>
             <a:fillRect/>
           </a:stretch>
         </p:blipFill>
         <p:spPr>
-          <a:xfrm flipH="false" flipV="false" rot="0">
+          <a:xfrm>
             <a:off x="15789266" y="7137693"/>
             <a:ext cx="1797770" cy="1671926"/>
           </a:xfrm>
@@ -3432,21 +3728,21 @@
       </p:pic>
       <p:pic>
         <p:nvPicPr>
-          <p:cNvPr name="Picture 6" id="6"/>
+          <p:cNvPr id="6" name="Picture 6"/>
           <p:cNvPicPr>
-            <a:picLocks noChangeAspect="true"/>
+            <a:picLocks noChangeAspect="1"/>
           </p:cNvPicPr>
           <p:nvPr/>
         </p:nvPicPr>
         <p:blipFill>
           <a:blip r:embed="rId5"/>
-          <a:srcRect l="0" t="0" r="0" b="0"/>
+          <a:srcRect/>
           <a:stretch>
             <a:fillRect/>
           </a:stretch>
         </p:blipFill>
         <p:spPr>
-          <a:xfrm flipH="false" flipV="false" rot="0">
+          <a:xfrm>
             <a:off x="13961198" y="4251374"/>
             <a:ext cx="1062145" cy="886891"/>
           </a:xfrm>
@@ -3457,21 +3753,21 @@
       </p:pic>
       <p:pic>
         <p:nvPicPr>
-          <p:cNvPr name="Picture 7" id="7"/>
+          <p:cNvPr id="7" name="Picture 7"/>
           <p:cNvPicPr>
-            <a:picLocks noChangeAspect="true"/>
+            <a:picLocks noChangeAspect="1"/>
           </p:cNvPicPr>
           <p:nvPr/>
         </p:nvPicPr>
         <p:blipFill>
           <a:blip r:embed="rId6"/>
-          <a:srcRect l="0" t="0" r="0" b="0"/>
+          <a:srcRect/>
           <a:stretch>
             <a:fillRect/>
           </a:stretch>
         </p:blipFill>
         <p:spPr>
-          <a:xfrm flipH="false" flipV="false" rot="0">
+          <a:xfrm>
             <a:off x="16202448" y="1664306"/>
             <a:ext cx="1384587" cy="740754"/>
           </a:xfrm>
@@ -3482,21 +3778,21 @@
       </p:pic>
       <p:pic>
         <p:nvPicPr>
-          <p:cNvPr name="Picture 8" id="8"/>
+          <p:cNvPr id="8" name="Picture 8"/>
           <p:cNvPicPr>
-            <a:picLocks noChangeAspect="true"/>
+            <a:picLocks noChangeAspect="1"/>
           </p:cNvPicPr>
           <p:nvPr/>
         </p:nvPicPr>
         <p:blipFill>
           <a:blip r:embed="rId7"/>
-          <a:srcRect l="0" t="0" r="0" b="0"/>
+          <a:srcRect/>
           <a:stretch>
             <a:fillRect/>
           </a:stretch>
         </p:blipFill>
         <p:spPr>
-          <a:xfrm flipH="false" flipV="false" rot="0">
+          <a:xfrm>
             <a:off x="11397506" y="7603279"/>
             <a:ext cx="1384587" cy="740754"/>
           </a:xfrm>
@@ -3507,12 +3803,12 @@
       </p:pic>
       <p:grpSp>
         <p:nvGrpSpPr>
-          <p:cNvPr name="Group 9" id="9"/>
+          <p:cNvPr id="9" name="Group 9"/>
           <p:cNvGrpSpPr/>
           <p:nvPr/>
         </p:nvGrpSpPr>
         <p:grpSpPr>
-          <a:xfrm rot="0">
+          <a:xfrm>
             <a:off x="369803" y="3798327"/>
             <a:ext cx="11719997" cy="4545707"/>
             <a:chOff x="0" y="0"/>
@@ -3521,12 +3817,12 @@
         </p:grpSpPr>
         <p:sp>
           <p:nvSpPr>
-            <p:cNvPr name="TextBox 10" id="10"/>
-            <p:cNvSpPr txBox="true"/>
+            <p:cNvPr id="10" name="TextBox 10"/>
+            <p:cNvSpPr txBox="1"/>
             <p:nvPr/>
           </p:nvSpPr>
           <p:spPr>
-            <a:xfrm rot="0">
+            <a:xfrm>
               <a:off x="0" y="114300"/>
               <a:ext cx="15626662" cy="4721291"/>
             </a:xfrm>
@@ -3535,7 +3831,7 @@
             </a:prstGeom>
           </p:spPr>
           <p:txBody>
-            <a:bodyPr anchor="t" rtlCol="false" tIns="0" lIns="0" bIns="0" rIns="0">
+            <a:bodyPr lIns="0" tIns="0" rIns="0" bIns="0" rtlCol="0" anchor="t">
               <a:spAutoFit/>
             </a:bodyPr>
             <a:lstStyle/>
@@ -3559,12 +3855,12 @@
         </p:sp>
         <p:sp>
           <p:nvSpPr>
-            <p:cNvPr name="TextBox 11" id="11"/>
-            <p:cNvSpPr txBox="true"/>
+            <p:cNvPr id="11" name="TextBox 11"/>
+            <p:cNvSpPr txBox="1"/>
             <p:nvPr/>
           </p:nvSpPr>
           <p:spPr>
-            <a:xfrm rot="0">
+            <a:xfrm>
               <a:off x="0" y="5447815"/>
               <a:ext cx="15626662" cy="613127"/>
             </a:xfrm>
@@ -3573,7 +3869,7 @@
             </a:prstGeom>
           </p:spPr>
           <p:txBody>
-            <a:bodyPr anchor="t" rtlCol="false" tIns="0" lIns="0" bIns="0" rIns="0">
+            <a:bodyPr lIns="0" tIns="0" rIns="0" bIns="0" rtlCol="0" anchor="t">
               <a:spAutoFit/>
             </a:bodyPr>
             <a:lstStyle/>
@@ -3583,6 +3879,7 @@
                   <a:spcPts val="3520"/>
                 </a:lnSpc>
               </a:pPr>
+              <a:endParaRPr/>
             </a:p>
           </p:txBody>
         </p:sp>
@@ -3596,7 +3893,7 @@
 </file>
 
 <file path=ppt/slides/slide11.xml><?xml version="1.0" encoding="utf-8"?>
-<p:sld xmlns:p="http://schemas.openxmlformats.org/presentationml/2006/main" xmlns:a="http://schemas.openxmlformats.org/drawingml/2006/main" xmlns:r="http://schemas.openxmlformats.org/officeDocument/2006/relationships">
+<p:sld xmlns:a="http://schemas.openxmlformats.org/drawingml/2006/main" xmlns:r="http://schemas.openxmlformats.org/officeDocument/2006/relationships" xmlns:p="http://schemas.openxmlformats.org/presentationml/2006/main">
   <p:cSld>
     <p:spTree>
       <p:nvGrpSpPr>
@@ -3614,9 +3911,9 @@
       </p:grpSpPr>
       <p:pic>
         <p:nvPicPr>
-          <p:cNvPr name="Picture 2" id="2"/>
+          <p:cNvPr id="2" name="Picture 2"/>
           <p:cNvPicPr>
-            <a:picLocks noChangeAspect="true"/>
+            <a:picLocks noChangeAspect="1"/>
           </p:cNvPicPr>
           <p:nvPr/>
         </p:nvPicPr>
@@ -3628,9 +3925,9 @@
           </a:stretch>
         </p:blipFill>
         <p:spPr>
-          <a:xfrm flipH="false" flipV="false" rot="0">
-            <a:off x="183229" y="573529"/>
-            <a:ext cx="18025033" cy="8890870"/>
+          <a:xfrm>
+            <a:off x="183229" y="342900"/>
+            <a:ext cx="18025033" cy="9524999"/>
           </a:xfrm>
           <a:prstGeom prst="rect">
             <a:avLst/>
@@ -3646,13 +3943,14 @@
 </file>
 
 <file path=ppt/slides/slide12.xml><?xml version="1.0" encoding="utf-8"?>
-<p:sld xmlns:p="http://schemas.openxmlformats.org/presentationml/2006/main" xmlns:a="http://schemas.openxmlformats.org/drawingml/2006/main" xmlns:r="http://schemas.openxmlformats.org/officeDocument/2006/relationships">
+<p:sld xmlns:a="http://schemas.openxmlformats.org/drawingml/2006/main" xmlns:r="http://schemas.openxmlformats.org/officeDocument/2006/relationships" xmlns:p="http://schemas.openxmlformats.org/presentationml/2006/main">
   <p:cSld>
     <p:bg>
       <p:bgPr>
         <a:solidFill>
           <a:srgbClr val="000000"/>
         </a:solidFill>
+        <a:effectLst/>
       </p:bgPr>
     </p:bg>
     <p:spTree>
@@ -3671,21 +3969,21 @@
       </p:grpSpPr>
       <p:pic>
         <p:nvPicPr>
-          <p:cNvPr name="Picture 2" id="2"/>
+          <p:cNvPr id="2" name="Picture 2"/>
           <p:cNvPicPr>
-            <a:picLocks noChangeAspect="true"/>
+            <a:picLocks noChangeAspect="1"/>
           </p:cNvPicPr>
           <p:nvPr/>
         </p:nvPicPr>
         <p:blipFill>
           <a:blip r:embed="rId2"/>
-          <a:srcRect l="0" t="0" r="0" b="0"/>
+          <a:srcRect/>
           <a:stretch>
             <a:fillRect/>
           </a:stretch>
         </p:blipFill>
         <p:spPr>
-          <a:xfrm flipH="false" flipV="false" rot="-5400000">
+          <a:xfrm rot="-5400000">
             <a:off x="13254797" y="5629015"/>
             <a:ext cx="4581341" cy="2290671"/>
           </a:xfrm>
@@ -3696,21 +3994,21 @@
       </p:pic>
       <p:pic>
         <p:nvPicPr>
-          <p:cNvPr name="Picture 3" id="3"/>
+          <p:cNvPr id="3" name="Picture 3"/>
           <p:cNvPicPr>
-            <a:picLocks noChangeAspect="true"/>
+            <a:picLocks noChangeAspect="1"/>
           </p:cNvPicPr>
           <p:nvPr/>
         </p:nvPicPr>
         <p:blipFill>
           <a:blip r:embed="rId3"/>
-          <a:srcRect l="0" t="0" r="0" b="0"/>
+          <a:srcRect/>
           <a:stretch>
             <a:fillRect/>
           </a:stretch>
         </p:blipFill>
         <p:spPr>
-          <a:xfrm flipH="false" flipV="false" rot="0">
+          <a:xfrm>
             <a:off x="15545468" y="8134951"/>
             <a:ext cx="1587554" cy="1476426"/>
           </a:xfrm>
@@ -3721,21 +4019,21 @@
       </p:pic>
       <p:pic>
         <p:nvPicPr>
-          <p:cNvPr name="Picture 4" id="4"/>
+          <p:cNvPr id="4" name="Picture 4"/>
           <p:cNvPicPr>
-            <a:picLocks noChangeAspect="true"/>
+            <a:picLocks noChangeAspect="1"/>
           </p:cNvPicPr>
           <p:nvPr/>
         </p:nvPicPr>
         <p:blipFill>
           <a:blip r:embed="rId4"/>
-          <a:srcRect l="0" t="0" r="0" b="0"/>
+          <a:srcRect/>
           <a:stretch>
             <a:fillRect/>
           </a:stretch>
         </p:blipFill>
         <p:spPr>
-          <a:xfrm flipH="false" flipV="false" rot="5400000">
+          <a:xfrm rot="5400000">
             <a:off x="10964126" y="4035765"/>
             <a:ext cx="4581341" cy="2290671"/>
           </a:xfrm>
@@ -3746,21 +4044,21 @@
       </p:pic>
       <p:pic>
         <p:nvPicPr>
-          <p:cNvPr name="Picture 5" id="5"/>
+          <p:cNvPr id="5" name="Picture 5"/>
           <p:cNvPicPr>
-            <a:picLocks noChangeAspect="true"/>
+            <a:picLocks noChangeAspect="1"/>
           </p:cNvPicPr>
           <p:nvPr/>
         </p:nvPicPr>
         <p:blipFill>
           <a:blip r:embed="rId3"/>
-          <a:srcRect l="0" t="0" r="0" b="0"/>
+          <a:srcRect/>
           <a:stretch>
             <a:fillRect/>
           </a:stretch>
         </p:blipFill>
         <p:spPr>
-          <a:xfrm flipH="false" flipV="false" rot="0">
+          <a:xfrm>
             <a:off x="11667243" y="2890430"/>
             <a:ext cx="1587554" cy="1476426"/>
           </a:xfrm>
@@ -3771,9 +4069,9 @@
       </p:pic>
       <p:pic>
         <p:nvPicPr>
-          <p:cNvPr name="Picture 6" id="6"/>
+          <p:cNvPr id="6" name="Picture 6"/>
           <p:cNvPicPr>
-            <a:picLocks noChangeAspect="true"/>
+            <a:picLocks noChangeAspect="1"/>
           </p:cNvPicPr>
           <p:nvPr/>
         </p:nvPicPr>
@@ -3781,13 +4079,13 @@
           <a:blip r:embed="rId5">
             <a:alphaModFix amt="23000"/>
           </a:blip>
-          <a:srcRect l="0" t="0" r="0" b="0"/>
+          <a:srcRect/>
           <a:stretch>
             <a:fillRect/>
           </a:stretch>
         </p:blipFill>
         <p:spPr>
-          <a:xfrm flipH="false" flipV="false" rot="0">
+          <a:xfrm>
             <a:off x="10563291" y="2890430"/>
             <a:ext cx="7217569" cy="6705777"/>
           </a:xfrm>
@@ -3798,21 +4096,21 @@
       </p:pic>
       <p:pic>
         <p:nvPicPr>
-          <p:cNvPr name="Picture 7" id="7"/>
+          <p:cNvPr id="7" name="Picture 7"/>
           <p:cNvPicPr>
-            <a:picLocks noChangeAspect="true"/>
+            <a:picLocks noChangeAspect="1"/>
           </p:cNvPicPr>
           <p:nvPr/>
         </p:nvPicPr>
         <p:blipFill>
           <a:blip r:embed="rId6"/>
-          <a:srcRect l="0" t="0" r="0" b="0"/>
+          <a:srcRect/>
           <a:stretch>
             <a:fillRect/>
           </a:stretch>
         </p:blipFill>
         <p:spPr>
-          <a:xfrm flipH="false" flipV="false" rot="0">
+          <a:xfrm>
             <a:off x="13931159" y="5586133"/>
             <a:ext cx="937947" cy="783186"/>
           </a:xfrm>
@@ -3823,21 +4121,21 @@
       </p:pic>
       <p:pic>
         <p:nvPicPr>
-          <p:cNvPr name="Picture 8" id="8"/>
+          <p:cNvPr id="8" name="Picture 8"/>
           <p:cNvPicPr>
-            <a:picLocks noChangeAspect="true"/>
+            <a:picLocks noChangeAspect="1"/>
           </p:cNvPicPr>
           <p:nvPr/>
         </p:nvPicPr>
         <p:blipFill>
           <a:blip r:embed="rId7"/>
-          <a:srcRect l="0" t="0" r="0" b="0"/>
+          <a:srcRect/>
           <a:stretch>
             <a:fillRect/>
           </a:stretch>
         </p:blipFill>
         <p:spPr>
-          <a:xfrm flipH="false" flipV="false" rot="0">
+          <a:xfrm>
             <a:off x="15910336" y="3301574"/>
             <a:ext cx="1222686" cy="654137"/>
           </a:xfrm>
@@ -3848,21 +4146,21 @@
       </p:pic>
       <p:pic>
         <p:nvPicPr>
-          <p:cNvPr name="Picture 9" id="9"/>
+          <p:cNvPr id="9" name="Picture 9"/>
           <p:cNvPicPr>
-            <a:picLocks noChangeAspect="true"/>
+            <a:picLocks noChangeAspect="1"/>
           </p:cNvPicPr>
           <p:nvPr/>
         </p:nvPicPr>
         <p:blipFill>
           <a:blip r:embed="rId8"/>
-          <a:srcRect l="0" t="0" r="0" b="0"/>
+          <a:srcRect/>
           <a:stretch>
             <a:fillRect/>
           </a:stretch>
         </p:blipFill>
         <p:spPr>
-          <a:xfrm flipH="false" flipV="false" rot="0">
+          <a:xfrm>
             <a:off x="11667243" y="8546095"/>
             <a:ext cx="1222686" cy="654137"/>
           </a:xfrm>
@@ -3873,12 +4171,12 @@
       </p:pic>
       <p:grpSp>
         <p:nvGrpSpPr>
-          <p:cNvPr name="Group 10" id="10"/>
+          <p:cNvPr id="10" name="Group 10"/>
           <p:cNvGrpSpPr/>
           <p:nvPr/>
         </p:nvGrpSpPr>
         <p:grpSpPr>
-          <a:xfrm rot="0">
+          <a:xfrm>
             <a:off x="-1931253" y="1198271"/>
             <a:ext cx="14821181" cy="6936680"/>
             <a:chOff x="0" y="0"/>
@@ -3887,12 +4185,12 @@
         </p:grpSpPr>
         <p:sp>
           <p:nvSpPr>
-            <p:cNvPr name="TextBox 11" id="11"/>
-            <p:cNvSpPr txBox="true"/>
+            <p:cNvPr id="11" name="TextBox 11"/>
+            <p:cNvSpPr txBox="1"/>
             <p:nvPr/>
           </p:nvSpPr>
           <p:spPr>
-            <a:xfrm rot="0">
+            <a:xfrm>
               <a:off x="0" y="95250"/>
               <a:ext cx="19761575" cy="8092982"/>
             </a:xfrm>
@@ -3901,7 +4199,7 @@
             </a:prstGeom>
           </p:spPr>
           <p:txBody>
-            <a:bodyPr anchor="t" rtlCol="false" tIns="0" lIns="0" bIns="0" rIns="0">
+            <a:bodyPr lIns="0" tIns="0" rIns="0" bIns="0" rtlCol="0" anchor="t">
               <a:spAutoFit/>
             </a:bodyPr>
             <a:lstStyle/>
@@ -3912,7 +4210,7 @@
                 </a:lnSpc>
               </a:pPr>
               <a:r>
-                <a:rPr lang="en-US" sz="10820">
+                <a:rPr lang="en-US" sz="10820" dirty="0">
                   <a:solidFill>
                     <a:srgbClr val="F9DD0B"/>
                   </a:solidFill>
@@ -3928,7 +4226,7 @@
                 </a:lnSpc>
               </a:pPr>
               <a:r>
-                <a:rPr lang="en-US" sz="10820">
+                <a:rPr lang="en-US" sz="10820" dirty="0">
                   <a:solidFill>
                     <a:srgbClr val="F9DD0B"/>
                   </a:solidFill>
@@ -3944,7 +4242,7 @@
                 </a:lnSpc>
               </a:pPr>
               <a:r>
-                <a:rPr lang="en-US" sz="10820">
+                <a:rPr lang="en-US" sz="10820" dirty="0">
                   <a:solidFill>
                     <a:srgbClr val="F9DD0B"/>
                   </a:solidFill>
@@ -3957,12 +4255,12 @@
         </p:sp>
         <p:sp>
           <p:nvSpPr>
-            <p:cNvPr name="TextBox 12" id="12"/>
-            <p:cNvSpPr txBox="true"/>
+            <p:cNvPr id="12" name="TextBox 12"/>
+            <p:cNvSpPr txBox="1"/>
             <p:nvPr/>
           </p:nvSpPr>
           <p:spPr>
-            <a:xfrm rot="0">
+            <a:xfrm>
               <a:off x="0" y="8720739"/>
               <a:ext cx="19761575" cy="528168"/>
             </a:xfrm>
@@ -3971,7 +4269,7 @@
             </a:prstGeom>
           </p:spPr>
           <p:txBody>
-            <a:bodyPr anchor="t" rtlCol="false" tIns="0" lIns="0" bIns="0" rIns="0">
+            <a:bodyPr lIns="0" tIns="0" rIns="0" bIns="0" rtlCol="0" anchor="t">
               <a:spAutoFit/>
             </a:bodyPr>
             <a:lstStyle/>
@@ -3981,6 +4279,7 @@
                   <a:spcPts val="3046"/>
                 </a:lnSpc>
               </a:pPr>
+              <a:endParaRPr/>
             </a:p>
           </p:txBody>
         </p:sp>
@@ -3994,13 +4293,14 @@
 </file>
 
 <file path=ppt/slides/slide13.xml><?xml version="1.0" encoding="utf-8"?>
-<p:sld xmlns:p="http://schemas.openxmlformats.org/presentationml/2006/main" xmlns:a="http://schemas.openxmlformats.org/drawingml/2006/main" xmlns:r="http://schemas.openxmlformats.org/officeDocument/2006/relationships">
+<p:sld xmlns:a="http://schemas.openxmlformats.org/drawingml/2006/main" xmlns:r="http://schemas.openxmlformats.org/officeDocument/2006/relationships" xmlns:p="http://schemas.openxmlformats.org/presentationml/2006/main">
   <p:cSld>
     <p:bg>
       <p:bgPr>
         <a:solidFill>
           <a:srgbClr val="F9DD0B"/>
         </a:solidFill>
+        <a:effectLst/>
       </p:bgPr>
     </p:bg>
     <p:spTree>
@@ -4019,12 +4319,12 @@
       </p:grpSpPr>
       <p:sp>
         <p:nvSpPr>
-          <p:cNvPr name="TextBox 2" id="2"/>
-          <p:cNvSpPr txBox="true"/>
-          <p:nvPr/>
-        </p:nvSpPr>
-        <p:spPr>
-          <a:xfrm rot="0">
+          <p:cNvPr id="2" name="TextBox 2"/>
+          <p:cNvSpPr txBox="1"/>
+          <p:nvPr/>
+        </p:nvSpPr>
+        <p:spPr>
+          <a:xfrm>
             <a:off x="2608142" y="163368"/>
             <a:ext cx="13720639" cy="1083956"/>
           </a:xfrm>
@@ -4033,7 +4333,7 @@
           </a:prstGeom>
         </p:spPr>
         <p:txBody>
-          <a:bodyPr anchor="t" rtlCol="false" tIns="0" lIns="0" bIns="0" rIns="0">
+          <a:bodyPr lIns="0" tIns="0" rIns="0" bIns="0" rtlCol="0" anchor="t">
             <a:spAutoFit/>
           </a:bodyPr>
           <a:lstStyle/>
@@ -4057,21 +4357,21 @@
       </p:sp>
       <p:pic>
         <p:nvPicPr>
-          <p:cNvPr name="Picture 3" id="3"/>
+          <p:cNvPr id="3" name="Picture 3"/>
           <p:cNvPicPr>
-            <a:picLocks noChangeAspect="true"/>
+            <a:picLocks noChangeAspect="1"/>
           </p:cNvPicPr>
           <p:nvPr/>
         </p:nvPicPr>
         <p:blipFill>
           <a:blip r:embed="rId2"/>
-          <a:srcRect l="0" t="0" r="0" b="0"/>
+          <a:srcRect/>
           <a:stretch>
             <a:fillRect/>
           </a:stretch>
         </p:blipFill>
         <p:spPr>
-          <a:xfrm flipH="false" flipV="false" rot="0">
+          <a:xfrm>
             <a:off x="568483" y="287193"/>
             <a:ext cx="1668427" cy="1668427"/>
           </a:xfrm>
@@ -4082,21 +4382,21 @@
       </p:pic>
       <p:pic>
         <p:nvPicPr>
-          <p:cNvPr name="Picture 4" id="4"/>
+          <p:cNvPr id="4" name="Picture 4"/>
           <p:cNvPicPr>
-            <a:picLocks noChangeAspect="true"/>
+            <a:picLocks noChangeAspect="1"/>
           </p:cNvPicPr>
           <p:nvPr/>
         </p:nvPicPr>
         <p:blipFill>
           <a:blip r:embed="rId3"/>
-          <a:srcRect l="0" t="0" r="0" b="0"/>
+          <a:srcRect/>
           <a:stretch>
             <a:fillRect/>
           </a:stretch>
         </p:blipFill>
         <p:spPr>
-          <a:xfrm flipH="false" flipV="false" rot="0">
+          <a:xfrm>
             <a:off x="1234159" y="527595"/>
             <a:ext cx="337074" cy="498446"/>
           </a:xfrm>
@@ -4107,12 +4407,12 @@
       </p:pic>
       <p:sp>
         <p:nvSpPr>
-          <p:cNvPr name="TextBox 5" id="5"/>
-          <p:cNvSpPr txBox="true"/>
-          <p:nvPr/>
-        </p:nvSpPr>
-        <p:spPr>
-          <a:xfrm rot="0">
+          <p:cNvPr id="5" name="TextBox 5"/>
+          <p:cNvSpPr txBox="1"/>
+          <p:nvPr/>
+        </p:nvSpPr>
+        <p:spPr>
+          <a:xfrm>
             <a:off x="307991" y="2412387"/>
             <a:ext cx="7753275" cy="2941320"/>
           </a:xfrm>
@@ -4121,12 +4421,12 @@
           </a:prstGeom>
         </p:spPr>
         <p:txBody>
-          <a:bodyPr anchor="t" rtlCol="false" tIns="0" lIns="0" bIns="0" rIns="0">
+          <a:bodyPr lIns="0" tIns="0" rIns="0" bIns="0" rtlCol="0" anchor="t">
             <a:spAutoFit/>
           </a:bodyPr>
           <a:lstStyle/>
           <a:p>
-            <a:pPr algn="just" marL="906780" indent="-453390" lvl="1">
+            <a:pPr marL="906780" lvl="1" indent="-453390" algn="just">
               <a:lnSpc>
                 <a:spcPts val="5880"/>
               </a:lnSpc>
@@ -4147,12 +4447,12 @@
       </p:sp>
       <p:sp>
         <p:nvSpPr>
-          <p:cNvPr name="TextBox 6" id="6"/>
-          <p:cNvSpPr txBox="true"/>
-          <p:nvPr/>
-        </p:nvSpPr>
-        <p:spPr>
-          <a:xfrm rot="0">
+          <p:cNvPr id="6" name="TextBox 6"/>
+          <p:cNvSpPr txBox="1"/>
+          <p:nvPr/>
+        </p:nvSpPr>
+        <p:spPr>
+          <a:xfrm>
             <a:off x="10215164" y="2202180"/>
             <a:ext cx="7314767" cy="2198370"/>
           </a:xfrm>
@@ -4161,12 +4461,12 @@
           </a:prstGeom>
         </p:spPr>
         <p:txBody>
-          <a:bodyPr anchor="t" rtlCol="false" tIns="0" lIns="0" bIns="0" rIns="0">
+          <a:bodyPr lIns="0" tIns="0" rIns="0" bIns="0" rtlCol="0" anchor="t">
             <a:spAutoFit/>
           </a:bodyPr>
           <a:lstStyle/>
           <a:p>
-            <a:pPr algn="just" marL="906780" indent="-453390" lvl="1">
+            <a:pPr marL="906780" lvl="1" indent="-453390" algn="just">
               <a:lnSpc>
                 <a:spcPts val="5880"/>
               </a:lnSpc>
@@ -4174,7 +4474,7 @@
               <a:buChar char="•"/>
             </a:pPr>
             <a:r>
-              <a:rPr lang="en-US" sz="4200">
+              <a:rPr lang="en-US" sz="4200" dirty="0">
                 <a:solidFill>
                   <a:srgbClr val="000000"/>
                 </a:solidFill>
@@ -4187,12 +4487,12 @@
       </p:sp>
       <p:sp>
         <p:nvSpPr>
-          <p:cNvPr name="TextBox 7" id="7"/>
-          <p:cNvSpPr txBox="true"/>
-          <p:nvPr/>
-        </p:nvSpPr>
-        <p:spPr>
-          <a:xfrm rot="0">
+          <p:cNvPr id="7" name="TextBox 7"/>
+          <p:cNvSpPr txBox="1"/>
+          <p:nvPr/>
+        </p:nvSpPr>
+        <p:spPr>
+          <a:xfrm>
             <a:off x="307991" y="6026256"/>
             <a:ext cx="8443955" cy="2198370"/>
           </a:xfrm>
@@ -4201,7 +4501,7 @@
           </a:prstGeom>
         </p:spPr>
         <p:txBody>
-          <a:bodyPr anchor="t" rtlCol="false" tIns="0" lIns="0" bIns="0" rIns="0">
+          <a:bodyPr lIns="0" tIns="0" rIns="0" bIns="0" rtlCol="0" anchor="t">
             <a:spAutoFit/>
           </a:bodyPr>
           <a:lstStyle/>
@@ -4257,12 +4557,12 @@
       </p:sp>
       <p:sp>
         <p:nvSpPr>
-          <p:cNvPr name="TextBox 8" id="8"/>
-          <p:cNvSpPr txBox="true"/>
-          <p:nvPr/>
-        </p:nvSpPr>
-        <p:spPr>
-          <a:xfrm rot="0">
+          <p:cNvPr id="8" name="TextBox 8"/>
+          <p:cNvSpPr txBox="1"/>
+          <p:nvPr/>
+        </p:nvSpPr>
+        <p:spPr>
+          <a:xfrm>
             <a:off x="307991" y="6026256"/>
             <a:ext cx="10275758" cy="2198370"/>
           </a:xfrm>
@@ -4271,7 +4571,7 @@
           </a:prstGeom>
         </p:spPr>
         <p:txBody>
-          <a:bodyPr anchor="t" rtlCol="false" tIns="0" lIns="0" bIns="0" rIns="0">
+          <a:bodyPr lIns="0" tIns="0" rIns="0" bIns="0" rtlCol="0" anchor="t">
             <a:spAutoFit/>
           </a:bodyPr>
           <a:lstStyle/>
@@ -4327,12 +4627,12 @@
       </p:sp>
       <p:sp>
         <p:nvSpPr>
-          <p:cNvPr name="TextBox 9" id="9"/>
-          <p:cNvSpPr txBox="true"/>
-          <p:nvPr/>
-        </p:nvSpPr>
-        <p:spPr>
-          <a:xfrm rot="0">
+          <p:cNvPr id="9" name="TextBox 9"/>
+          <p:cNvSpPr txBox="1"/>
+          <p:nvPr/>
+        </p:nvSpPr>
+        <p:spPr>
+          <a:xfrm>
             <a:off x="10215164" y="5574030"/>
             <a:ext cx="10275758" cy="3684270"/>
           </a:xfrm>
@@ -4341,7 +4641,7 @@
           </a:prstGeom>
         </p:spPr>
         <p:txBody>
-          <a:bodyPr anchor="t" rtlCol="false" tIns="0" lIns="0" bIns="0" rIns="0">
+          <a:bodyPr lIns="0" tIns="0" rIns="0" bIns="0" rtlCol="0" anchor="t">
             <a:spAutoFit/>
           </a:bodyPr>
           <a:lstStyle/>
@@ -4404,13 +4704,14 @@
 </file>
 
 <file path=ppt/slides/slide14.xml><?xml version="1.0" encoding="utf-8"?>
-<p:sld xmlns:p="http://schemas.openxmlformats.org/presentationml/2006/main" xmlns:a="http://schemas.openxmlformats.org/drawingml/2006/main" xmlns:r="http://schemas.openxmlformats.org/officeDocument/2006/relationships">
+<p:sld xmlns:a="http://schemas.openxmlformats.org/drawingml/2006/main" xmlns:r="http://schemas.openxmlformats.org/officeDocument/2006/relationships" xmlns:p="http://schemas.openxmlformats.org/presentationml/2006/main">
   <p:cSld>
     <p:bg>
       <p:bgPr>
         <a:solidFill>
           <a:srgbClr val="F9DD0B"/>
         </a:solidFill>
+        <a:effectLst/>
       </p:bgPr>
     </p:bg>
     <p:spTree>
@@ -4429,12 +4730,12 @@
       </p:grpSpPr>
       <p:sp>
         <p:nvSpPr>
-          <p:cNvPr name="TextBox 2" id="2"/>
-          <p:cNvSpPr txBox="true"/>
-          <p:nvPr/>
-        </p:nvSpPr>
-        <p:spPr>
-          <a:xfrm rot="0">
+          <p:cNvPr id="2" name="TextBox 2"/>
+          <p:cNvSpPr txBox="1"/>
+          <p:nvPr/>
+        </p:nvSpPr>
+        <p:spPr>
+          <a:xfrm>
             <a:off x="2608142" y="163368"/>
             <a:ext cx="13720639" cy="1083956"/>
           </a:xfrm>
@@ -4443,7 +4744,7 @@
           </a:prstGeom>
         </p:spPr>
         <p:txBody>
-          <a:bodyPr anchor="t" rtlCol="false" tIns="0" lIns="0" bIns="0" rIns="0">
+          <a:bodyPr lIns="0" tIns="0" rIns="0" bIns="0" rtlCol="0" anchor="t">
             <a:spAutoFit/>
           </a:bodyPr>
           <a:lstStyle/>
@@ -4467,21 +4768,21 @@
       </p:sp>
       <p:pic>
         <p:nvPicPr>
-          <p:cNvPr name="Picture 3" id="3"/>
+          <p:cNvPr id="3" name="Picture 3"/>
           <p:cNvPicPr>
-            <a:picLocks noChangeAspect="true"/>
+            <a:picLocks noChangeAspect="1"/>
           </p:cNvPicPr>
           <p:nvPr/>
         </p:nvPicPr>
         <p:blipFill>
           <a:blip r:embed="rId2"/>
-          <a:srcRect l="0" t="0" r="0" b="0"/>
+          <a:srcRect/>
           <a:stretch>
             <a:fillRect/>
           </a:stretch>
         </p:blipFill>
         <p:spPr>
-          <a:xfrm flipH="false" flipV="false" rot="0">
+          <a:xfrm>
             <a:off x="568483" y="287193"/>
             <a:ext cx="1668427" cy="1668427"/>
           </a:xfrm>
@@ -4492,21 +4793,21 @@
       </p:pic>
       <p:pic>
         <p:nvPicPr>
-          <p:cNvPr name="Picture 4" id="4"/>
+          <p:cNvPr id="4" name="Picture 4"/>
           <p:cNvPicPr>
-            <a:picLocks noChangeAspect="true"/>
+            <a:picLocks noChangeAspect="1"/>
           </p:cNvPicPr>
           <p:nvPr/>
         </p:nvPicPr>
         <p:blipFill>
           <a:blip r:embed="rId3"/>
-          <a:srcRect l="0" t="0" r="0" b="0"/>
+          <a:srcRect/>
           <a:stretch>
             <a:fillRect/>
           </a:stretch>
         </p:blipFill>
         <p:spPr>
-          <a:xfrm flipH="false" flipV="false" rot="0">
+          <a:xfrm>
             <a:off x="1234159" y="527595"/>
             <a:ext cx="337074" cy="498446"/>
           </a:xfrm>
@@ -4517,12 +4818,12 @@
       </p:pic>
       <p:sp>
         <p:nvSpPr>
-          <p:cNvPr name="TextBox 5" id="5"/>
-          <p:cNvSpPr txBox="true"/>
-          <p:nvPr/>
-        </p:nvSpPr>
-        <p:spPr>
-          <a:xfrm rot="0">
+          <p:cNvPr id="5" name="TextBox 5"/>
+          <p:cNvSpPr txBox="1"/>
+          <p:nvPr/>
+        </p:nvSpPr>
+        <p:spPr>
+          <a:xfrm>
             <a:off x="-212286" y="2379710"/>
             <a:ext cx="7802272" cy="2198370"/>
           </a:xfrm>
@@ -4531,12 +4832,12 @@
           </a:prstGeom>
         </p:spPr>
         <p:txBody>
-          <a:bodyPr anchor="t" rtlCol="false" tIns="0" lIns="0" bIns="0" rIns="0">
+          <a:bodyPr lIns="0" tIns="0" rIns="0" bIns="0" rtlCol="0" anchor="t">
             <a:spAutoFit/>
           </a:bodyPr>
           <a:lstStyle/>
           <a:p>
-            <a:pPr algn="just" marL="906780" indent="-453390" lvl="1">
+            <a:pPr marL="906780" lvl="1" indent="-453390" algn="just">
               <a:lnSpc>
                 <a:spcPts val="5880"/>
               </a:lnSpc>
@@ -4557,12 +4858,12 @@
       </p:sp>
       <p:sp>
         <p:nvSpPr>
-          <p:cNvPr name="TextBox 6" id="6"/>
-          <p:cNvSpPr txBox="true"/>
-          <p:nvPr/>
-        </p:nvSpPr>
-        <p:spPr>
-          <a:xfrm rot="0">
+          <p:cNvPr id="6" name="TextBox 6"/>
+          <p:cNvSpPr txBox="1"/>
+          <p:nvPr/>
+        </p:nvSpPr>
+        <p:spPr>
+          <a:xfrm>
             <a:off x="8644107" y="2379710"/>
             <a:ext cx="7684675" cy="2198370"/>
           </a:xfrm>
@@ -4571,12 +4872,12 @@
           </a:prstGeom>
         </p:spPr>
         <p:txBody>
-          <a:bodyPr anchor="t" rtlCol="false" tIns="0" lIns="0" bIns="0" rIns="0">
+          <a:bodyPr lIns="0" tIns="0" rIns="0" bIns="0" rtlCol="0" anchor="t">
             <a:spAutoFit/>
           </a:bodyPr>
           <a:lstStyle/>
           <a:p>
-            <a:pPr algn="just" marL="906780" indent="-453390" lvl="1">
+            <a:pPr marL="906780" lvl="1" indent="-453390" algn="just">
               <a:lnSpc>
                 <a:spcPts val="5880"/>
               </a:lnSpc>
@@ -4597,12 +4898,12 @@
       </p:sp>
       <p:sp>
         <p:nvSpPr>
-          <p:cNvPr name="TextBox 7" id="7"/>
-          <p:cNvSpPr txBox="true"/>
-          <p:nvPr/>
-        </p:nvSpPr>
-        <p:spPr>
-          <a:xfrm rot="0">
+          <p:cNvPr id="7" name="TextBox 7"/>
+          <p:cNvSpPr txBox="1"/>
+          <p:nvPr/>
+        </p:nvSpPr>
+        <p:spPr>
+          <a:xfrm>
             <a:off x="9123336" y="5067300"/>
             <a:ext cx="9164664" cy="2941320"/>
           </a:xfrm>
@@ -4611,7 +4912,7 @@
           </a:prstGeom>
         </p:spPr>
         <p:txBody>
-          <a:bodyPr anchor="t" rtlCol="false" tIns="0" lIns="0" bIns="0" rIns="0">
+          <a:bodyPr lIns="0" tIns="0" rIns="0" bIns="0" rtlCol="0" anchor="t">
             <a:spAutoFit/>
           </a:bodyPr>
           <a:lstStyle/>
@@ -4667,12 +4968,12 @@
       </p:sp>
       <p:sp>
         <p:nvSpPr>
-          <p:cNvPr name="TextBox 8" id="8"/>
-          <p:cNvSpPr txBox="true"/>
-          <p:nvPr/>
-        </p:nvSpPr>
-        <p:spPr>
-          <a:xfrm rot="0">
+          <p:cNvPr id="8" name="TextBox 8"/>
+          <p:cNvSpPr txBox="1"/>
+          <p:nvPr/>
+        </p:nvSpPr>
+        <p:spPr>
+          <a:xfrm>
             <a:off x="568483" y="5067300"/>
             <a:ext cx="7603127" cy="4427220"/>
           </a:xfrm>
@@ -4681,7 +4982,7 @@
           </a:prstGeom>
         </p:spPr>
         <p:txBody>
-          <a:bodyPr anchor="t" rtlCol="false" tIns="0" lIns="0" bIns="0" rIns="0">
+          <a:bodyPr lIns="0" tIns="0" rIns="0" bIns="0" rtlCol="0" anchor="t">
             <a:spAutoFit/>
           </a:bodyPr>
           <a:lstStyle/>
@@ -4744,13 +5045,14 @@
 </file>
 
 <file path=ppt/slides/slide15.xml><?xml version="1.0" encoding="utf-8"?>
-<p:sld xmlns:p="http://schemas.openxmlformats.org/presentationml/2006/main" xmlns:a="http://schemas.openxmlformats.org/drawingml/2006/main" xmlns:r="http://schemas.openxmlformats.org/officeDocument/2006/relationships">
+<p:sld xmlns:a="http://schemas.openxmlformats.org/drawingml/2006/main" xmlns:r="http://schemas.openxmlformats.org/officeDocument/2006/relationships" xmlns:p="http://schemas.openxmlformats.org/presentationml/2006/main">
   <p:cSld>
     <p:bg>
       <p:bgPr>
         <a:solidFill>
           <a:srgbClr val="F9DD0B"/>
         </a:solidFill>
+        <a:effectLst/>
       </p:bgPr>
     </p:bg>
     <p:spTree>
@@ -4769,12 +5071,12 @@
       </p:grpSpPr>
       <p:sp>
         <p:nvSpPr>
-          <p:cNvPr name="TextBox 2" id="2"/>
-          <p:cNvSpPr txBox="true"/>
-          <p:nvPr/>
-        </p:nvSpPr>
-        <p:spPr>
-          <a:xfrm rot="0">
+          <p:cNvPr id="2" name="TextBox 2"/>
+          <p:cNvSpPr txBox="1"/>
+          <p:nvPr/>
+        </p:nvSpPr>
+        <p:spPr>
+          <a:xfrm>
             <a:off x="2608142" y="163368"/>
             <a:ext cx="13720639" cy="1083956"/>
           </a:xfrm>
@@ -4783,7 +5085,7 @@
           </a:prstGeom>
         </p:spPr>
         <p:txBody>
-          <a:bodyPr anchor="t" rtlCol="false" tIns="0" lIns="0" bIns="0" rIns="0">
+          <a:bodyPr lIns="0" tIns="0" rIns="0" bIns="0" rtlCol="0" anchor="t">
             <a:spAutoFit/>
           </a:bodyPr>
           <a:lstStyle/>
@@ -4807,21 +5109,21 @@
       </p:sp>
       <p:pic>
         <p:nvPicPr>
-          <p:cNvPr name="Picture 3" id="3"/>
+          <p:cNvPr id="3" name="Picture 3"/>
           <p:cNvPicPr>
-            <a:picLocks noChangeAspect="true"/>
+            <a:picLocks noChangeAspect="1"/>
           </p:cNvPicPr>
           <p:nvPr/>
         </p:nvPicPr>
         <p:blipFill>
           <a:blip r:embed="rId2"/>
-          <a:srcRect l="0" t="0" r="0" b="0"/>
+          <a:srcRect/>
           <a:stretch>
             <a:fillRect/>
           </a:stretch>
         </p:blipFill>
         <p:spPr>
-          <a:xfrm flipH="false" flipV="false" rot="0">
+          <a:xfrm>
             <a:off x="568483" y="287193"/>
             <a:ext cx="1668427" cy="1668427"/>
           </a:xfrm>
@@ -4832,21 +5134,21 @@
       </p:pic>
       <p:pic>
         <p:nvPicPr>
-          <p:cNvPr name="Picture 4" id="4"/>
+          <p:cNvPr id="4" name="Picture 4"/>
           <p:cNvPicPr>
-            <a:picLocks noChangeAspect="true"/>
+            <a:picLocks noChangeAspect="1"/>
           </p:cNvPicPr>
           <p:nvPr/>
         </p:nvPicPr>
         <p:blipFill>
           <a:blip r:embed="rId3"/>
-          <a:srcRect l="0" t="0" r="0" b="0"/>
+          <a:srcRect/>
           <a:stretch>
             <a:fillRect/>
           </a:stretch>
         </p:blipFill>
         <p:spPr>
-          <a:xfrm flipH="false" flipV="false" rot="0">
+          <a:xfrm>
             <a:off x="1234159" y="527595"/>
             <a:ext cx="337074" cy="498446"/>
           </a:xfrm>
@@ -4857,12 +5159,12 @@
       </p:pic>
       <p:sp>
         <p:nvSpPr>
-          <p:cNvPr name="TextBox 5" id="5"/>
-          <p:cNvSpPr txBox="true"/>
-          <p:nvPr/>
-        </p:nvSpPr>
-        <p:spPr>
-          <a:xfrm rot="0">
+          <p:cNvPr id="5" name="TextBox 5"/>
+          <p:cNvSpPr txBox="1"/>
+          <p:nvPr/>
+        </p:nvSpPr>
+        <p:spPr>
+          <a:xfrm>
             <a:off x="0" y="2502476"/>
             <a:ext cx="7753275" cy="2941320"/>
           </a:xfrm>
@@ -4871,12 +5173,12 @@
           </a:prstGeom>
         </p:spPr>
         <p:txBody>
-          <a:bodyPr anchor="t" rtlCol="false" tIns="0" lIns="0" bIns="0" rIns="0">
+          <a:bodyPr lIns="0" tIns="0" rIns="0" bIns="0" rtlCol="0" anchor="t">
             <a:spAutoFit/>
           </a:bodyPr>
           <a:lstStyle/>
           <a:p>
-            <a:pPr algn="just" marL="906780" indent="-453390" lvl="1">
+            <a:pPr marL="906780" lvl="1" indent="-453390" algn="just">
               <a:lnSpc>
                 <a:spcPts val="5880"/>
               </a:lnSpc>
@@ -4897,12 +5199,12 @@
       </p:sp>
       <p:sp>
         <p:nvSpPr>
-          <p:cNvPr name="TextBox 6" id="6"/>
-          <p:cNvSpPr txBox="true"/>
-          <p:nvPr/>
-        </p:nvSpPr>
-        <p:spPr>
-          <a:xfrm rot="0">
+          <p:cNvPr id="6" name="TextBox 6"/>
+          <p:cNvSpPr txBox="1"/>
+          <p:nvPr/>
+        </p:nvSpPr>
+        <p:spPr>
+          <a:xfrm>
             <a:off x="9144000" y="2502476"/>
             <a:ext cx="7802272" cy="2198370"/>
           </a:xfrm>
@@ -4911,12 +5213,12 @@
           </a:prstGeom>
         </p:spPr>
         <p:txBody>
-          <a:bodyPr anchor="t" rtlCol="false" tIns="0" lIns="0" bIns="0" rIns="0">
+          <a:bodyPr lIns="0" tIns="0" rIns="0" bIns="0" rtlCol="0" anchor="t">
             <a:spAutoFit/>
           </a:bodyPr>
           <a:lstStyle/>
           <a:p>
-            <a:pPr algn="just" marL="906780" indent="-453390" lvl="1">
+            <a:pPr marL="906780" lvl="1" indent="-453390" algn="just">
               <a:lnSpc>
                 <a:spcPts val="5880"/>
               </a:lnSpc>
@@ -4937,12 +5239,12 @@
       </p:sp>
       <p:sp>
         <p:nvSpPr>
-          <p:cNvPr name="TextBox 7" id="7"/>
-          <p:cNvSpPr txBox="true"/>
-          <p:nvPr/>
-        </p:nvSpPr>
-        <p:spPr>
-          <a:xfrm rot="0">
+          <p:cNvPr id="7" name="TextBox 7"/>
+          <p:cNvSpPr txBox="1"/>
+          <p:nvPr/>
+        </p:nvSpPr>
+        <p:spPr>
+          <a:xfrm>
             <a:off x="568483" y="5607832"/>
             <a:ext cx="7603127" cy="2941320"/>
           </a:xfrm>
@@ -4951,7 +5253,7 @@
           </a:prstGeom>
         </p:spPr>
         <p:txBody>
-          <a:bodyPr anchor="t" rtlCol="false" tIns="0" lIns="0" bIns="0" rIns="0">
+          <a:bodyPr lIns="0" tIns="0" rIns="0" bIns="0" rtlCol="0" anchor="t">
             <a:spAutoFit/>
           </a:bodyPr>
           <a:lstStyle/>
@@ -5007,12 +5309,12 @@
       </p:sp>
       <p:sp>
         <p:nvSpPr>
-          <p:cNvPr name="TextBox 8" id="8"/>
-          <p:cNvSpPr txBox="true"/>
-          <p:nvPr/>
-        </p:nvSpPr>
-        <p:spPr>
-          <a:xfrm rot="0">
+          <p:cNvPr id="8" name="TextBox 8"/>
+          <p:cNvSpPr txBox="1"/>
+          <p:nvPr/>
+        </p:nvSpPr>
+        <p:spPr>
+          <a:xfrm>
             <a:off x="9667606" y="5607832"/>
             <a:ext cx="7603127" cy="2941320"/>
           </a:xfrm>
@@ -5021,7 +5323,7 @@
           </a:prstGeom>
         </p:spPr>
         <p:txBody>
-          <a:bodyPr anchor="t" rtlCol="false" tIns="0" lIns="0" bIns="0" rIns="0">
+          <a:bodyPr lIns="0" tIns="0" rIns="0" bIns="0" rtlCol="0" anchor="t">
             <a:spAutoFit/>
           </a:bodyPr>
           <a:lstStyle/>
@@ -5084,13 +5386,14 @@
 </file>
 
 <file path=ppt/slides/slide16.xml><?xml version="1.0" encoding="utf-8"?>
-<p:sld xmlns:p="http://schemas.openxmlformats.org/presentationml/2006/main" xmlns:a="http://schemas.openxmlformats.org/drawingml/2006/main" xmlns:r="http://schemas.openxmlformats.org/officeDocument/2006/relationships">
+<p:sld xmlns:a="http://schemas.openxmlformats.org/drawingml/2006/main" xmlns:r="http://schemas.openxmlformats.org/officeDocument/2006/relationships" xmlns:p="http://schemas.openxmlformats.org/presentationml/2006/main">
   <p:cSld>
     <p:bg>
       <p:bgPr>
         <a:solidFill>
           <a:srgbClr val="008037"/>
         </a:solidFill>
+        <a:effectLst/>
       </p:bgPr>
     </p:bg>
     <p:spTree>
@@ -5109,61 +5412,73 @@
       </p:grpSpPr>
       <p:sp>
         <p:nvSpPr>
-          <p:cNvPr name="TextBox 2" id="2"/>
-          <p:cNvSpPr txBox="true"/>
-          <p:nvPr/>
-        </p:nvSpPr>
-        <p:spPr>
-          <a:xfrm rot="0">
-            <a:off x="2571191" y="422494"/>
-            <a:ext cx="14985355" cy="1659255"/>
-          </a:xfrm>
-          <a:prstGeom prst="rect">
-            <a:avLst/>
-          </a:prstGeom>
-        </p:spPr>
-        <p:txBody>
-          <a:bodyPr anchor="t" rtlCol="false" tIns="0" lIns="0" bIns="0" rIns="0">
+          <p:cNvPr id="7" name="TextBox 11">
+            <a:extLst>
+              <a:ext uri="{FF2B5EF4-FFF2-40B4-BE49-F238E27FC236}">
+                <a16:creationId xmlns:a16="http://schemas.microsoft.com/office/drawing/2014/main" id="{EF6C3438-5BC9-4B13-A940-75823553C239}"/>
+              </a:ext>
+            </a:extLst>
+          </p:cNvPr>
+          <p:cNvSpPr txBox="1"/>
+          <p:nvPr/>
+        </p:nvSpPr>
+        <p:spPr>
+          <a:xfrm>
+            <a:off x="3124513" y="4000500"/>
+            <a:ext cx="14821181" cy="3086551"/>
+          </a:xfrm>
+          <a:prstGeom prst="rect">
+            <a:avLst/>
+          </a:prstGeom>
+        </p:spPr>
+        <p:txBody>
+          <a:bodyPr lIns="0" tIns="0" rIns="0" bIns="0" rtlCol="0" anchor="t">
             <a:spAutoFit/>
           </a:bodyPr>
           <a:lstStyle/>
           <a:p>
             <a:pPr algn="ctr">
               <a:lnSpc>
-                <a:spcPts val="6719"/>
+                <a:spcPts val="11902"/>
               </a:lnSpc>
             </a:pPr>
             <a:r>
-              <a:rPr lang="en-US" sz="4800">
+              <a:rPr lang="en-US" sz="10820" dirty="0">
                 <a:solidFill>
-                  <a:srgbClr val="FFFFFF"/>
+                  <a:srgbClr val="F9DD0B"/>
                 </a:solidFill>
-                <a:latin typeface="Open Sans Extra Bold"/>
+                <a:latin typeface="HK Grotesk Bold"/>
               </a:rPr>
-              <a:t>A child must have a minimum age of 5 and a child must be below 19 years of age</a:t>
+              <a:t>OBJECT MODEL REVIEW </a:t>
             </a:r>
           </a:p>
         </p:txBody>
       </p:sp>
       <p:pic>
         <p:nvPicPr>
-          <p:cNvPr name="Picture 3" id="3"/>
+          <p:cNvPr id="8" name="Picture 2">
+            <a:extLst>
+              <a:ext uri="{FF2B5EF4-FFF2-40B4-BE49-F238E27FC236}">
+                <a16:creationId xmlns:a16="http://schemas.microsoft.com/office/drawing/2014/main" id="{E9D4FEC8-75AD-4215-9459-47DFD0797058}"/>
+              </a:ext>
+            </a:extLst>
+          </p:cNvPr>
           <p:cNvPicPr>
-            <a:picLocks noChangeAspect="true"/>
+            <a:picLocks noChangeAspect="1"/>
           </p:cNvPicPr>
           <p:nvPr/>
         </p:nvPicPr>
         <p:blipFill>
           <a:blip r:embed="rId2"/>
-          <a:srcRect l="0" t="0" r="0" b="0"/>
+          <a:srcRect/>
           <a:stretch>
             <a:fillRect/>
           </a:stretch>
         </p:blipFill>
         <p:spPr>
-          <a:xfrm flipH="false" flipV="false" rot="0">
-            <a:off x="234285" y="260106"/>
-            <a:ext cx="2336906" cy="2336906"/>
+          <a:xfrm rot="16200000">
+            <a:off x="-1145335" y="6517435"/>
+            <a:ext cx="4581341" cy="2290671"/>
           </a:xfrm>
           <a:prstGeom prst="rect">
             <a:avLst/>
@@ -5172,23 +5487,153 @@
       </p:pic>
       <p:pic>
         <p:nvPicPr>
-          <p:cNvPr name="Picture 4" id="4"/>
+          <p:cNvPr id="9" name="Picture 3">
+            <a:extLst>
+              <a:ext uri="{FF2B5EF4-FFF2-40B4-BE49-F238E27FC236}">
+                <a16:creationId xmlns:a16="http://schemas.microsoft.com/office/drawing/2014/main" id="{BC054468-F27A-447E-B852-CBCFAB6C87D4}"/>
+              </a:ext>
+            </a:extLst>
+          </p:cNvPr>
           <p:cNvPicPr>
-            <a:picLocks noChangeAspect="true"/>
+            <a:picLocks noChangeAspect="1"/>
           </p:cNvPicPr>
           <p:nvPr/>
         </p:nvPicPr>
         <p:blipFill>
           <a:blip r:embed="rId3"/>
-          <a:srcRect l="0" t="0" r="0" b="0"/>
+          <a:srcRect/>
           <a:stretch>
             <a:fillRect/>
           </a:stretch>
         </p:blipFill>
         <p:spPr>
-          <a:xfrm flipH="false" flipV="false" rot="0">
-            <a:off x="1166674" y="596829"/>
-            <a:ext cx="472127" cy="698155"/>
+          <a:xfrm>
+            <a:off x="1145336" y="9023371"/>
+            <a:ext cx="1587554" cy="1476426"/>
+          </a:xfrm>
+          <a:prstGeom prst="rect">
+            <a:avLst/>
+          </a:prstGeom>
+        </p:spPr>
+      </p:pic>
+      <p:pic>
+        <p:nvPicPr>
+          <p:cNvPr id="11" name="Picture 5">
+            <a:extLst>
+              <a:ext uri="{FF2B5EF4-FFF2-40B4-BE49-F238E27FC236}">
+                <a16:creationId xmlns:a16="http://schemas.microsoft.com/office/drawing/2014/main" id="{120261E7-D476-46C3-8025-48266BC11F14}"/>
+              </a:ext>
+            </a:extLst>
+          </p:cNvPr>
+          <p:cNvPicPr>
+            <a:picLocks noChangeAspect="1"/>
+          </p:cNvPicPr>
+          <p:nvPr/>
+        </p:nvPicPr>
+        <p:blipFill>
+          <a:blip r:embed="rId3"/>
+          <a:srcRect/>
+          <a:stretch>
+            <a:fillRect/>
+          </a:stretch>
+        </p:blipFill>
+        <p:spPr>
+          <a:xfrm>
+            <a:off x="-2732889" y="3778850"/>
+            <a:ext cx="1587554" cy="1476426"/>
+          </a:xfrm>
+          <a:prstGeom prst="rect">
+            <a:avLst/>
+          </a:prstGeom>
+        </p:spPr>
+      </p:pic>
+      <p:pic>
+        <p:nvPicPr>
+          <p:cNvPr id="12" name="Picture 7">
+            <a:extLst>
+              <a:ext uri="{FF2B5EF4-FFF2-40B4-BE49-F238E27FC236}">
+                <a16:creationId xmlns:a16="http://schemas.microsoft.com/office/drawing/2014/main" id="{E29A8919-CA24-4472-82C5-062DA4ECA117}"/>
+              </a:ext>
+            </a:extLst>
+          </p:cNvPr>
+          <p:cNvPicPr>
+            <a:picLocks noChangeAspect="1"/>
+          </p:cNvPicPr>
+          <p:nvPr/>
+        </p:nvPicPr>
+        <p:blipFill>
+          <a:blip r:embed="rId4"/>
+          <a:srcRect/>
+          <a:stretch>
+            <a:fillRect/>
+          </a:stretch>
+        </p:blipFill>
+        <p:spPr>
+          <a:xfrm>
+            <a:off x="-468973" y="6474553"/>
+            <a:ext cx="937947" cy="783186"/>
+          </a:xfrm>
+          <a:prstGeom prst="rect">
+            <a:avLst/>
+          </a:prstGeom>
+        </p:spPr>
+      </p:pic>
+      <p:pic>
+        <p:nvPicPr>
+          <p:cNvPr id="13" name="Picture 8">
+            <a:extLst>
+              <a:ext uri="{FF2B5EF4-FFF2-40B4-BE49-F238E27FC236}">
+                <a16:creationId xmlns:a16="http://schemas.microsoft.com/office/drawing/2014/main" id="{C3F64308-A45B-4C17-97F7-498C06716AC7}"/>
+              </a:ext>
+            </a:extLst>
+          </p:cNvPr>
+          <p:cNvPicPr>
+            <a:picLocks noChangeAspect="1"/>
+          </p:cNvPicPr>
+          <p:nvPr/>
+        </p:nvPicPr>
+        <p:blipFill>
+          <a:blip r:embed="rId5"/>
+          <a:srcRect/>
+          <a:stretch>
+            <a:fillRect/>
+          </a:stretch>
+        </p:blipFill>
+        <p:spPr>
+          <a:xfrm>
+            <a:off x="15655022" y="8727931"/>
+            <a:ext cx="2290672" cy="1225510"/>
+          </a:xfrm>
+          <a:prstGeom prst="rect">
+            <a:avLst/>
+          </a:prstGeom>
+        </p:spPr>
+      </p:pic>
+      <p:pic>
+        <p:nvPicPr>
+          <p:cNvPr id="14" name="Picture 9">
+            <a:extLst>
+              <a:ext uri="{FF2B5EF4-FFF2-40B4-BE49-F238E27FC236}">
+                <a16:creationId xmlns:a16="http://schemas.microsoft.com/office/drawing/2014/main" id="{839DE221-C79F-4411-BEB5-1484DC8B28AD}"/>
+              </a:ext>
+            </a:extLst>
+          </p:cNvPr>
+          <p:cNvPicPr>
+            <a:picLocks noChangeAspect="1"/>
+          </p:cNvPicPr>
+          <p:nvPr/>
+        </p:nvPicPr>
+        <p:blipFill>
+          <a:blip r:embed="rId6"/>
+          <a:srcRect/>
+          <a:stretch>
+            <a:fillRect/>
+          </a:stretch>
+        </p:blipFill>
+        <p:spPr>
+          <a:xfrm>
+            <a:off x="-2732889" y="9434515"/>
+            <a:ext cx="1222686" cy="654137"/>
           </a:xfrm>
           <a:prstGeom prst="rect">
             <a:avLst/>
@@ -5204,13 +5649,144 @@
 </file>
 
 <file path=ppt/slides/slide17.xml><?xml version="1.0" encoding="utf-8"?>
-<p:sld xmlns:p="http://schemas.openxmlformats.org/presentationml/2006/main" xmlns:a="http://schemas.openxmlformats.org/drawingml/2006/main" xmlns:r="http://schemas.openxmlformats.org/officeDocument/2006/relationships">
+<p:sld xmlns:a="http://schemas.openxmlformats.org/drawingml/2006/main" xmlns:r="http://schemas.openxmlformats.org/officeDocument/2006/relationships" xmlns:p="http://schemas.openxmlformats.org/presentationml/2006/main">
+  <p:cSld>
+    <p:spTree>
+      <p:nvGrpSpPr>
+        <p:cNvPr id="1" name=""/>
+        <p:cNvGrpSpPr/>
+        <p:nvPr/>
+      </p:nvGrpSpPr>
+      <p:grpSpPr>
+        <a:xfrm>
+          <a:off x="0" y="0"/>
+          <a:ext cx="0" cy="0"/>
+          <a:chOff x="0" y="0"/>
+          <a:chExt cx="0" cy="0"/>
+        </a:xfrm>
+      </p:grpSpPr>
+      <p:pic>
+        <p:nvPicPr>
+          <p:cNvPr id="2" name="Picture 1" descr="Diagram, schematic&#10;&#10;Description automatically generated">
+            <a:extLst>
+              <a:ext uri="{FF2B5EF4-FFF2-40B4-BE49-F238E27FC236}">
+                <a16:creationId xmlns:a16="http://schemas.microsoft.com/office/drawing/2014/main" id="{2D25F5E3-B384-49E3-8AA4-FF31D78BF3B7}"/>
+              </a:ext>
+            </a:extLst>
+          </p:cNvPr>
+          <p:cNvPicPr>
+            <a:picLocks noChangeAspect="1"/>
+          </p:cNvPicPr>
+          <p:nvPr/>
+        </p:nvPicPr>
+        <p:blipFill rotWithShape="1">
+          <a:blip r:embed="rId3">
+            <a:extLst>
+              <a:ext uri="{28A0092B-C50C-407E-A947-70E740481C1C}">
+                <a14:useLocalDpi xmlns:a14="http://schemas.microsoft.com/office/drawing/2010/main" val="0"/>
+              </a:ext>
+            </a:extLst>
+          </a:blip>
+          <a:srcRect l="10500" t="13556" r="8000" b="9111"/>
+          <a:stretch/>
+        </p:blipFill>
+        <p:spPr>
+          <a:xfrm>
+            <a:off x="-1" y="0"/>
+            <a:ext cx="18288001" cy="10287000"/>
+          </a:xfrm>
+          <a:prstGeom prst="rect">
+            <a:avLst/>
+          </a:prstGeom>
+        </p:spPr>
+      </p:pic>
+    </p:spTree>
+    <p:extLst>
+      <p:ext uri="{BB962C8B-B14F-4D97-AF65-F5344CB8AC3E}">
+        <p14:creationId xmlns:p14="http://schemas.microsoft.com/office/powerpoint/2010/main" val="3060793549"/>
+      </p:ext>
+    </p:extLst>
+  </p:cSld>
+  <p:clrMapOvr>
+    <a:masterClrMapping/>
+  </p:clrMapOvr>
+</p:sld>
+</file>
+
+<file path=ppt/slides/slide18.xml><?xml version="1.0" encoding="utf-8"?>
+<p:sld xmlns:a="http://schemas.openxmlformats.org/drawingml/2006/main" xmlns:r="http://schemas.openxmlformats.org/officeDocument/2006/relationships" xmlns:p="http://schemas.openxmlformats.org/presentationml/2006/main">
+  <p:cSld>
+    <p:spTree>
+      <p:nvGrpSpPr>
+        <p:cNvPr id="1" name=""/>
+        <p:cNvGrpSpPr/>
+        <p:nvPr/>
+      </p:nvGrpSpPr>
+      <p:grpSpPr>
+        <a:xfrm>
+          <a:off x="0" y="0"/>
+          <a:ext cx="0" cy="0"/>
+          <a:chOff x="0" y="0"/>
+          <a:chExt cx="0" cy="0"/>
+        </a:xfrm>
+      </p:grpSpPr>
+      <p:pic>
+        <p:nvPicPr>
+          <p:cNvPr id="5" name="Picture 4" descr="Diagram, schematic&#10;&#10;Description automatically generated">
+            <a:extLst>
+              <a:ext uri="{FF2B5EF4-FFF2-40B4-BE49-F238E27FC236}">
+                <a16:creationId xmlns:a16="http://schemas.microsoft.com/office/drawing/2014/main" id="{AF33AE7A-A125-4BC9-BB2B-08BFA5C44D1C}"/>
+              </a:ext>
+            </a:extLst>
+          </p:cNvPr>
+          <p:cNvPicPr>
+            <a:picLocks noChangeAspect="1"/>
+          </p:cNvPicPr>
+          <p:nvPr/>
+        </p:nvPicPr>
+        <p:blipFill rotWithShape="1">
+          <a:blip r:embed="rId2">
+            <a:extLst>
+              <a:ext uri="{28A0092B-C50C-407E-A947-70E740481C1C}">
+                <a14:useLocalDpi xmlns:a14="http://schemas.microsoft.com/office/drawing/2010/main" val="0"/>
+              </a:ext>
+            </a:extLst>
+          </a:blip>
+          <a:srcRect l="11000" t="12667" r="7000" b="9111"/>
+          <a:stretch/>
+        </p:blipFill>
+        <p:spPr>
+          <a:xfrm>
+            <a:off x="0" y="0"/>
+            <a:ext cx="18288000" cy="10287000"/>
+          </a:xfrm>
+          <a:prstGeom prst="rect">
+            <a:avLst/>
+          </a:prstGeom>
+        </p:spPr>
+      </p:pic>
+    </p:spTree>
+    <p:extLst>
+      <p:ext uri="{BB962C8B-B14F-4D97-AF65-F5344CB8AC3E}">
+        <p14:creationId xmlns:p14="http://schemas.microsoft.com/office/powerpoint/2010/main" val="3223930730"/>
+      </p:ext>
+    </p:extLst>
+  </p:cSld>
+  <p:clrMapOvr>
+    <a:masterClrMapping/>
+  </p:clrMapOvr>
+</p:sld>
+</file>
+
+<file path=ppt/slides/slide19.xml><?xml version="1.0" encoding="utf-8"?>
+<p:sld xmlns:a="http://schemas.openxmlformats.org/drawingml/2006/main" xmlns:r="http://schemas.openxmlformats.org/officeDocument/2006/relationships" xmlns:p="http://schemas.openxmlformats.org/presentationml/2006/main">
   <p:cSld>
     <p:bg>
       <p:bgPr>
         <a:solidFill>
           <a:srgbClr val="F9DD0B"/>
         </a:solidFill>
+        <a:effectLst/>
       </p:bgPr>
     </p:bg>
     <p:spTree>
@@ -5229,21 +5805,21 @@
       </p:grpSpPr>
       <p:sp>
         <p:nvSpPr>
-          <p:cNvPr name="TextBox 2" id="2"/>
-          <p:cNvSpPr txBox="true"/>
-          <p:nvPr/>
-        </p:nvSpPr>
-        <p:spPr>
-          <a:xfrm rot="0">
-            <a:off x="2743295" y="217170"/>
-            <a:ext cx="15172133" cy="811530"/>
-          </a:xfrm>
-          <a:prstGeom prst="rect">
-            <a:avLst/>
-          </a:prstGeom>
-        </p:spPr>
-        <p:txBody>
-          <a:bodyPr anchor="t" rtlCol="false" tIns="0" lIns="0" bIns="0" rIns="0">
+          <p:cNvPr id="2" name="TextBox 2"/>
+          <p:cNvSpPr txBox="1"/>
+          <p:nvPr/>
+        </p:nvSpPr>
+        <p:spPr>
+          <a:xfrm>
+            <a:off x="1396875" y="5143500"/>
+            <a:ext cx="15172133" cy="803361"/>
+          </a:xfrm>
+          <a:prstGeom prst="rect">
+            <a:avLst/>
+          </a:prstGeom>
+        </p:spPr>
+        <p:txBody>
+          <a:bodyPr lIns="0" tIns="0" rIns="0" bIns="0" rtlCol="0" anchor="t">
             <a:spAutoFit/>
           </a:bodyPr>
           <a:lstStyle/>
@@ -5254,35 +5830,35 @@
               </a:lnSpc>
             </a:pPr>
             <a:r>
-              <a:rPr lang="en-US" sz="4800">
+              <a:rPr lang="en-US" sz="4800" dirty="0">
                 <a:solidFill>
                   <a:srgbClr val="000000"/>
                 </a:solidFill>
                 <a:latin typeface="Open Sans Light Bold"/>
               </a:rPr>
-              <a:t>Only Tutors who are approved may  offer service</a:t>
+              <a:t>Demo</a:t>
             </a:r>
           </a:p>
         </p:txBody>
       </p:sp>
       <p:pic>
         <p:nvPicPr>
-          <p:cNvPr name="Picture 3" id="3"/>
+          <p:cNvPr id="3" name="Picture 3"/>
           <p:cNvPicPr>
-            <a:picLocks noChangeAspect="true"/>
+            <a:picLocks noChangeAspect="1"/>
           </p:cNvPicPr>
           <p:nvPr/>
         </p:nvPicPr>
         <p:blipFill>
           <a:blip r:embed="rId2"/>
-          <a:srcRect l="0" t="0" r="0" b="0"/>
+          <a:srcRect/>
           <a:stretch>
             <a:fillRect/>
           </a:stretch>
         </p:blipFill>
         <p:spPr>
-          <a:xfrm flipH="false" flipV="false" rot="0">
-            <a:off x="234285" y="260106"/>
+          <a:xfrm>
+            <a:off x="2801411" y="4197177"/>
             <a:ext cx="2336906" cy="2336906"/>
           </a:xfrm>
           <a:prstGeom prst="rect">
@@ -5292,22 +5868,22 @@
       </p:pic>
       <p:pic>
         <p:nvPicPr>
-          <p:cNvPr name="Picture 4" id="4"/>
+          <p:cNvPr id="4" name="Picture 4"/>
           <p:cNvPicPr>
-            <a:picLocks noChangeAspect="true"/>
+            <a:picLocks noChangeAspect="1"/>
           </p:cNvPicPr>
           <p:nvPr/>
         </p:nvPicPr>
         <p:blipFill>
           <a:blip r:embed="rId3"/>
-          <a:srcRect l="0" t="0" r="0" b="0"/>
+          <a:srcRect/>
           <a:stretch>
             <a:fillRect/>
           </a:stretch>
         </p:blipFill>
         <p:spPr>
-          <a:xfrm flipH="false" flipV="false" rot="0">
-            <a:off x="1166674" y="596829"/>
+          <a:xfrm>
+            <a:off x="3733800" y="4533900"/>
             <a:ext cx="472127" cy="698155"/>
           </a:xfrm>
           <a:prstGeom prst="rect">
@@ -5315,94 +5891,30 @@
           </a:prstGeom>
         </p:spPr>
       </p:pic>
-    </p:spTree>
-  </p:cSld>
-  <p:clrMapOvr>
-    <a:masterClrMapping/>
-  </p:clrMapOvr>
-</p:sld>
-</file>
-
-<file path=ppt/slides/slide18.xml><?xml version="1.0" encoding="utf-8"?>
-<p:sld xmlns:p="http://schemas.openxmlformats.org/presentationml/2006/main" xmlns:a="http://schemas.openxmlformats.org/drawingml/2006/main" xmlns:r="http://schemas.openxmlformats.org/officeDocument/2006/relationships">
-  <p:cSld>
-    <p:bg>
-      <p:bgPr>
-        <a:solidFill>
-          <a:srgbClr val="008037"/>
-        </a:solidFill>
-      </p:bgPr>
-    </p:bg>
-    <p:spTree>
-      <p:nvGrpSpPr>
-        <p:cNvPr id="1" name=""/>
-        <p:cNvGrpSpPr/>
-        <p:nvPr/>
-      </p:nvGrpSpPr>
-      <p:grpSpPr>
-        <a:xfrm>
-          <a:off x="0" y="0"/>
-          <a:ext cx="0" cy="0"/>
-          <a:chOff x="0" y="0"/>
-          <a:chExt cx="0" cy="0"/>
-        </a:xfrm>
-      </p:grpSpPr>
-      <p:sp>
-        <p:nvSpPr>
-          <p:cNvPr name="TextBox 2" id="2"/>
-          <p:cNvSpPr txBox="true"/>
-          <p:nvPr/>
-        </p:nvSpPr>
-        <p:spPr>
-          <a:xfrm rot="0">
-            <a:off x="2315800" y="422494"/>
-            <a:ext cx="16448263" cy="1659255"/>
-          </a:xfrm>
-          <a:prstGeom prst="rect">
-            <a:avLst/>
-          </a:prstGeom>
-        </p:spPr>
-        <p:txBody>
-          <a:bodyPr anchor="t" rtlCol="false" tIns="0" lIns="0" bIns="0" rIns="0">
-            <a:spAutoFit/>
-          </a:bodyPr>
-          <a:lstStyle/>
-          <a:p>
-            <a:pPr algn="ctr">
-              <a:lnSpc>
-                <a:spcPts val="6719"/>
-              </a:lnSpc>
-            </a:pPr>
-            <a:r>
-              <a:rPr lang="en-US" sz="4800">
-                <a:solidFill>
-                  <a:srgbClr val="FFFFFF"/>
-                </a:solidFill>
-                <a:latin typeface="Open Sans Extra Bold"/>
-              </a:rPr>
-              <a:t>If the mode of delivery is online then there is no meet location</a:t>
-            </a:r>
-          </a:p>
-        </p:txBody>
-      </p:sp>
       <p:pic>
         <p:nvPicPr>
-          <p:cNvPr name="Picture 3" id="3"/>
+          <p:cNvPr id="5" name="Picture 3">
+            <a:extLst>
+              <a:ext uri="{FF2B5EF4-FFF2-40B4-BE49-F238E27FC236}">
+                <a16:creationId xmlns:a16="http://schemas.microsoft.com/office/drawing/2014/main" id="{CC4A89F7-4D63-4A3B-9E82-362D7BE77953}"/>
+              </a:ext>
+            </a:extLst>
+          </p:cNvPr>
           <p:cNvPicPr>
-            <a:picLocks noChangeAspect="true"/>
+            <a:picLocks noChangeAspect="1"/>
           </p:cNvPicPr>
           <p:nvPr/>
         </p:nvPicPr>
         <p:blipFill>
           <a:blip r:embed="rId2"/>
-          <a:srcRect l="0" t="0" r="0" b="0"/>
+          <a:srcRect/>
           <a:stretch>
             <a:fillRect/>
           </a:stretch>
         </p:blipFill>
         <p:spPr>
-          <a:xfrm flipH="false" flipV="false" rot="0">
-            <a:off x="234285" y="260106"/>
+          <a:xfrm>
+            <a:off x="13149683" y="4197177"/>
             <a:ext cx="2336906" cy="2336906"/>
           </a:xfrm>
           <a:prstGeom prst="rect">
@@ -5412,142 +5924,28 @@
       </p:pic>
       <p:pic>
         <p:nvPicPr>
-          <p:cNvPr name="Picture 4" id="4"/>
+          <p:cNvPr id="6" name="Picture 4">
+            <a:extLst>
+              <a:ext uri="{FF2B5EF4-FFF2-40B4-BE49-F238E27FC236}">
+                <a16:creationId xmlns:a16="http://schemas.microsoft.com/office/drawing/2014/main" id="{9DD03A19-5946-4B98-A60E-D16DD2D39038}"/>
+              </a:ext>
+            </a:extLst>
+          </p:cNvPr>
           <p:cNvPicPr>
-            <a:picLocks noChangeAspect="true"/>
+            <a:picLocks noChangeAspect="1"/>
           </p:cNvPicPr>
           <p:nvPr/>
         </p:nvPicPr>
         <p:blipFill>
           <a:blip r:embed="rId3"/>
-          <a:srcRect l="0" t="0" r="0" b="0"/>
+          <a:srcRect/>
           <a:stretch>
             <a:fillRect/>
           </a:stretch>
         </p:blipFill>
         <p:spPr>
-          <a:xfrm flipH="false" flipV="false" rot="0">
-            <a:off x="1166674" y="596829"/>
-            <a:ext cx="472127" cy="698155"/>
-          </a:xfrm>
-          <a:prstGeom prst="rect">
-            <a:avLst/>
-          </a:prstGeom>
-        </p:spPr>
-      </p:pic>
-    </p:spTree>
-  </p:cSld>
-  <p:clrMapOvr>
-    <a:masterClrMapping/>
-  </p:clrMapOvr>
-</p:sld>
-</file>
-
-<file path=ppt/slides/slide19.xml><?xml version="1.0" encoding="utf-8"?>
-<p:sld xmlns:p="http://schemas.openxmlformats.org/presentationml/2006/main" xmlns:a="http://schemas.openxmlformats.org/drawingml/2006/main" xmlns:r="http://schemas.openxmlformats.org/officeDocument/2006/relationships">
-  <p:cSld>
-    <p:bg>
-      <p:bgPr>
-        <a:solidFill>
-          <a:srgbClr val="F9DD0B"/>
-        </a:solidFill>
-      </p:bgPr>
-    </p:bg>
-    <p:spTree>
-      <p:nvGrpSpPr>
-        <p:cNvPr id="1" name=""/>
-        <p:cNvGrpSpPr/>
-        <p:nvPr/>
-      </p:nvGrpSpPr>
-      <p:grpSpPr>
-        <a:xfrm>
-          <a:off x="0" y="0"/>
-          <a:ext cx="0" cy="0"/>
-          <a:chOff x="0" y="0"/>
-          <a:chExt cx="0" cy="0"/>
-        </a:xfrm>
-      </p:grpSpPr>
-      <p:sp>
-        <p:nvSpPr>
-          <p:cNvPr name="TextBox 2" id="2"/>
-          <p:cNvSpPr txBox="true"/>
-          <p:nvPr/>
-        </p:nvSpPr>
-        <p:spPr>
-          <a:xfrm rot="0">
-            <a:off x="2743295" y="217170"/>
-            <a:ext cx="15172133" cy="1659255"/>
-          </a:xfrm>
-          <a:prstGeom prst="rect">
-            <a:avLst/>
-          </a:prstGeom>
-        </p:spPr>
-        <p:txBody>
-          <a:bodyPr anchor="t" rtlCol="false" tIns="0" lIns="0" bIns="0" rIns="0">
-            <a:spAutoFit/>
-          </a:bodyPr>
-          <a:lstStyle/>
-          <a:p>
-            <a:pPr algn="ctr">
-              <a:lnSpc>
-                <a:spcPts val="6719"/>
-              </a:lnSpc>
-            </a:pPr>
-            <a:r>
-              <a:rPr lang="en-US" sz="4800">
-                <a:solidFill>
-                  <a:srgbClr val="000000"/>
-                </a:solidFill>
-                <a:latin typeface="Open Sans Light Bold"/>
-              </a:rPr>
-              <a:t>A parent may review a tutor only after rating  them</a:t>
-            </a:r>
-          </a:p>
-        </p:txBody>
-      </p:sp>
-      <p:pic>
-        <p:nvPicPr>
-          <p:cNvPr name="Picture 3" id="3"/>
-          <p:cNvPicPr>
-            <a:picLocks noChangeAspect="true"/>
-          </p:cNvPicPr>
-          <p:nvPr/>
-        </p:nvPicPr>
-        <p:blipFill>
-          <a:blip r:embed="rId2"/>
-          <a:srcRect l="0" t="0" r="0" b="0"/>
-          <a:stretch>
-            <a:fillRect/>
-          </a:stretch>
-        </p:blipFill>
-        <p:spPr>
-          <a:xfrm flipH="false" flipV="false" rot="0">
-            <a:off x="234285" y="260106"/>
-            <a:ext cx="2336906" cy="2336906"/>
-          </a:xfrm>
-          <a:prstGeom prst="rect">
-            <a:avLst/>
-          </a:prstGeom>
-        </p:spPr>
-      </p:pic>
-      <p:pic>
-        <p:nvPicPr>
-          <p:cNvPr name="Picture 4" id="4"/>
-          <p:cNvPicPr>
-            <a:picLocks noChangeAspect="true"/>
-          </p:cNvPicPr>
-          <p:nvPr/>
-        </p:nvPicPr>
-        <p:blipFill>
-          <a:blip r:embed="rId3"/>
-          <a:srcRect l="0" t="0" r="0" b="0"/>
-          <a:stretch>
-            <a:fillRect/>
-          </a:stretch>
-        </p:blipFill>
-        <p:spPr>
-          <a:xfrm flipH="false" flipV="false" rot="0">
-            <a:off x="1166674" y="596829"/>
+          <a:xfrm>
+            <a:off x="14082072" y="4533900"/>
             <a:ext cx="472127" cy="698155"/>
           </a:xfrm>
           <a:prstGeom prst="rect">
@@ -5564,13 +5962,14 @@
 </file>
 
 <file path=ppt/slides/slide2.xml><?xml version="1.0" encoding="utf-8"?>
-<p:sld xmlns:p="http://schemas.openxmlformats.org/presentationml/2006/main" xmlns:a="http://schemas.openxmlformats.org/drawingml/2006/main" xmlns:r="http://schemas.openxmlformats.org/officeDocument/2006/relationships">
+<p:sld xmlns:a="http://schemas.openxmlformats.org/drawingml/2006/main" xmlns:r="http://schemas.openxmlformats.org/officeDocument/2006/relationships" xmlns:p="http://schemas.openxmlformats.org/presentationml/2006/main">
   <p:cSld>
     <p:bg>
       <p:bgPr>
         <a:solidFill>
           <a:srgbClr val="F9DD0B"/>
         </a:solidFill>
+        <a:effectLst/>
       </p:bgPr>
     </p:bg>
     <p:spTree>
@@ -5589,658 +5988,40 @@
       </p:grpSpPr>
       <p:pic>
         <p:nvPicPr>
-          <p:cNvPr name="Picture 2" id="2"/>
+          <p:cNvPr id="18" name="Picture 17" descr="Diagram&#10;&#10;Description automatically generated">
+            <a:extLst>
+              <a:ext uri="{FF2B5EF4-FFF2-40B4-BE49-F238E27FC236}">
+                <a16:creationId xmlns:a16="http://schemas.microsoft.com/office/drawing/2014/main" id="{257E45A4-7140-4CF5-8238-C2C7086EAA9D}"/>
+              </a:ext>
+            </a:extLst>
+          </p:cNvPr>
           <p:cNvPicPr>
-            <a:picLocks noChangeAspect="true"/>
+            <a:picLocks noChangeAspect="1"/>
           </p:cNvPicPr>
           <p:nvPr/>
         </p:nvPicPr>
         <p:blipFill>
-          <a:blip r:embed="rId2"/>
-          <a:srcRect l="0" t="0" r="0" b="0"/>
+          <a:blip r:embed="rId2">
+            <a:extLst>
+              <a:ext uri="{28A0092B-C50C-407E-A947-70E740481C1C}">
+                <a14:useLocalDpi xmlns:a14="http://schemas.microsoft.com/office/drawing/2010/main" val="0"/>
+              </a:ext>
+            </a:extLst>
+          </a:blip>
           <a:stretch>
             <a:fillRect/>
           </a:stretch>
         </p:blipFill>
         <p:spPr>
-          <a:xfrm flipH="false" flipV="false" rot="6131972">
-            <a:off x="-1838599" y="8598400"/>
-            <a:ext cx="4302548" cy="4114800"/>
+          <a:xfrm>
+            <a:off x="1143" y="643"/>
+            <a:ext cx="18285714" cy="10285714"/>
           </a:xfrm>
           <a:prstGeom prst="rect">
             <a:avLst/>
           </a:prstGeom>
         </p:spPr>
       </p:pic>
-      <p:pic>
-        <p:nvPicPr>
-          <p:cNvPr name="Picture 3" id="3"/>
-          <p:cNvPicPr>
-            <a:picLocks noChangeAspect="true"/>
-          </p:cNvPicPr>
-          <p:nvPr/>
-        </p:nvPicPr>
-        <p:blipFill>
-          <a:blip r:embed="rId3"/>
-          <a:srcRect l="0" t="0" r="0" b="0"/>
-          <a:stretch>
-            <a:fillRect/>
-          </a:stretch>
-        </p:blipFill>
-        <p:spPr>
-          <a:xfrm flipH="false" flipV="false" rot="0">
-            <a:off x="10804332" y="-1164582"/>
-            <a:ext cx="9448803" cy="9588269"/>
-          </a:xfrm>
-          <a:prstGeom prst="rect">
-            <a:avLst/>
-          </a:prstGeom>
-        </p:spPr>
-      </p:pic>
-      <p:grpSp>
-        <p:nvGrpSpPr>
-          <p:cNvPr name="Group 4" id="4"/>
-          <p:cNvGrpSpPr/>
-          <p:nvPr/>
-        </p:nvGrpSpPr>
-        <p:grpSpPr>
-          <a:xfrm rot="0">
-            <a:off x="1158566" y="1133633"/>
-            <a:ext cx="7356365" cy="7373096"/>
-            <a:chOff x="0" y="0"/>
-            <a:chExt cx="1675130" cy="1678940"/>
-          </a:xfrm>
-        </p:grpSpPr>
-        <p:sp>
-          <p:nvSpPr>
-            <p:cNvPr name="Freeform 5" id="5"/>
-            <p:cNvSpPr/>
-            <p:nvPr/>
-          </p:nvSpPr>
-          <p:spPr>
-            <a:xfrm>
-              <a:off x="92710" y="106680"/>
-              <a:ext cx="1570990" cy="1559560"/>
-            </a:xfrm>
-            <a:custGeom>
-              <a:avLst/>
-              <a:gdLst/>
-              <a:ahLst/>
-              <a:cxnLst/>
-              <a:rect r="r" b="b" t="t" l="l"/>
-              <a:pathLst>
-                <a:path h="1559560" w="1570990">
-                  <a:moveTo>
-                    <a:pt x="1544320" y="1370330"/>
-                  </a:moveTo>
-                  <a:cubicBezTo>
-                    <a:pt x="1544320" y="1457960"/>
-                    <a:pt x="1468120" y="1529080"/>
-                    <a:pt x="1386840" y="1529080"/>
-                  </a:cubicBezTo>
-                  <a:lnTo>
-                    <a:pt x="66040" y="1529080"/>
-                  </a:lnTo>
-                  <a:cubicBezTo>
-                    <a:pt x="43180" y="1529080"/>
-                    <a:pt x="20320" y="1524000"/>
-                    <a:pt x="0" y="1515110"/>
-                  </a:cubicBezTo>
-                  <a:cubicBezTo>
-                    <a:pt x="26670" y="1543050"/>
-                    <a:pt x="63500" y="1559560"/>
-                    <a:pt x="104140" y="1559560"/>
-                  </a:cubicBezTo>
-                  <a:lnTo>
-                    <a:pt x="1424940" y="1559560"/>
-                  </a:lnTo>
-                  <a:cubicBezTo>
-                    <a:pt x="1504950" y="1559560"/>
-                    <a:pt x="1570990" y="1493520"/>
-                    <a:pt x="1570990" y="1413510"/>
-                  </a:cubicBezTo>
-                  <a:lnTo>
-                    <a:pt x="1570990" y="95250"/>
-                  </a:lnTo>
-                  <a:cubicBezTo>
-                    <a:pt x="1570990" y="58420"/>
-                    <a:pt x="1557020" y="25400"/>
-                    <a:pt x="1535430" y="0"/>
-                  </a:cubicBezTo>
-                  <a:cubicBezTo>
-                    <a:pt x="1541780" y="16510"/>
-                    <a:pt x="1544320" y="34290"/>
-                    <a:pt x="1544320" y="52070"/>
-                  </a:cubicBezTo>
-                  <a:lnTo>
-                    <a:pt x="1544320" y="1370330"/>
-                  </a:lnTo>
-                  <a:lnTo>
-                    <a:pt x="1544320" y="1370330"/>
-                  </a:lnTo>
-                  <a:close/>
-                </a:path>
-              </a:pathLst>
-            </a:custGeom>
-            <a:solidFill>
-              <a:srgbClr val="008037"/>
-            </a:solidFill>
-          </p:spPr>
-        </p:sp>
-        <p:sp>
-          <p:nvSpPr>
-            <p:cNvPr name="Freeform 6" id="6"/>
-            <p:cNvSpPr/>
-            <p:nvPr/>
-          </p:nvSpPr>
-          <p:spPr>
-            <a:xfrm>
-              <a:off x="12700" y="12700"/>
-              <a:ext cx="1610360" cy="1610360"/>
-            </a:xfrm>
-            <a:custGeom>
-              <a:avLst/>
-              <a:gdLst/>
-              <a:ahLst/>
-              <a:cxnLst/>
-              <a:rect r="r" b="b" t="t" l="l"/>
-              <a:pathLst>
-                <a:path h="1610360" w="1610360">
-                  <a:moveTo>
-                    <a:pt x="146050" y="1610360"/>
-                  </a:moveTo>
-                  <a:lnTo>
-                    <a:pt x="1464310" y="1610360"/>
-                  </a:lnTo>
-                  <a:cubicBezTo>
-                    <a:pt x="1544320" y="1610360"/>
-                    <a:pt x="1610360" y="1544320"/>
-                    <a:pt x="1610360" y="1464310"/>
-                  </a:cubicBezTo>
-                  <a:lnTo>
-                    <a:pt x="1610360" y="146050"/>
-                  </a:lnTo>
-                  <a:cubicBezTo>
-                    <a:pt x="1610360" y="66040"/>
-                    <a:pt x="1544320" y="0"/>
-                    <a:pt x="1464310" y="0"/>
-                  </a:cubicBezTo>
-                  <a:lnTo>
-                    <a:pt x="146050" y="0"/>
-                  </a:lnTo>
-                  <a:cubicBezTo>
-                    <a:pt x="66040" y="0"/>
-                    <a:pt x="0" y="66040"/>
-                    <a:pt x="0" y="146050"/>
-                  </a:cubicBezTo>
-                  <a:lnTo>
-                    <a:pt x="0" y="1464310"/>
-                  </a:lnTo>
-                  <a:cubicBezTo>
-                    <a:pt x="0" y="1545590"/>
-                    <a:pt x="66040" y="1610360"/>
-                    <a:pt x="146050" y="1610360"/>
-                  </a:cubicBezTo>
-                  <a:close/>
-                </a:path>
-              </a:pathLst>
-            </a:custGeom>
-            <a:solidFill>
-              <a:srgbClr val="000000"/>
-            </a:solidFill>
-          </p:spPr>
-        </p:sp>
-        <p:sp>
-          <p:nvSpPr>
-            <p:cNvPr name="Freeform 7" id="7"/>
-            <p:cNvSpPr/>
-            <p:nvPr/>
-          </p:nvSpPr>
-          <p:spPr>
-            <a:xfrm>
-              <a:off x="0" y="0"/>
-              <a:ext cx="1675130" cy="1678940"/>
-            </a:xfrm>
-            <a:custGeom>
-              <a:avLst/>
-              <a:gdLst/>
-              <a:ahLst/>
-              <a:cxnLst/>
-              <a:rect r="r" b="b" t="t" l="l"/>
-              <a:pathLst>
-                <a:path h="1678940" w="1675130">
-                  <a:moveTo>
-                    <a:pt x="1611630" y="74930"/>
-                  </a:moveTo>
-                  <a:cubicBezTo>
-                    <a:pt x="1583690" y="30480"/>
-                    <a:pt x="1534160" y="0"/>
-                    <a:pt x="1477010" y="0"/>
-                  </a:cubicBezTo>
-                  <a:lnTo>
-                    <a:pt x="158750" y="0"/>
-                  </a:lnTo>
-                  <a:cubicBezTo>
-                    <a:pt x="71120" y="0"/>
-                    <a:pt x="0" y="71120"/>
-                    <a:pt x="0" y="158750"/>
-                  </a:cubicBezTo>
-                  <a:lnTo>
-                    <a:pt x="0" y="1477010"/>
-                  </a:lnTo>
-                  <a:cubicBezTo>
-                    <a:pt x="0" y="1529080"/>
-                    <a:pt x="25400" y="1574800"/>
-                    <a:pt x="63500" y="1604010"/>
-                  </a:cubicBezTo>
-                  <a:cubicBezTo>
-                    <a:pt x="91440" y="1648460"/>
-                    <a:pt x="140970" y="1678940"/>
-                    <a:pt x="198120" y="1678940"/>
-                  </a:cubicBezTo>
-                  <a:lnTo>
-                    <a:pt x="1516380" y="1678940"/>
-                  </a:lnTo>
-                  <a:cubicBezTo>
-                    <a:pt x="1604010" y="1678940"/>
-                    <a:pt x="1675130" y="1607820"/>
-                    <a:pt x="1675130" y="1520190"/>
-                  </a:cubicBezTo>
-                  <a:lnTo>
-                    <a:pt x="1675130" y="201930"/>
-                  </a:lnTo>
-                  <a:cubicBezTo>
-                    <a:pt x="1675130" y="149860"/>
-                    <a:pt x="1649730" y="104140"/>
-                    <a:pt x="1611630" y="74930"/>
-                  </a:cubicBezTo>
-                  <a:close/>
-                  <a:moveTo>
-                    <a:pt x="12700" y="1477010"/>
-                  </a:moveTo>
-                  <a:lnTo>
-                    <a:pt x="12700" y="158750"/>
-                  </a:lnTo>
-                  <a:cubicBezTo>
-                    <a:pt x="12700" y="78740"/>
-                    <a:pt x="78740" y="12700"/>
-                    <a:pt x="158750" y="12700"/>
-                  </a:cubicBezTo>
-                  <a:lnTo>
-                    <a:pt x="1477010" y="12700"/>
-                  </a:lnTo>
-                  <a:cubicBezTo>
-                    <a:pt x="1557020" y="12700"/>
-                    <a:pt x="1623060" y="78740"/>
-                    <a:pt x="1623060" y="158750"/>
-                  </a:cubicBezTo>
-                  <a:lnTo>
-                    <a:pt x="1623060" y="1477010"/>
-                  </a:lnTo>
-                  <a:cubicBezTo>
-                    <a:pt x="1623060" y="1557020"/>
-                    <a:pt x="1557020" y="1623060"/>
-                    <a:pt x="1477010" y="1623060"/>
-                  </a:cubicBezTo>
-                  <a:lnTo>
-                    <a:pt x="158750" y="1623060"/>
-                  </a:lnTo>
-                  <a:cubicBezTo>
-                    <a:pt x="78740" y="1623060"/>
-                    <a:pt x="12700" y="1558290"/>
-                    <a:pt x="12700" y="1477010"/>
-                  </a:cubicBezTo>
-                  <a:close/>
-                  <a:moveTo>
-                    <a:pt x="1663700" y="1520190"/>
-                  </a:moveTo>
-                  <a:cubicBezTo>
-                    <a:pt x="1663700" y="1600200"/>
-                    <a:pt x="1596390" y="1666240"/>
-                    <a:pt x="1516380" y="1666240"/>
-                  </a:cubicBezTo>
-                  <a:lnTo>
-                    <a:pt x="198120" y="1666240"/>
-                  </a:lnTo>
-                  <a:cubicBezTo>
-                    <a:pt x="157480" y="1666240"/>
-                    <a:pt x="120650" y="1649730"/>
-                    <a:pt x="93980" y="1621790"/>
-                  </a:cubicBezTo>
-                  <a:cubicBezTo>
-                    <a:pt x="114300" y="1630680"/>
-                    <a:pt x="135890" y="1635760"/>
-                    <a:pt x="160020" y="1635760"/>
-                  </a:cubicBezTo>
-                  <a:lnTo>
-                    <a:pt x="1478280" y="1635760"/>
-                  </a:lnTo>
-                  <a:cubicBezTo>
-                    <a:pt x="1565910" y="1635760"/>
-                    <a:pt x="1637030" y="1564640"/>
-                    <a:pt x="1637030" y="1477010"/>
-                  </a:cubicBezTo>
-                  <a:lnTo>
-                    <a:pt x="1637030" y="158750"/>
-                  </a:lnTo>
-                  <a:cubicBezTo>
-                    <a:pt x="1637030" y="140970"/>
-                    <a:pt x="1633220" y="123190"/>
-                    <a:pt x="1628140" y="106680"/>
-                  </a:cubicBezTo>
-                  <a:cubicBezTo>
-                    <a:pt x="1649730" y="132080"/>
-                    <a:pt x="1663700" y="165100"/>
-                    <a:pt x="1663700" y="201930"/>
-                  </a:cubicBezTo>
-                  <a:lnTo>
-                    <a:pt x="1663700" y="1520190"/>
-                  </a:lnTo>
-                  <a:cubicBezTo>
-                    <a:pt x="1663700" y="1520190"/>
-                    <a:pt x="1663700" y="1520190"/>
-                    <a:pt x="1663700" y="1520190"/>
-                  </a:cubicBezTo>
-                  <a:close/>
-                </a:path>
-              </a:pathLst>
-            </a:custGeom>
-            <a:solidFill>
-              <a:srgbClr val="FFFFFF"/>
-            </a:solidFill>
-          </p:spPr>
-        </p:sp>
-      </p:grpSp>
-      <p:pic>
-        <p:nvPicPr>
-          <p:cNvPr name="Picture 8" id="8"/>
-          <p:cNvPicPr>
-            <a:picLocks noChangeAspect="true"/>
-          </p:cNvPicPr>
-          <p:nvPr/>
-        </p:nvPicPr>
-        <p:blipFill>
-          <a:blip r:embed="rId4"/>
-          <a:srcRect l="0" t="0" r="0" b="0"/>
-          <a:stretch>
-            <a:fillRect/>
-          </a:stretch>
-        </p:blipFill>
-        <p:spPr>
-          <a:xfrm flipH="false" flipV="false" rot="0">
-            <a:off x="1670869" y="1759779"/>
-            <a:ext cx="1107345" cy="1146024"/>
-          </a:xfrm>
-          <a:prstGeom prst="rect">
-            <a:avLst/>
-          </a:prstGeom>
-        </p:spPr>
-      </p:pic>
-      <p:pic>
-        <p:nvPicPr>
-          <p:cNvPr name="Picture 9" id="9"/>
-          <p:cNvPicPr>
-            <a:picLocks noChangeAspect="true"/>
-          </p:cNvPicPr>
-          <p:nvPr/>
-        </p:nvPicPr>
-        <p:blipFill>
-          <a:blip r:embed="rId5"/>
-          <a:srcRect l="0" t="0" r="0" b="0"/>
-          <a:stretch>
-            <a:fillRect/>
-          </a:stretch>
-        </p:blipFill>
-        <p:spPr>
-          <a:xfrm flipH="false" flipV="false" rot="0">
-            <a:off x="1757265" y="5154109"/>
-            <a:ext cx="1174301" cy="1174301"/>
-          </a:xfrm>
-          <a:prstGeom prst="rect">
-            <a:avLst/>
-          </a:prstGeom>
-        </p:spPr>
-      </p:pic>
-      <p:pic>
-        <p:nvPicPr>
-          <p:cNvPr name="Picture 10" id="10"/>
-          <p:cNvPicPr>
-            <a:picLocks noChangeAspect="true"/>
-          </p:cNvPicPr>
-          <p:nvPr/>
-        </p:nvPicPr>
-        <p:blipFill>
-          <a:blip r:embed="rId6"/>
-          <a:srcRect l="0" t="0" r="0" b="0"/>
-          <a:stretch>
-            <a:fillRect/>
-          </a:stretch>
-        </p:blipFill>
-        <p:spPr>
-          <a:xfrm flipH="false" flipV="false" rot="0">
-            <a:off x="1757265" y="3425705"/>
-            <a:ext cx="934555" cy="1229677"/>
-          </a:xfrm>
-          <a:prstGeom prst="rect">
-            <a:avLst/>
-          </a:prstGeom>
-        </p:spPr>
-      </p:pic>
-      <p:pic>
-        <p:nvPicPr>
-          <p:cNvPr name="Picture 11" id="11"/>
-          <p:cNvPicPr>
-            <a:picLocks noChangeAspect="true"/>
-          </p:cNvPicPr>
-          <p:nvPr/>
-        </p:nvPicPr>
-        <p:blipFill>
-          <a:blip r:embed="rId7"/>
-          <a:srcRect l="0" t="0" r="0" b="0"/>
-          <a:stretch>
-            <a:fillRect/>
-          </a:stretch>
-        </p:blipFill>
-        <p:spPr>
-          <a:xfrm flipH="false" flipV="false" rot="0">
-            <a:off x="1670869" y="6895245"/>
-            <a:ext cx="934555" cy="935724"/>
-          </a:xfrm>
-          <a:prstGeom prst="rect">
-            <a:avLst/>
-          </a:prstGeom>
-        </p:spPr>
-      </p:pic>
-      <p:sp>
-        <p:nvSpPr>
-          <p:cNvPr name="TextBox 12" id="12"/>
-          <p:cNvSpPr txBox="true"/>
-          <p:nvPr/>
-        </p:nvSpPr>
-        <p:spPr>
-          <a:xfrm rot="0">
-            <a:off x="12736116" y="1588329"/>
-            <a:ext cx="3951387" cy="1543050"/>
-          </a:xfrm>
-          <a:prstGeom prst="rect">
-            <a:avLst/>
-          </a:prstGeom>
-        </p:spPr>
-        <p:txBody>
-          <a:bodyPr anchor="t" rtlCol="false" tIns="0" lIns="0" bIns="0" rIns="0">
-            <a:spAutoFit/>
-          </a:bodyPr>
-          <a:lstStyle/>
-          <a:p>
-            <a:pPr algn="ctr">
-              <a:lnSpc>
-                <a:spcPts val="12599"/>
-              </a:lnSpc>
-            </a:pPr>
-            <a:r>
-              <a:rPr lang="en-US" sz="9000">
-                <a:solidFill>
-                  <a:srgbClr val="000000"/>
-                </a:solidFill>
-                <a:latin typeface="XB Titre"/>
-              </a:rPr>
-              <a:t>OUTLINE</a:t>
-            </a:r>
-          </a:p>
-        </p:txBody>
-      </p:sp>
-      <p:sp>
-        <p:nvSpPr>
-          <p:cNvPr name="TextBox 13" id="13"/>
-          <p:cNvSpPr txBox="true"/>
-          <p:nvPr/>
-        </p:nvSpPr>
-        <p:spPr>
-          <a:xfrm rot="0">
-            <a:off x="3529000" y="1866785"/>
-            <a:ext cx="3497163" cy="613410"/>
-          </a:xfrm>
-          <a:prstGeom prst="rect">
-            <a:avLst/>
-          </a:prstGeom>
-        </p:spPr>
-        <p:txBody>
-          <a:bodyPr anchor="t" rtlCol="false" tIns="0" lIns="0" bIns="0" rIns="0">
-            <a:spAutoFit/>
-          </a:bodyPr>
-          <a:lstStyle/>
-          <a:p>
-            <a:pPr algn="ctr">
-              <a:lnSpc>
-                <a:spcPts val="5040"/>
-              </a:lnSpc>
-            </a:pPr>
-            <a:r>
-              <a:rPr lang="en-US" sz="3600">
-                <a:solidFill>
-                  <a:srgbClr val="FFFFFF"/>
-                </a:solidFill>
-                <a:latin typeface="Open Sans"/>
-              </a:rPr>
-              <a:t>Proposal Review</a:t>
-            </a:r>
-          </a:p>
-        </p:txBody>
-      </p:sp>
-      <p:sp>
-        <p:nvSpPr>
-          <p:cNvPr name="TextBox 14" id="14"/>
-          <p:cNvSpPr txBox="true"/>
-          <p:nvPr/>
-        </p:nvSpPr>
-        <p:spPr>
-          <a:xfrm rot="0">
-            <a:off x="3529000" y="5076825"/>
-            <a:ext cx="3953117" cy="1251585"/>
-          </a:xfrm>
-          <a:prstGeom prst="rect">
-            <a:avLst/>
-          </a:prstGeom>
-        </p:spPr>
-        <p:txBody>
-          <a:bodyPr anchor="t" rtlCol="false" tIns="0" lIns="0" bIns="0" rIns="0">
-            <a:spAutoFit/>
-          </a:bodyPr>
-          <a:lstStyle/>
-          <a:p>
-            <a:pPr algn="ctr">
-              <a:lnSpc>
-                <a:spcPts val="5040"/>
-              </a:lnSpc>
-            </a:pPr>
-            <a:r>
-              <a:rPr lang="en-US" sz="3600">
-                <a:solidFill>
-                  <a:srgbClr val="FFFFFF"/>
-                </a:solidFill>
-                <a:latin typeface="Open Sans"/>
-              </a:rPr>
-              <a:t>Requirements Class Model</a:t>
-            </a:r>
-          </a:p>
-        </p:txBody>
-      </p:sp>
-      <p:sp>
-        <p:nvSpPr>
-          <p:cNvPr name="TextBox 15" id="15"/>
-          <p:cNvSpPr txBox="true"/>
-          <p:nvPr/>
-        </p:nvSpPr>
-        <p:spPr>
-          <a:xfrm rot="0">
-            <a:off x="4246426" y="3427133"/>
-            <a:ext cx="2062311" cy="613410"/>
-          </a:xfrm>
-          <a:prstGeom prst="rect">
-            <a:avLst/>
-          </a:prstGeom>
-        </p:spPr>
-        <p:txBody>
-          <a:bodyPr anchor="t" rtlCol="false" tIns="0" lIns="0" bIns="0" rIns="0">
-            <a:spAutoFit/>
-          </a:bodyPr>
-          <a:lstStyle/>
-          <a:p>
-            <a:pPr algn="ctr">
-              <a:lnSpc>
-                <a:spcPts val="5040"/>
-              </a:lnSpc>
-            </a:pPr>
-            <a:r>
-              <a:rPr lang="en-US" sz="3600">
-                <a:solidFill>
-                  <a:srgbClr val="FFFFFF"/>
-                </a:solidFill>
-                <a:latin typeface="Open Sans"/>
-              </a:rPr>
-              <a:t>Use Case </a:t>
-            </a:r>
-          </a:p>
-        </p:txBody>
-      </p:sp>
-      <p:sp>
-        <p:nvSpPr>
-          <p:cNvPr name="TextBox 16" id="16"/>
-          <p:cNvSpPr txBox="true"/>
-          <p:nvPr/>
-        </p:nvSpPr>
-        <p:spPr>
-          <a:xfrm rot="0">
-            <a:off x="3304195" y="6828570"/>
-            <a:ext cx="4441484" cy="1251585"/>
-          </a:xfrm>
-          <a:prstGeom prst="rect">
-            <a:avLst/>
-          </a:prstGeom>
-        </p:spPr>
-        <p:txBody>
-          <a:bodyPr anchor="t" rtlCol="false" tIns="0" lIns="0" bIns="0" rIns="0">
-            <a:spAutoFit/>
-          </a:bodyPr>
-          <a:lstStyle/>
-          <a:p>
-            <a:pPr algn="ctr">
-              <a:lnSpc>
-                <a:spcPts val="5040"/>
-              </a:lnSpc>
-            </a:pPr>
-            <a:r>
-              <a:rPr lang="en-US" sz="3600">
-                <a:solidFill>
-                  <a:srgbClr val="FFFFFF"/>
-                </a:solidFill>
-                <a:latin typeface="Open Sans"/>
-              </a:rPr>
-              <a:t>Constraint &amp; Object Model Review</a:t>
-            </a:r>
-          </a:p>
-        </p:txBody>
-      </p:sp>
     </p:spTree>
   </p:cSld>
   <p:clrMapOvr>
@@ -6250,253 +6031,14 @@
 </file>
 
 <file path=ppt/slides/slide20.xml><?xml version="1.0" encoding="utf-8"?>
-<p:sld xmlns:p="http://schemas.openxmlformats.org/presentationml/2006/main" xmlns:a="http://schemas.openxmlformats.org/drawingml/2006/main" xmlns:r="http://schemas.openxmlformats.org/officeDocument/2006/relationships">
-  <p:cSld>
-    <p:bg>
-      <p:bgPr>
-        <a:solidFill>
-          <a:srgbClr val="008037"/>
-        </a:solidFill>
-      </p:bgPr>
-    </p:bg>
-    <p:spTree>
-      <p:nvGrpSpPr>
-        <p:cNvPr id="1" name=""/>
-        <p:cNvGrpSpPr/>
-        <p:nvPr/>
-      </p:nvGrpSpPr>
-      <p:grpSpPr>
-        <a:xfrm>
-          <a:off x="0" y="0"/>
-          <a:ext cx="0" cy="0"/>
-          <a:chOff x="0" y="0"/>
-          <a:chExt cx="0" cy="0"/>
-        </a:xfrm>
-      </p:grpSpPr>
-      <p:sp>
-        <p:nvSpPr>
-          <p:cNvPr name="TextBox 2" id="2"/>
-          <p:cNvSpPr txBox="true"/>
-          <p:nvPr/>
-        </p:nvSpPr>
-        <p:spPr>
-          <a:xfrm rot="0">
-            <a:off x="2424632" y="422494"/>
-            <a:ext cx="15733839" cy="1659255"/>
-          </a:xfrm>
-          <a:prstGeom prst="rect">
-            <a:avLst/>
-          </a:prstGeom>
-        </p:spPr>
-        <p:txBody>
-          <a:bodyPr anchor="t" rtlCol="false" tIns="0" lIns="0" bIns="0" rIns="0">
-            <a:spAutoFit/>
-          </a:bodyPr>
-          <a:lstStyle/>
-          <a:p>
-            <a:pPr algn="ctr">
-              <a:lnSpc>
-                <a:spcPts val="6719"/>
-              </a:lnSpc>
-            </a:pPr>
-            <a:r>
-              <a:rPr lang="en-US" sz="4800">
-                <a:solidFill>
-                  <a:srgbClr val="FFFFFF"/>
-                </a:solidFill>
-                <a:latin typeface="Open Sans Extra Bold"/>
-              </a:rPr>
-              <a:t>A one-on-one enrollment request must be for a service with type "One-on-One"</a:t>
-            </a:r>
-          </a:p>
-        </p:txBody>
-      </p:sp>
-      <p:pic>
-        <p:nvPicPr>
-          <p:cNvPr name="Picture 3" id="3"/>
-          <p:cNvPicPr>
-            <a:picLocks noChangeAspect="true"/>
-          </p:cNvPicPr>
-          <p:nvPr/>
-        </p:nvPicPr>
-        <p:blipFill>
-          <a:blip r:embed="rId2"/>
-          <a:srcRect l="0" t="0" r="0" b="0"/>
-          <a:stretch>
-            <a:fillRect/>
-          </a:stretch>
-        </p:blipFill>
-        <p:spPr>
-          <a:xfrm flipH="false" flipV="false" rot="0">
-            <a:off x="234285" y="260106"/>
-            <a:ext cx="2336906" cy="2336906"/>
-          </a:xfrm>
-          <a:prstGeom prst="rect">
-            <a:avLst/>
-          </a:prstGeom>
-        </p:spPr>
-      </p:pic>
-      <p:pic>
-        <p:nvPicPr>
-          <p:cNvPr name="Picture 4" id="4"/>
-          <p:cNvPicPr>
-            <a:picLocks noChangeAspect="true"/>
-          </p:cNvPicPr>
-          <p:nvPr/>
-        </p:nvPicPr>
-        <p:blipFill>
-          <a:blip r:embed="rId3"/>
-          <a:srcRect l="0" t="0" r="0" b="0"/>
-          <a:stretch>
-            <a:fillRect/>
-          </a:stretch>
-        </p:blipFill>
-        <p:spPr>
-          <a:xfrm flipH="false" flipV="false" rot="0">
-            <a:off x="1166674" y="596829"/>
-            <a:ext cx="472127" cy="698155"/>
-          </a:xfrm>
-          <a:prstGeom prst="rect">
-            <a:avLst/>
-          </a:prstGeom>
-        </p:spPr>
-      </p:pic>
-    </p:spTree>
-  </p:cSld>
-  <p:clrMapOvr>
-    <a:masterClrMapping/>
-  </p:clrMapOvr>
-</p:sld>
-</file>
-
-<file path=ppt/slides/slide21.xml><?xml version="1.0" encoding="utf-8"?>
-<p:sld xmlns:p="http://schemas.openxmlformats.org/presentationml/2006/main" xmlns:a="http://schemas.openxmlformats.org/drawingml/2006/main" xmlns:r="http://schemas.openxmlformats.org/officeDocument/2006/relationships">
-  <p:cSld>
-    <p:bg>
-      <p:bgPr>
-        <a:solidFill>
-          <a:srgbClr val="F9DD0B"/>
-        </a:solidFill>
-      </p:bgPr>
-    </p:bg>
-    <p:spTree>
-      <p:nvGrpSpPr>
-        <p:cNvPr id="1" name=""/>
-        <p:cNvGrpSpPr/>
-        <p:nvPr/>
-      </p:nvGrpSpPr>
-      <p:grpSpPr>
-        <a:xfrm>
-          <a:off x="0" y="0"/>
-          <a:ext cx="0" cy="0"/>
-          <a:chOff x="0" y="0"/>
-          <a:chExt cx="0" cy="0"/>
-        </a:xfrm>
-      </p:grpSpPr>
-      <p:sp>
-        <p:nvSpPr>
-          <p:cNvPr name="TextBox 2" id="2"/>
-          <p:cNvSpPr txBox="true"/>
-          <p:nvPr/>
-        </p:nvSpPr>
-        <p:spPr>
-          <a:xfrm rot="0">
-            <a:off x="2743295" y="217170"/>
-            <a:ext cx="15172133" cy="1659255"/>
-          </a:xfrm>
-          <a:prstGeom prst="rect">
-            <a:avLst/>
-          </a:prstGeom>
-        </p:spPr>
-        <p:txBody>
-          <a:bodyPr anchor="t" rtlCol="false" tIns="0" lIns="0" bIns="0" rIns="0">
-            <a:spAutoFit/>
-          </a:bodyPr>
-          <a:lstStyle/>
-          <a:p>
-            <a:pPr algn="ctr">
-              <a:lnSpc>
-                <a:spcPts val="6719"/>
-              </a:lnSpc>
-            </a:pPr>
-            <a:r>
-              <a:rPr lang="en-US" sz="4800">
-                <a:solidFill>
-                  <a:srgbClr val="000000"/>
-                </a:solidFill>
-                <a:latin typeface="Open Sans Light Bold"/>
-              </a:rPr>
-              <a:t>A group enrollment request must be for a service with type "Group"</a:t>
-            </a:r>
-          </a:p>
-        </p:txBody>
-      </p:sp>
-      <p:pic>
-        <p:nvPicPr>
-          <p:cNvPr name="Picture 3" id="3"/>
-          <p:cNvPicPr>
-            <a:picLocks noChangeAspect="true"/>
-          </p:cNvPicPr>
-          <p:nvPr/>
-        </p:nvPicPr>
-        <p:blipFill>
-          <a:blip r:embed="rId2"/>
-          <a:srcRect l="0" t="0" r="0" b="0"/>
-          <a:stretch>
-            <a:fillRect/>
-          </a:stretch>
-        </p:blipFill>
-        <p:spPr>
-          <a:xfrm flipH="false" flipV="false" rot="0">
-            <a:off x="234285" y="260106"/>
-            <a:ext cx="2336906" cy="2336906"/>
-          </a:xfrm>
-          <a:prstGeom prst="rect">
-            <a:avLst/>
-          </a:prstGeom>
-        </p:spPr>
-      </p:pic>
-      <p:pic>
-        <p:nvPicPr>
-          <p:cNvPr name="Picture 4" id="4"/>
-          <p:cNvPicPr>
-            <a:picLocks noChangeAspect="true"/>
-          </p:cNvPicPr>
-          <p:nvPr/>
-        </p:nvPicPr>
-        <p:blipFill>
-          <a:blip r:embed="rId3"/>
-          <a:srcRect l="0" t="0" r="0" b="0"/>
-          <a:stretch>
-            <a:fillRect/>
-          </a:stretch>
-        </p:blipFill>
-        <p:spPr>
-          <a:xfrm flipH="false" flipV="false" rot="0">
-            <a:off x="1166674" y="596829"/>
-            <a:ext cx="472127" cy="698155"/>
-          </a:xfrm>
-          <a:prstGeom prst="rect">
-            <a:avLst/>
-          </a:prstGeom>
-        </p:spPr>
-      </p:pic>
-    </p:spTree>
-  </p:cSld>
-  <p:clrMapOvr>
-    <a:masterClrMapping/>
-  </p:clrMapOvr>
-</p:sld>
-</file>
-
-<file path=ppt/slides/slide22.xml><?xml version="1.0" encoding="utf-8"?>
-<p:sld xmlns:p="http://schemas.openxmlformats.org/presentationml/2006/main" xmlns:a="http://schemas.openxmlformats.org/drawingml/2006/main" xmlns:r="http://schemas.openxmlformats.org/officeDocument/2006/relationships">
+<p:sld xmlns:a="http://schemas.openxmlformats.org/drawingml/2006/main" xmlns:r="http://schemas.openxmlformats.org/officeDocument/2006/relationships" xmlns:p="http://schemas.openxmlformats.org/presentationml/2006/main">
   <p:cSld>
     <p:bg>
       <p:bgPr>
         <a:solidFill>
           <a:srgbClr val="000000"/>
         </a:solidFill>
+        <a:effectLst/>
       </p:bgPr>
     </p:bg>
     <p:spTree>
@@ -6515,14 +6057,14 @@
       </p:grpSpPr>
       <p:grpSp>
         <p:nvGrpSpPr>
-          <p:cNvPr name="Group 2" id="2"/>
+          <p:cNvPr id="2" name="Group 2"/>
           <p:cNvGrpSpPr>
-            <a:grpSpLocks noChangeAspect="true"/>
+            <a:grpSpLocks noChangeAspect="1"/>
           </p:cNvGrpSpPr>
           <p:nvPr/>
         </p:nvGrpSpPr>
         <p:grpSpPr>
-          <a:xfrm rot="0">
+          <a:xfrm>
             <a:off x="7000875" y="1071562"/>
             <a:ext cx="4261001" cy="201652"/>
             <a:chOff x="0" y="0"/>
@@ -6531,7 +6073,7 @@
         </p:grpSpPr>
         <p:sp>
           <p:nvSpPr>
-            <p:cNvPr name="Freeform 3" id="3"/>
+            <p:cNvPr id="3" name="Freeform 3"/>
             <p:cNvSpPr/>
             <p:nvPr/>
           </p:nvSpPr>
@@ -6545,9 +6087,9 @@
               <a:gdLst/>
               <a:ahLst/>
               <a:cxnLst/>
-              <a:rect r="r" b="b" t="t" l="l"/>
+              <a:rect l="l" t="t" r="r" b="b"/>
               <a:pathLst>
-                <a:path h="1473200" w="30980382">
+                <a:path w="30980382" h="1473200">
                   <a:moveTo>
                     <a:pt x="30607000" y="711200"/>
                   </a:moveTo>
@@ -6883,14 +6425,14 @@
       </p:grpSp>
       <p:grpSp>
         <p:nvGrpSpPr>
-          <p:cNvPr name="Group 4" id="4"/>
+          <p:cNvPr id="4" name="Group 4"/>
           <p:cNvGrpSpPr>
-            <a:grpSpLocks noChangeAspect="true"/>
+            <a:grpSpLocks noChangeAspect="1"/>
           </p:cNvGrpSpPr>
           <p:nvPr/>
         </p:nvGrpSpPr>
         <p:grpSpPr>
-          <a:xfrm rot="0">
+          <a:xfrm>
             <a:off x="7013500" y="9446777"/>
             <a:ext cx="4261001" cy="201652"/>
             <a:chOff x="0" y="0"/>
@@ -6899,7 +6441,7 @@
         </p:grpSpPr>
         <p:sp>
           <p:nvSpPr>
-            <p:cNvPr name="Freeform 5" id="5"/>
+            <p:cNvPr id="5" name="Freeform 5"/>
             <p:cNvSpPr/>
             <p:nvPr/>
           </p:nvSpPr>
@@ -6913,9 +6455,9 @@
               <a:gdLst/>
               <a:ahLst/>
               <a:cxnLst/>
-              <a:rect r="r" b="b" t="t" l="l"/>
+              <a:rect l="l" t="t" r="r" b="b"/>
               <a:pathLst>
-                <a:path h="1473200" w="30980382">
+                <a:path w="30980382" h="1473200">
                   <a:moveTo>
                     <a:pt x="30607000" y="711200"/>
                   </a:moveTo>
@@ -7251,9 +6793,9 @@
       </p:grpSp>
       <p:pic>
         <p:nvPicPr>
-          <p:cNvPr name="Picture 6" id="6"/>
+          <p:cNvPr id="6" name="Picture 6"/>
           <p:cNvPicPr>
-            <a:picLocks noChangeAspect="true"/>
+            <a:picLocks noChangeAspect="1"/>
           </p:cNvPicPr>
           <p:nvPr/>
         </p:nvPicPr>
@@ -7261,13 +6803,13 @@
           <a:blip r:embed="rId2">
             <a:alphaModFix amt="9999"/>
           </a:blip>
-          <a:srcRect l="0" t="0" r="0" b="0"/>
+          <a:srcRect/>
           <a:stretch>
             <a:fillRect/>
           </a:stretch>
         </p:blipFill>
         <p:spPr>
-          <a:xfrm flipH="false" flipV="false" rot="0">
+          <a:xfrm>
             <a:off x="7588325" y="2849520"/>
             <a:ext cx="3086100" cy="4114800"/>
           </a:xfrm>
@@ -7278,9 +6820,9 @@
       </p:pic>
       <p:pic>
         <p:nvPicPr>
-          <p:cNvPr name="Picture 7" id="7"/>
+          <p:cNvPr id="7" name="Picture 7"/>
           <p:cNvPicPr>
-            <a:picLocks noChangeAspect="true"/>
+            <a:picLocks noChangeAspect="1"/>
           </p:cNvPicPr>
           <p:nvPr/>
         </p:nvPicPr>
@@ -7288,13 +6830,13 @@
           <a:blip r:embed="rId3">
             <a:alphaModFix amt="27000"/>
           </a:blip>
-          <a:srcRect l="0" t="0" r="0" b="0"/>
+          <a:srcRect/>
           <a:stretch>
             <a:fillRect/>
           </a:stretch>
         </p:blipFill>
         <p:spPr>
-          <a:xfrm flipH="false" flipV="false" rot="0">
+          <a:xfrm>
             <a:off x="693312" y="2203349"/>
             <a:ext cx="16383012" cy="6471290"/>
           </a:xfrm>
@@ -7305,9 +6847,9 @@
       </p:pic>
       <p:pic>
         <p:nvPicPr>
-          <p:cNvPr name="Picture 8" id="8"/>
+          <p:cNvPr id="8" name="Picture 8"/>
           <p:cNvPicPr>
-            <a:picLocks noChangeAspect="true"/>
+            <a:picLocks noChangeAspect="1"/>
           </p:cNvPicPr>
           <p:nvPr/>
         </p:nvPicPr>
@@ -7315,13 +6857,13 @@
           <a:blip r:embed="rId4">
             <a:alphaModFix amt="14000"/>
           </a:blip>
-          <a:srcRect l="0" t="0" r="0" b="0"/>
+          <a:srcRect/>
           <a:stretch>
             <a:fillRect/>
           </a:stretch>
         </p:blipFill>
         <p:spPr>
-          <a:xfrm flipH="false" flipV="false" rot="0">
+          <a:xfrm>
             <a:off x="8750946" y="4642130"/>
             <a:ext cx="760860" cy="2464322"/>
           </a:xfrm>
@@ -7332,21 +6874,21 @@
       </p:pic>
       <p:pic>
         <p:nvPicPr>
-          <p:cNvPr name="Picture 9" id="9"/>
+          <p:cNvPr id="9" name="Picture 9"/>
           <p:cNvPicPr>
-            <a:picLocks noChangeAspect="true"/>
+            <a:picLocks noChangeAspect="1"/>
           </p:cNvPicPr>
           <p:nvPr/>
         </p:nvPicPr>
         <p:blipFill>
           <a:blip r:embed="rId5"/>
-          <a:srcRect l="0" t="0" r="0" b="0"/>
+          <a:srcRect/>
           <a:stretch>
             <a:fillRect/>
           </a:stretch>
         </p:blipFill>
         <p:spPr>
-          <a:xfrm flipH="false" flipV="false" rot="0">
+          <a:xfrm>
             <a:off x="7256395" y="4886325"/>
             <a:ext cx="4130289" cy="4114800"/>
           </a:xfrm>
@@ -7364,13 +6906,14 @@
 </file>
 
 <file path=ppt/slides/slide3.xml><?xml version="1.0" encoding="utf-8"?>
-<p:sld xmlns:p="http://schemas.openxmlformats.org/presentationml/2006/main" xmlns:a="http://schemas.openxmlformats.org/drawingml/2006/main" xmlns:r="http://schemas.openxmlformats.org/officeDocument/2006/relationships">
+<p:sld xmlns:a="http://schemas.openxmlformats.org/drawingml/2006/main" xmlns:r="http://schemas.openxmlformats.org/officeDocument/2006/relationships" xmlns:p="http://schemas.openxmlformats.org/presentationml/2006/main">
   <p:cSld>
     <p:bg>
       <p:bgPr>
         <a:solidFill>
           <a:srgbClr val="008037"/>
         </a:solidFill>
+        <a:effectLst/>
       </p:bgPr>
     </p:bg>
     <p:spTree>
@@ -7389,21 +6932,21 @@
       </p:grpSpPr>
       <p:pic>
         <p:nvPicPr>
-          <p:cNvPr name="Picture 2" id="2"/>
+          <p:cNvPr id="2" name="Picture 2"/>
           <p:cNvPicPr>
-            <a:picLocks noChangeAspect="true"/>
+            <a:picLocks noChangeAspect="1"/>
           </p:cNvPicPr>
           <p:nvPr/>
         </p:nvPicPr>
         <p:blipFill>
           <a:blip r:embed="rId2"/>
-          <a:srcRect l="0" t="0" r="0" b="0"/>
+          <a:srcRect/>
           <a:stretch>
             <a:fillRect/>
           </a:stretch>
         </p:blipFill>
         <p:spPr>
-          <a:xfrm flipH="false" flipV="false" rot="-5400000">
+          <a:xfrm rot="-5400000">
             <a:off x="-1554108" y="3781820"/>
             <a:ext cx="5446721" cy="2723360"/>
           </a:xfrm>
@@ -7414,21 +6957,21 @@
       </p:pic>
       <p:pic>
         <p:nvPicPr>
-          <p:cNvPr name="Picture 3" id="3"/>
+          <p:cNvPr id="3" name="Picture 3"/>
           <p:cNvPicPr>
-            <a:picLocks noChangeAspect="true"/>
+            <a:picLocks noChangeAspect="1"/>
           </p:cNvPicPr>
           <p:nvPr/>
         </p:nvPicPr>
         <p:blipFill>
           <a:blip r:embed="rId3"/>
-          <a:srcRect l="0" t="0" r="0" b="0"/>
+          <a:srcRect/>
           <a:stretch>
             <a:fillRect/>
           </a:stretch>
         </p:blipFill>
         <p:spPr>
-          <a:xfrm flipH="false" flipV="false" rot="-10800000">
+          <a:xfrm rot="-10800000">
             <a:off x="-2762950" y="-935065"/>
             <a:ext cx="4223151" cy="3927530"/>
           </a:xfrm>
@@ -7439,21 +6982,21 @@
       </p:pic>
       <p:pic>
         <p:nvPicPr>
-          <p:cNvPr name="Picture 4" id="4"/>
+          <p:cNvPr id="4" name="Picture 4"/>
           <p:cNvPicPr>
-            <a:picLocks noChangeAspect="true"/>
+            <a:picLocks noChangeAspect="1"/>
           </p:cNvPicPr>
           <p:nvPr/>
         </p:nvPicPr>
         <p:blipFill>
           <a:blip r:embed="rId4"/>
-          <a:srcRect l="0" t="0" r="0" b="0"/>
+          <a:srcRect/>
           <a:stretch>
             <a:fillRect/>
           </a:stretch>
         </p:blipFill>
         <p:spPr>
-          <a:xfrm flipH="false" flipV="false" rot="0">
+          <a:xfrm>
             <a:off x="1709213" y="4624468"/>
             <a:ext cx="1243190" cy="1038063"/>
           </a:xfrm>
@@ -7464,21 +7007,21 @@
       </p:pic>
       <p:pic>
         <p:nvPicPr>
-          <p:cNvPr name="Picture 5" id="5"/>
+          <p:cNvPr id="5" name="Picture 5"/>
           <p:cNvPicPr>
-            <a:picLocks noChangeAspect="true"/>
+            <a:picLocks noChangeAspect="1"/>
           </p:cNvPicPr>
           <p:nvPr/>
         </p:nvPicPr>
         <p:blipFill>
           <a:blip r:embed="rId5"/>
-          <a:srcRect l="0" t="0" r="0" b="0"/>
+          <a:srcRect/>
           <a:stretch>
             <a:fillRect/>
           </a:stretch>
         </p:blipFill>
         <p:spPr>
-          <a:xfrm flipH="false" flipV="false" rot="0">
+          <a:xfrm>
             <a:off x="898916" y="7866860"/>
             <a:ext cx="1620593" cy="867017"/>
           </a:xfrm>
@@ -7489,12 +7032,12 @@
       </p:pic>
       <p:sp>
         <p:nvSpPr>
-          <p:cNvPr name="TextBox 6" id="6"/>
-          <p:cNvSpPr txBox="true"/>
-          <p:nvPr/>
-        </p:nvSpPr>
-        <p:spPr>
-          <a:xfrm rot="0">
+          <p:cNvPr id="6" name="TextBox 6"/>
+          <p:cNvSpPr txBox="1"/>
+          <p:nvPr/>
+        </p:nvSpPr>
+        <p:spPr>
+          <a:xfrm>
             <a:off x="4366287" y="133350"/>
             <a:ext cx="12755576" cy="4203703"/>
           </a:xfrm>
@@ -7503,7 +7046,7 @@
           </a:prstGeom>
         </p:spPr>
         <p:txBody>
-          <a:bodyPr anchor="t" rtlCol="false" tIns="0" lIns="0" bIns="0" rIns="0">
+          <a:bodyPr lIns="0" tIns="0" rIns="0" bIns="0" rtlCol="0" anchor="t">
             <a:spAutoFit/>
           </a:bodyPr>
           <a:lstStyle/>
@@ -7543,21 +7086,21 @@
       </p:sp>
       <p:pic>
         <p:nvPicPr>
-          <p:cNvPr name="Picture 7" id="7"/>
+          <p:cNvPr id="7" name="Picture 7"/>
           <p:cNvPicPr>
-            <a:picLocks noChangeAspect="true"/>
+            <a:picLocks noChangeAspect="1"/>
           </p:cNvPicPr>
           <p:nvPr/>
         </p:nvPicPr>
         <p:blipFill>
           <a:blip r:embed="rId6"/>
-          <a:srcRect l="0" t="0" r="0" b="0"/>
+          <a:srcRect/>
           <a:stretch>
             <a:fillRect/>
           </a:stretch>
         </p:blipFill>
         <p:spPr>
-          <a:xfrm flipH="false" flipV="false" rot="0">
+          <a:xfrm>
             <a:off x="2679219" y="6242969"/>
             <a:ext cx="3374136" cy="4114800"/>
           </a:xfrm>
@@ -7568,21 +7111,21 @@
       </p:pic>
       <p:pic>
         <p:nvPicPr>
-          <p:cNvPr name="Picture 8" id="8"/>
+          <p:cNvPr id="8" name="Picture 8"/>
           <p:cNvPicPr>
-            <a:picLocks noChangeAspect="true"/>
+            <a:picLocks noChangeAspect="1"/>
           </p:cNvPicPr>
           <p:nvPr/>
         </p:nvPicPr>
         <p:blipFill>
           <a:blip r:embed="rId7"/>
-          <a:srcRect l="0" t="0" r="0" b="0"/>
+          <a:srcRect/>
           <a:stretch>
             <a:fillRect/>
           </a:stretch>
         </p:blipFill>
         <p:spPr>
-          <a:xfrm flipH="false" flipV="false" rot="0">
+          <a:xfrm>
             <a:off x="12904026" y="6242969"/>
             <a:ext cx="5607905" cy="4114800"/>
           </a:xfrm>
@@ -7593,21 +7136,21 @@
       </p:pic>
       <p:pic>
         <p:nvPicPr>
-          <p:cNvPr name="Picture 9" id="9"/>
+          <p:cNvPr id="9" name="Picture 9"/>
           <p:cNvPicPr>
-            <a:picLocks noChangeAspect="true"/>
+            <a:picLocks noChangeAspect="1"/>
           </p:cNvPicPr>
           <p:nvPr/>
         </p:nvPicPr>
         <p:blipFill>
           <a:blip r:embed="rId8"/>
-          <a:srcRect l="0" t="0" r="0" b="0"/>
+          <a:srcRect/>
           <a:stretch>
             <a:fillRect/>
           </a:stretch>
         </p:blipFill>
         <p:spPr>
-          <a:xfrm flipH="false" flipV="false" rot="0">
+          <a:xfrm>
             <a:off x="7544051" y="6172200"/>
             <a:ext cx="4534215" cy="4114800"/>
           </a:xfrm>
@@ -7618,12 +7161,12 @@
       </p:pic>
       <p:sp>
         <p:nvSpPr>
-          <p:cNvPr name="TextBox 10" id="10"/>
-          <p:cNvSpPr txBox="true"/>
-          <p:nvPr/>
-        </p:nvSpPr>
-        <p:spPr>
-          <a:xfrm rot="0">
+          <p:cNvPr id="10" name="TextBox 10"/>
+          <p:cNvSpPr txBox="1"/>
+          <p:nvPr/>
+        </p:nvSpPr>
+        <p:spPr>
+          <a:xfrm>
             <a:off x="5093540" y="4260853"/>
             <a:ext cx="12067431" cy="712470"/>
           </a:xfrm>
@@ -7632,7 +7175,7 @@
           </a:prstGeom>
         </p:spPr>
         <p:txBody>
-          <a:bodyPr anchor="t" rtlCol="false" tIns="0" lIns="0" bIns="0" rIns="0">
+          <a:bodyPr lIns="0" tIns="0" rIns="0" bIns="0" rtlCol="0" anchor="t">
             <a:spAutoFit/>
           </a:bodyPr>
           <a:lstStyle/>
@@ -7663,13 +7206,14 @@
 </file>
 
 <file path=ppt/slides/slide4.xml><?xml version="1.0" encoding="utf-8"?>
-<p:sld xmlns:p="http://schemas.openxmlformats.org/presentationml/2006/main" xmlns:a="http://schemas.openxmlformats.org/drawingml/2006/main" xmlns:r="http://schemas.openxmlformats.org/officeDocument/2006/relationships">
+<p:sld xmlns:a="http://schemas.openxmlformats.org/drawingml/2006/main" xmlns:r="http://schemas.openxmlformats.org/officeDocument/2006/relationships" xmlns:p="http://schemas.openxmlformats.org/presentationml/2006/main">
   <p:cSld>
     <p:bg>
       <p:bgPr>
         <a:solidFill>
           <a:srgbClr val="000000"/>
         </a:solidFill>
+        <a:effectLst/>
       </p:bgPr>
     </p:bg>
     <p:spTree>
@@ -7688,21 +7232,21 @@
       </p:grpSpPr>
       <p:pic>
         <p:nvPicPr>
-          <p:cNvPr name="Picture 2" id="2"/>
+          <p:cNvPr id="2" name="Picture 2"/>
           <p:cNvPicPr>
-            <a:picLocks noChangeAspect="true"/>
+            <a:picLocks noChangeAspect="1"/>
           </p:cNvPicPr>
           <p:nvPr/>
         </p:nvPicPr>
         <p:blipFill>
           <a:blip r:embed="rId2"/>
-          <a:srcRect l="0" t="0" r="0" b="0"/>
+          <a:srcRect/>
           <a:stretch>
             <a:fillRect/>
           </a:stretch>
         </p:blipFill>
         <p:spPr>
-          <a:xfrm flipH="false" flipV="false" rot="-5400000">
+          <a:xfrm rot="-5400000">
             <a:off x="2081543" y="4186674"/>
             <a:ext cx="6268770" cy="3134385"/>
           </a:xfrm>
@@ -7713,21 +7257,21 @@
       </p:pic>
       <p:pic>
         <p:nvPicPr>
-          <p:cNvPr name="Picture 3" id="3"/>
+          <p:cNvPr id="3" name="Picture 3"/>
           <p:cNvPicPr>
-            <a:picLocks noChangeAspect="true"/>
+            <a:picLocks noChangeAspect="1"/>
           </p:cNvPicPr>
           <p:nvPr/>
         </p:nvPicPr>
         <p:blipFill>
           <a:blip r:embed="rId3"/>
-          <a:srcRect l="0" t="0" r="0" b="0"/>
+          <a:srcRect/>
           <a:stretch>
             <a:fillRect/>
           </a:stretch>
         </p:blipFill>
         <p:spPr>
-          <a:xfrm flipH="false" flipV="false" rot="5400000">
+          <a:xfrm rot="5400000">
             <a:off x="-1052843" y="2400664"/>
             <a:ext cx="6268770" cy="3134385"/>
           </a:xfrm>
@@ -7738,21 +7282,21 @@
       </p:pic>
       <p:pic>
         <p:nvPicPr>
-          <p:cNvPr name="Picture 4" id="4"/>
+          <p:cNvPr id="4" name="Picture 4"/>
           <p:cNvPicPr>
-            <a:picLocks noChangeAspect="true"/>
+            <a:picLocks noChangeAspect="1"/>
           </p:cNvPicPr>
           <p:nvPr/>
         </p:nvPicPr>
         <p:blipFill>
           <a:blip r:embed="rId4"/>
-          <a:srcRect l="0" t="0" r="0" b="0"/>
+          <a:srcRect/>
           <a:stretch>
             <a:fillRect/>
           </a:stretch>
         </p:blipFill>
         <p:spPr>
-          <a:xfrm flipH="false" flipV="false" rot="0">
+          <a:xfrm>
             <a:off x="514350" y="833471"/>
             <a:ext cx="2215185" cy="2060122"/>
           </a:xfrm>
@@ -7763,21 +7307,21 @@
       </p:pic>
       <p:pic>
         <p:nvPicPr>
-          <p:cNvPr name="Picture 5" id="5"/>
+          <p:cNvPr id="5" name="Picture 5"/>
           <p:cNvPicPr>
-            <a:picLocks noChangeAspect="true"/>
+            <a:picLocks noChangeAspect="1"/>
           </p:cNvPicPr>
           <p:nvPr/>
         </p:nvPicPr>
         <p:blipFill>
           <a:blip r:embed="rId4"/>
-          <a:srcRect l="0" t="0" r="0" b="0"/>
+          <a:srcRect/>
           <a:stretch>
             <a:fillRect/>
           </a:stretch>
         </p:blipFill>
         <p:spPr>
-          <a:xfrm flipH="false" flipV="false" rot="0">
+          <a:xfrm>
             <a:off x="4743310" y="6991229"/>
             <a:ext cx="2039810" cy="1897023"/>
           </a:xfrm>
@@ -7788,21 +7332,21 @@
       </p:pic>
       <p:pic>
         <p:nvPicPr>
-          <p:cNvPr name="Picture 6" id="6"/>
+          <p:cNvPr id="6" name="Picture 6"/>
           <p:cNvPicPr>
-            <a:picLocks noChangeAspect="true"/>
+            <a:picLocks noChangeAspect="1"/>
           </p:cNvPicPr>
           <p:nvPr/>
         </p:nvPicPr>
         <p:blipFill>
           <a:blip r:embed="rId5"/>
-          <a:srcRect l="0" t="0" r="0" b="0"/>
+          <a:srcRect/>
           <a:stretch>
             <a:fillRect/>
           </a:stretch>
         </p:blipFill>
         <p:spPr>
-          <a:xfrm flipH="false" flipV="false" rot="0">
+          <a:xfrm>
             <a:off x="4968748" y="1033200"/>
             <a:ext cx="1916937" cy="1025561"/>
           </a:xfrm>
@@ -7813,21 +7357,21 @@
       </p:pic>
       <p:pic>
         <p:nvPicPr>
-          <p:cNvPr name="Picture 7" id="7"/>
+          <p:cNvPr id="7" name="Picture 7"/>
           <p:cNvPicPr>
-            <a:picLocks noChangeAspect="true"/>
+            <a:picLocks noChangeAspect="1"/>
           </p:cNvPicPr>
           <p:nvPr/>
         </p:nvPicPr>
         <p:blipFill>
           <a:blip r:embed="rId5"/>
-          <a:srcRect l="0" t="0" r="0" b="0"/>
+          <a:srcRect/>
           <a:stretch>
             <a:fillRect/>
           </a:stretch>
         </p:blipFill>
         <p:spPr>
-          <a:xfrm flipH="false" flipV="false" rot="0">
+          <a:xfrm>
             <a:off x="1505623" y="7575171"/>
             <a:ext cx="1880318" cy="1005970"/>
           </a:xfrm>
@@ -7838,12 +7382,12 @@
       </p:pic>
       <p:grpSp>
         <p:nvGrpSpPr>
-          <p:cNvPr name="Group 8" id="8"/>
+          <p:cNvPr id="8" name="Group 8"/>
           <p:cNvGrpSpPr/>
           <p:nvPr/>
         </p:nvGrpSpPr>
         <p:grpSpPr>
-          <a:xfrm rot="0">
+          <a:xfrm>
             <a:off x="8862245" y="638153"/>
             <a:ext cx="9197039" cy="6279678"/>
             <a:chOff x="0" y="0"/>
@@ -7852,12 +7396,12 @@
         </p:grpSpPr>
         <p:sp>
           <p:nvSpPr>
-            <p:cNvPr name="TextBox 9" id="9"/>
-            <p:cNvSpPr txBox="true"/>
+            <p:cNvPr id="9" name="TextBox 9"/>
+            <p:cNvSpPr txBox="1"/>
             <p:nvPr/>
           </p:nvSpPr>
           <p:spPr>
-            <a:xfrm rot="0">
+            <a:xfrm>
               <a:off x="0" y="114300"/>
               <a:ext cx="12262718" cy="7033253"/>
             </a:xfrm>
@@ -7866,7 +7410,7 @@
             </a:prstGeom>
           </p:spPr>
           <p:txBody>
-            <a:bodyPr anchor="t" rtlCol="false" tIns="0" lIns="0" bIns="0" rIns="0">
+            <a:bodyPr lIns="0" tIns="0" rIns="0" bIns="0" rtlCol="0" anchor="t">
               <a:spAutoFit/>
             </a:bodyPr>
             <a:lstStyle/>
@@ -7890,12 +7434,12 @@
         </p:sp>
         <p:sp>
           <p:nvSpPr>
-            <p:cNvPr name="TextBox 10" id="10"/>
-            <p:cNvSpPr txBox="true"/>
+            <p:cNvPr id="10" name="TextBox 10"/>
+            <p:cNvSpPr txBox="1"/>
             <p:nvPr/>
           </p:nvSpPr>
           <p:spPr>
-            <a:xfrm rot="0">
+            <a:xfrm>
               <a:off x="0" y="7759777"/>
               <a:ext cx="12262718" cy="613127"/>
             </a:xfrm>
@@ -7904,7 +7448,7 @@
             </a:prstGeom>
           </p:spPr>
           <p:txBody>
-            <a:bodyPr anchor="t" rtlCol="false" tIns="0" lIns="0" bIns="0" rIns="0">
+            <a:bodyPr lIns="0" tIns="0" rIns="0" bIns="0" rtlCol="0" anchor="t">
               <a:spAutoFit/>
             </a:bodyPr>
             <a:lstStyle/>
@@ -7929,9 +7473,9 @@
       </p:grpSp>
       <p:pic>
         <p:nvPicPr>
-          <p:cNvPr name="Picture 11" id="11"/>
+          <p:cNvPr id="11" name="Picture 11"/>
           <p:cNvPicPr>
-            <a:picLocks noChangeAspect="true"/>
+            <a:picLocks noChangeAspect="1"/>
           </p:cNvPicPr>
           <p:nvPr/>
         </p:nvPicPr>
@@ -7939,13 +7483,13 @@
           <a:blip r:embed="rId6">
             <a:alphaModFix amt="64000"/>
           </a:blip>
-          <a:srcRect l="0" t="0" r="0" b="0"/>
+          <a:srcRect/>
           <a:stretch>
             <a:fillRect/>
           </a:stretch>
         </p:blipFill>
         <p:spPr>
-          <a:xfrm flipH="false" flipV="false" rot="0">
+          <a:xfrm>
             <a:off x="1028700" y="3777992"/>
             <a:ext cx="5579960" cy="2204084"/>
           </a:xfrm>
@@ -7956,21 +7500,21 @@
       </p:pic>
       <p:pic>
         <p:nvPicPr>
-          <p:cNvPr name="Picture 12" id="12"/>
+          <p:cNvPr id="12" name="Picture 12"/>
           <p:cNvPicPr>
-            <a:picLocks noChangeAspect="true"/>
+            <a:picLocks noChangeAspect="1"/>
           </p:cNvPicPr>
           <p:nvPr/>
         </p:nvPicPr>
         <p:blipFill>
           <a:blip r:embed="rId7"/>
-          <a:srcRect l="0" t="0" r="0" b="0"/>
+          <a:srcRect/>
           <a:stretch>
             <a:fillRect/>
           </a:stretch>
         </p:blipFill>
         <p:spPr>
-          <a:xfrm flipH="false" flipV="false" rot="0">
+          <a:xfrm>
             <a:off x="14857705" y="7102242"/>
             <a:ext cx="2774933" cy="2709344"/>
           </a:xfrm>
@@ -7988,13 +7532,14 @@
 </file>
 
 <file path=ppt/slides/slide5.xml><?xml version="1.0" encoding="utf-8"?>
-<p:sld xmlns:p="http://schemas.openxmlformats.org/presentationml/2006/main" xmlns:a="http://schemas.openxmlformats.org/drawingml/2006/main" xmlns:r="http://schemas.openxmlformats.org/officeDocument/2006/relationships">
+<p:sld xmlns:a="http://schemas.openxmlformats.org/drawingml/2006/main" xmlns:r="http://schemas.openxmlformats.org/officeDocument/2006/relationships" xmlns:p="http://schemas.openxmlformats.org/presentationml/2006/main">
   <p:cSld>
     <p:bg>
       <p:bgPr>
         <a:solidFill>
           <a:srgbClr val="F9DD0B"/>
         </a:solidFill>
+        <a:effectLst/>
       </p:bgPr>
     </p:bg>
     <p:spTree>
@@ -8013,21 +7558,21 @@
       </p:grpSpPr>
       <p:pic>
         <p:nvPicPr>
-          <p:cNvPr name="Picture 2" id="2"/>
+          <p:cNvPr id="2" name="Picture 2"/>
           <p:cNvPicPr>
-            <a:picLocks noChangeAspect="true"/>
+            <a:picLocks noChangeAspect="1"/>
           </p:cNvPicPr>
           <p:nvPr/>
         </p:nvPicPr>
         <p:blipFill>
           <a:blip r:embed="rId2"/>
-          <a:srcRect l="0" t="0" r="0" b="0"/>
+          <a:srcRect/>
           <a:stretch>
             <a:fillRect/>
           </a:stretch>
         </p:blipFill>
         <p:spPr>
-          <a:xfrm flipH="false" flipV="false" rot="0">
+          <a:xfrm>
             <a:off x="442793" y="3392833"/>
             <a:ext cx="3029989" cy="4114800"/>
           </a:xfrm>
@@ -8038,21 +7583,21 @@
       </p:pic>
       <p:pic>
         <p:nvPicPr>
-          <p:cNvPr name="Picture 3" id="3"/>
+          <p:cNvPr id="3" name="Picture 3"/>
           <p:cNvPicPr>
-            <a:picLocks noChangeAspect="true"/>
+            <a:picLocks noChangeAspect="1"/>
           </p:cNvPicPr>
           <p:nvPr/>
         </p:nvPicPr>
         <p:blipFill>
           <a:blip r:embed="rId3"/>
-          <a:srcRect l="0" t="0" r="0" b="0"/>
+          <a:srcRect/>
           <a:stretch>
             <a:fillRect/>
           </a:stretch>
         </p:blipFill>
         <p:spPr>
-          <a:xfrm flipH="false" flipV="false" rot="0">
+          <a:xfrm>
             <a:off x="6262173" y="3449334"/>
             <a:ext cx="2098548" cy="4114800"/>
           </a:xfrm>
@@ -8063,12 +7608,12 @@
       </p:pic>
       <p:sp>
         <p:nvSpPr>
-          <p:cNvPr name="TextBox 4" id="4"/>
-          <p:cNvSpPr txBox="true"/>
-          <p:nvPr/>
-        </p:nvSpPr>
-        <p:spPr>
-          <a:xfrm rot="0">
+          <p:cNvPr id="4" name="TextBox 4"/>
+          <p:cNvSpPr txBox="1"/>
+          <p:nvPr/>
+        </p:nvSpPr>
+        <p:spPr>
+          <a:xfrm>
             <a:off x="3596197" y="7535328"/>
             <a:ext cx="6976914" cy="1811020"/>
           </a:xfrm>
@@ -8077,7 +7622,7 @@
           </a:prstGeom>
         </p:spPr>
         <p:txBody>
-          <a:bodyPr anchor="t" rtlCol="false" tIns="0" lIns="0" bIns="0" rIns="0">
+          <a:bodyPr lIns="0" tIns="0" rIns="0" bIns="0" rtlCol="0" anchor="t">
             <a:spAutoFit/>
           </a:bodyPr>
           <a:lstStyle/>
@@ -8117,12 +7662,12 @@
       </p:sp>
       <p:grpSp>
         <p:nvGrpSpPr>
-          <p:cNvPr name="Group 5" id="5"/>
+          <p:cNvPr id="5" name="Group 5"/>
           <p:cNvGrpSpPr/>
           <p:nvPr/>
         </p:nvGrpSpPr>
         <p:grpSpPr>
-          <a:xfrm rot="0">
+          <a:xfrm>
             <a:off x="9501346" y="1197991"/>
             <a:ext cx="11235829" cy="9731277"/>
             <a:chOff x="0" y="0"/>
@@ -8131,7 +7676,7 @@
         </p:grpSpPr>
         <p:sp>
           <p:nvSpPr>
-            <p:cNvPr name="Freeform 6" id="6"/>
+            <p:cNvPr id="6" name="Freeform 6"/>
             <p:cNvSpPr/>
             <p:nvPr/>
           </p:nvSpPr>
@@ -8145,9 +7690,9 @@
               <a:gdLst/>
               <a:ahLst/>
               <a:cxnLst/>
-              <a:rect r="r" b="b" t="t" l="l"/>
+              <a:rect l="l" t="t" r="r" b="b"/>
               <a:pathLst>
-                <a:path h="5372100" w="6202680">
+                <a:path w="6202680" h="5372100">
                   <a:moveTo>
                     <a:pt x="4652010" y="0"/>
                   </a:moveTo>
@@ -8181,12 +7726,12 @@
       </p:grpSp>
       <p:sp>
         <p:nvSpPr>
-          <p:cNvPr name="TextBox 7" id="7"/>
-          <p:cNvSpPr txBox="true"/>
-          <p:nvPr/>
-        </p:nvSpPr>
-        <p:spPr>
-          <a:xfrm rot="0">
+          <p:cNvPr id="7" name="TextBox 7"/>
+          <p:cNvSpPr txBox="1"/>
+          <p:nvPr/>
+        </p:nvSpPr>
+        <p:spPr>
+          <a:xfrm>
             <a:off x="1475159" y="312166"/>
             <a:ext cx="7668841" cy="1707652"/>
           </a:xfrm>
@@ -8195,7 +7740,7 @@
           </a:prstGeom>
         </p:spPr>
         <p:txBody>
-          <a:bodyPr anchor="t" rtlCol="false" tIns="0" lIns="0" bIns="0" rIns="0">
+          <a:bodyPr lIns="0" tIns="0" rIns="0" bIns="0" rtlCol="0" anchor="t">
             <a:spAutoFit/>
           </a:bodyPr>
           <a:lstStyle/>
@@ -8219,21 +7764,21 @@
       </p:sp>
       <p:pic>
         <p:nvPicPr>
-          <p:cNvPr name="Picture 8" id="8"/>
+          <p:cNvPr id="8" name="Picture 8"/>
           <p:cNvPicPr>
-            <a:picLocks noChangeAspect="true"/>
+            <a:picLocks noChangeAspect="1"/>
           </p:cNvPicPr>
           <p:nvPr/>
         </p:nvPicPr>
         <p:blipFill>
           <a:blip r:embed="rId4"/>
-          <a:srcRect l="0" t="0" r="0" b="0"/>
+          <a:srcRect/>
           <a:stretch>
             <a:fillRect/>
           </a:stretch>
         </p:blipFill>
         <p:spPr>
-          <a:xfrm flipH="false" flipV="false" rot="0">
+          <a:xfrm>
             <a:off x="3472782" y="7822131"/>
             <a:ext cx="1044813" cy="1436169"/>
           </a:xfrm>
@@ -8244,12 +7789,12 @@
       </p:pic>
       <p:grpSp>
         <p:nvGrpSpPr>
-          <p:cNvPr name="Group 9" id="9"/>
+          <p:cNvPr id="9" name="Group 9"/>
           <p:cNvGrpSpPr/>
           <p:nvPr/>
         </p:nvGrpSpPr>
         <p:grpSpPr>
-          <a:xfrm rot="0">
+          <a:xfrm>
             <a:off x="3217249" y="5193741"/>
             <a:ext cx="2092330" cy="312993"/>
             <a:chOff x="0" y="0"/>
@@ -8258,7 +7803,7 @@
         </p:grpSpPr>
         <p:sp>
           <p:nvSpPr>
-            <p:cNvPr name="Freeform 10" id="10"/>
+            <p:cNvPr id="10" name="Freeform 10"/>
             <p:cNvSpPr/>
             <p:nvPr/>
           </p:nvSpPr>
@@ -8272,9 +7817,9 @@
               <a:gdLst/>
               <a:ahLst/>
               <a:cxnLst/>
-              <a:rect r="r" b="b" t="t" l="l"/>
+              <a:rect l="l" t="t" r="r" b="b"/>
               <a:pathLst>
-                <a:path h="504190" w="374650">
+                <a:path w="374650" h="504190">
                   <a:moveTo>
                     <a:pt x="0" y="504190"/>
                   </a:moveTo>
@@ -8295,7 +7840,7 @@
         </p:sp>
         <p:sp>
           <p:nvSpPr>
-            <p:cNvPr name="Freeform 11" id="11"/>
+            <p:cNvPr id="11" name="Freeform 11"/>
             <p:cNvSpPr/>
             <p:nvPr/>
           </p:nvSpPr>
@@ -8309,9 +7854,9 @@
               <a:gdLst/>
               <a:ahLst/>
               <a:cxnLst/>
-              <a:rect r="r" b="b" t="t" l="l"/>
+              <a:rect l="l" t="t" r="r" b="b"/>
               <a:pathLst>
-                <a:path h="504190" w="374650">
+                <a:path w="374650" h="504190">
                   <a:moveTo>
                     <a:pt x="374650" y="504190"/>
                   </a:moveTo>
@@ -8332,7 +7877,7 @@
         </p:sp>
         <p:sp>
           <p:nvSpPr>
-            <p:cNvPr name="Freeform 12" id="12"/>
+            <p:cNvPr id="12" name="Freeform 12"/>
             <p:cNvSpPr/>
             <p:nvPr/>
           </p:nvSpPr>
@@ -8346,9 +7891,9 @@
               <a:gdLst/>
               <a:ahLst/>
               <a:cxnLst/>
-              <a:rect r="r" b="b" t="t" l="l"/>
+              <a:rect l="l" t="t" r="r" b="b"/>
               <a:pathLst>
-                <a:path h="584200" w="3879850">
+                <a:path w="3879850" h="584200">
                   <a:moveTo>
                     <a:pt x="3863340" y="261620"/>
                   </a:moveTo>
@@ -8490,12 +8035,12 @@
       </p:grpSp>
       <p:sp>
         <p:nvSpPr>
-          <p:cNvPr name="TextBox 13" id="13"/>
-          <p:cNvSpPr txBox="true"/>
-          <p:nvPr/>
-        </p:nvSpPr>
-        <p:spPr>
-          <a:xfrm rot="0">
+          <p:cNvPr id="13" name="TextBox 13"/>
+          <p:cNvSpPr txBox="1"/>
+          <p:nvPr/>
+        </p:nvSpPr>
+        <p:spPr>
+          <a:xfrm>
             <a:off x="705882" y="8371205"/>
             <a:ext cx="1987302" cy="887095"/>
           </a:xfrm>
@@ -8504,7 +8049,7 @@
           </a:prstGeom>
         </p:spPr>
         <p:txBody>
-          <a:bodyPr anchor="t" rtlCol="false" tIns="0" lIns="0" bIns="0" rIns="0">
+          <a:bodyPr lIns="0" tIns="0" rIns="0" bIns="0" rtlCol="0" anchor="t">
             <a:spAutoFit/>
           </a:bodyPr>
           <a:lstStyle/>
@@ -8528,12 +8073,12 @@
       </p:sp>
       <p:sp>
         <p:nvSpPr>
-          <p:cNvPr name="TextBox 14" id="14"/>
-          <p:cNvSpPr txBox="true"/>
-          <p:nvPr/>
-        </p:nvSpPr>
-        <p:spPr>
-          <a:xfrm rot="0">
+          <p:cNvPr id="14" name="TextBox 14"/>
+          <p:cNvSpPr txBox="1"/>
+          <p:nvPr/>
+        </p:nvSpPr>
+        <p:spPr>
+          <a:xfrm>
             <a:off x="12115392" y="1446190"/>
             <a:ext cx="6007738" cy="1226820"/>
           </a:xfrm>
@@ -8542,7 +8087,7 @@
           </a:prstGeom>
         </p:spPr>
         <p:txBody>
-          <a:bodyPr anchor="t" rtlCol="false" tIns="0" lIns="0" bIns="0" rIns="0">
+          <a:bodyPr lIns="0" tIns="0" rIns="0" bIns="0" rtlCol="0" anchor="t">
             <a:spAutoFit/>
           </a:bodyPr>
           <a:lstStyle/>
@@ -8566,12 +8111,12 @@
       </p:sp>
       <p:sp>
         <p:nvSpPr>
-          <p:cNvPr name="TextBox 15" id="15"/>
-          <p:cNvSpPr txBox="true"/>
-          <p:nvPr/>
-        </p:nvSpPr>
-        <p:spPr>
-          <a:xfrm rot="0">
+          <p:cNvPr id="15" name="TextBox 15"/>
+          <p:cNvSpPr txBox="1"/>
+          <p:nvPr/>
+        </p:nvSpPr>
+        <p:spPr>
+          <a:xfrm>
             <a:off x="10573111" y="3570265"/>
             <a:ext cx="7714889" cy="1180465"/>
           </a:xfrm>
@@ -8580,12 +8125,12 @@
           </a:prstGeom>
         </p:spPr>
         <p:txBody>
-          <a:bodyPr anchor="t" rtlCol="false" tIns="0" lIns="0" bIns="0" rIns="0">
+          <a:bodyPr lIns="0" tIns="0" rIns="0" bIns="0" rtlCol="0" anchor="t">
             <a:spAutoFit/>
           </a:bodyPr>
           <a:lstStyle/>
           <a:p>
-            <a:pPr algn="ctr" marL="734060" indent="-367030" lvl="1">
+            <a:pPr marL="734060" lvl="1" indent="-367030" algn="ctr">
               <a:lnSpc>
                 <a:spcPts val="4759"/>
               </a:lnSpc>
@@ -8606,12 +8151,12 @@
       </p:sp>
       <p:sp>
         <p:nvSpPr>
-          <p:cNvPr name="TextBox 16" id="16"/>
-          <p:cNvSpPr txBox="true"/>
-          <p:nvPr/>
-        </p:nvSpPr>
-        <p:spPr>
-          <a:xfrm rot="0">
+          <p:cNvPr id="16" name="TextBox 16"/>
+          <p:cNvSpPr txBox="1"/>
+          <p:nvPr/>
+        </p:nvSpPr>
+        <p:spPr>
+          <a:xfrm>
             <a:off x="10243370" y="4883164"/>
             <a:ext cx="8044630" cy="1180465"/>
           </a:xfrm>
@@ -8620,12 +8165,12 @@
           </a:prstGeom>
         </p:spPr>
         <p:txBody>
-          <a:bodyPr anchor="t" rtlCol="false" tIns="0" lIns="0" bIns="0" rIns="0">
+          <a:bodyPr lIns="0" tIns="0" rIns="0" bIns="0" rtlCol="0" anchor="t">
             <a:spAutoFit/>
           </a:bodyPr>
           <a:lstStyle/>
           <a:p>
-            <a:pPr algn="ctr" marL="734060" indent="-367030" lvl="1">
+            <a:pPr marL="734060" lvl="1" indent="-367030" algn="ctr">
               <a:lnSpc>
                 <a:spcPts val="4759"/>
               </a:lnSpc>
@@ -8646,12 +8191,12 @@
       </p:sp>
       <p:sp>
         <p:nvSpPr>
-          <p:cNvPr name="TextBox 17" id="17"/>
-          <p:cNvSpPr txBox="true"/>
-          <p:nvPr/>
-        </p:nvSpPr>
-        <p:spPr>
-          <a:xfrm rot="0">
+          <p:cNvPr id="17" name="TextBox 17"/>
+          <p:cNvSpPr txBox="1"/>
+          <p:nvPr/>
+        </p:nvSpPr>
+        <p:spPr>
+          <a:xfrm>
             <a:off x="10243370" y="6413253"/>
             <a:ext cx="6749653" cy="580390"/>
           </a:xfrm>
@@ -8660,12 +8205,12 @@
           </a:prstGeom>
         </p:spPr>
         <p:txBody>
-          <a:bodyPr anchor="t" rtlCol="false" tIns="0" lIns="0" bIns="0" rIns="0">
+          <a:bodyPr lIns="0" tIns="0" rIns="0" bIns="0" rtlCol="0" anchor="t">
             <a:spAutoFit/>
           </a:bodyPr>
           <a:lstStyle/>
           <a:p>
-            <a:pPr algn="ctr" marL="734060" indent="-367030" lvl="1">
+            <a:pPr marL="734060" lvl="1" indent="-367030" algn="ctr">
               <a:lnSpc>
                 <a:spcPts val="4759"/>
               </a:lnSpc>
@@ -8686,12 +8231,12 @@
       </p:sp>
       <p:sp>
         <p:nvSpPr>
-          <p:cNvPr name="TextBox 18" id="18"/>
-          <p:cNvSpPr txBox="true"/>
-          <p:nvPr/>
-        </p:nvSpPr>
-        <p:spPr>
-          <a:xfrm rot="0">
+          <p:cNvPr id="18" name="TextBox 18"/>
+          <p:cNvSpPr txBox="1"/>
+          <p:nvPr/>
+        </p:nvSpPr>
+        <p:spPr>
+          <a:xfrm>
             <a:off x="10942768" y="7563903"/>
             <a:ext cx="6975574" cy="580390"/>
           </a:xfrm>
@@ -8700,12 +8245,12 @@
           </a:prstGeom>
         </p:spPr>
         <p:txBody>
-          <a:bodyPr anchor="t" rtlCol="false" tIns="0" lIns="0" bIns="0" rIns="0">
+          <a:bodyPr lIns="0" tIns="0" rIns="0" bIns="0" rtlCol="0" anchor="t">
             <a:spAutoFit/>
           </a:bodyPr>
           <a:lstStyle/>
           <a:p>
-            <a:pPr algn="ctr" marL="734060" indent="-367030" lvl="1">
+            <a:pPr marL="734060" lvl="1" indent="-367030" algn="ctr">
               <a:lnSpc>
                 <a:spcPts val="4759"/>
               </a:lnSpc>
@@ -8733,13 +8278,14 @@
 </file>
 
 <file path=ppt/slides/slide6.xml><?xml version="1.0" encoding="utf-8"?>
-<p:sld xmlns:p="http://schemas.openxmlformats.org/presentationml/2006/main" xmlns:a="http://schemas.openxmlformats.org/drawingml/2006/main" xmlns:r="http://schemas.openxmlformats.org/officeDocument/2006/relationships">
+<p:sld xmlns:a="http://schemas.openxmlformats.org/drawingml/2006/main" xmlns:r="http://schemas.openxmlformats.org/officeDocument/2006/relationships" xmlns:p="http://schemas.openxmlformats.org/presentationml/2006/main">
   <p:cSld>
     <p:bg>
       <p:bgPr>
         <a:solidFill>
           <a:srgbClr val="008037"/>
         </a:solidFill>
+        <a:effectLst/>
       </p:bgPr>
     </p:bg>
     <p:spTree>
@@ -8758,964 +8304,34 @@
       </p:grpSpPr>
       <p:pic>
         <p:nvPicPr>
-          <p:cNvPr name="Picture 2" id="2"/>
+          <p:cNvPr id="35" name="Picture 34" descr="Diagram&#10;&#10;Description automatically generated">
+            <a:extLst>
+              <a:ext uri="{FF2B5EF4-FFF2-40B4-BE49-F238E27FC236}">
+                <a16:creationId xmlns:a16="http://schemas.microsoft.com/office/drawing/2014/main" id="{9490E3D7-71B8-4056-A9DB-49FE1CB77DAD}"/>
+              </a:ext>
+            </a:extLst>
+          </p:cNvPr>
           <p:cNvPicPr>
-            <a:picLocks noChangeAspect="true"/>
+            <a:picLocks noChangeAspect="1"/>
           </p:cNvPicPr>
           <p:nvPr/>
         </p:nvPicPr>
         <p:blipFill>
-          <a:blip r:embed="rId2"/>
-          <a:srcRect l="0" t="0" r="0" b="0"/>
+          <a:blip r:embed="rId2">
+            <a:extLst>
+              <a:ext uri="{28A0092B-C50C-407E-A947-70E740481C1C}">
+                <a14:useLocalDpi xmlns:a14="http://schemas.microsoft.com/office/drawing/2010/main" val="0"/>
+              </a:ext>
+            </a:extLst>
+          </a:blip>
           <a:stretch>
             <a:fillRect/>
           </a:stretch>
         </p:blipFill>
         <p:spPr>
-          <a:xfrm flipH="false" flipV="false" rot="0">
-            <a:off x="3125542" y="2376736"/>
-            <a:ext cx="2761970" cy="1386007"/>
-          </a:xfrm>
-          <a:prstGeom prst="rect">
-            <a:avLst/>
-          </a:prstGeom>
-        </p:spPr>
-      </p:pic>
-      <p:sp>
-        <p:nvSpPr>
-          <p:cNvPr name="TextBox 3" id="3"/>
-          <p:cNvSpPr txBox="true"/>
-          <p:nvPr/>
-        </p:nvSpPr>
-        <p:spPr>
-          <a:xfrm rot="0">
-            <a:off x="3267534" y="2504783"/>
-            <a:ext cx="1885288" cy="1072763"/>
-          </a:xfrm>
-          <a:prstGeom prst="rect">
-            <a:avLst/>
-          </a:prstGeom>
-        </p:spPr>
-        <p:txBody>
-          <a:bodyPr anchor="t" rtlCol="false" tIns="0" lIns="0" bIns="0" rIns="0">
-            <a:spAutoFit/>
-          </a:bodyPr>
-          <a:lstStyle/>
-          <a:p>
-            <a:pPr algn="ctr">
-              <a:lnSpc>
-                <a:spcPts val="4340"/>
-              </a:lnSpc>
-            </a:pPr>
-            <a:r>
-              <a:rPr lang="en-US" sz="3100">
-                <a:solidFill>
-                  <a:srgbClr val="FFFFFF"/>
-                </a:solidFill>
-                <a:latin typeface="Open Sans Light"/>
-              </a:rPr>
-              <a:t>mode of delivery</a:t>
-            </a:r>
-          </a:p>
-        </p:txBody>
-      </p:sp>
-      <p:pic>
-        <p:nvPicPr>
-          <p:cNvPr name="Picture 4" id="4"/>
-          <p:cNvPicPr>
-            <a:picLocks noChangeAspect="true"/>
-          </p:cNvPicPr>
-          <p:nvPr/>
-        </p:nvPicPr>
-        <p:blipFill>
-          <a:blip r:embed="rId3"/>
-          <a:srcRect l="0" t="0" r="0" b="0"/>
-          <a:stretch>
-            <a:fillRect/>
-          </a:stretch>
-        </p:blipFill>
-        <p:spPr>
-          <a:xfrm flipH="false" flipV="false" rot="0">
-            <a:off x="6921279" y="2812832"/>
-            <a:ext cx="2428048" cy="1218439"/>
-          </a:xfrm>
-          <a:prstGeom prst="rect">
-            <a:avLst/>
-          </a:prstGeom>
-        </p:spPr>
-      </p:pic>
-      <p:sp>
-        <p:nvSpPr>
-          <p:cNvPr name="TextBox 5" id="5"/>
-          <p:cNvSpPr txBox="true"/>
-          <p:nvPr/>
-        </p:nvSpPr>
-        <p:spPr>
-          <a:xfrm rot="0">
-            <a:off x="7190103" y="2846193"/>
-            <a:ext cx="1868608" cy="1073302"/>
-          </a:xfrm>
-          <a:prstGeom prst="rect">
-            <a:avLst/>
-          </a:prstGeom>
-        </p:spPr>
-        <p:txBody>
-          <a:bodyPr anchor="t" rtlCol="false" tIns="0" lIns="0" bIns="0" rIns="0">
-            <a:spAutoFit/>
-          </a:bodyPr>
-          <a:lstStyle/>
-          <a:p>
-            <a:pPr algn="ctr">
-              <a:lnSpc>
-                <a:spcPts val="4302"/>
-              </a:lnSpc>
-            </a:pPr>
-            <a:r>
-              <a:rPr lang="en-US" sz="3072">
-                <a:solidFill>
-                  <a:srgbClr val="000000"/>
-                </a:solidFill>
-                <a:latin typeface="Open Sans Light"/>
-              </a:rPr>
-              <a:t>special need</a:t>
-            </a:r>
-          </a:p>
-        </p:txBody>
-      </p:sp>
-      <p:pic>
-        <p:nvPicPr>
-          <p:cNvPr name="Picture 6" id="6"/>
-          <p:cNvPicPr>
-            <a:picLocks noChangeAspect="true"/>
-          </p:cNvPicPr>
-          <p:nvPr/>
-        </p:nvPicPr>
-        <p:blipFill>
-          <a:blip r:embed="rId3"/>
-          <a:srcRect l="0" t="0" r="0" b="0"/>
-          <a:stretch>
-            <a:fillRect/>
-          </a:stretch>
-        </p:blipFill>
-        <p:spPr>
-          <a:xfrm flipH="false" flipV="false" rot="0">
-            <a:off x="4790247" y="3223787"/>
-            <a:ext cx="2194528" cy="1101254"/>
-          </a:xfrm>
-          <a:prstGeom prst="rect">
-            <a:avLst/>
-          </a:prstGeom>
-        </p:spPr>
-      </p:pic>
-      <p:grpSp>
-        <p:nvGrpSpPr>
-          <p:cNvPr name="Group 7" id="7"/>
-          <p:cNvGrpSpPr/>
-          <p:nvPr/>
-        </p:nvGrpSpPr>
-        <p:grpSpPr>
-          <a:xfrm rot="-1600188">
-            <a:off x="-3883836" y="4392662"/>
-            <a:ext cx="11235829" cy="9731277"/>
-            <a:chOff x="0" y="0"/>
-            <a:chExt cx="6202680" cy="5372100"/>
-          </a:xfrm>
-        </p:grpSpPr>
-        <p:sp>
-          <p:nvSpPr>
-            <p:cNvPr name="Freeform 8" id="8"/>
-            <p:cNvSpPr/>
-            <p:nvPr/>
-          </p:nvSpPr>
-          <p:spPr>
-            <a:xfrm>
-              <a:off x="0" y="0"/>
-              <a:ext cx="6202680" cy="5372100"/>
-            </a:xfrm>
-            <a:custGeom>
-              <a:avLst/>
-              <a:gdLst/>
-              <a:ahLst/>
-              <a:cxnLst/>
-              <a:rect r="r" b="b" t="t" l="l"/>
-              <a:pathLst>
-                <a:path h="5372100" w="6202680">
-                  <a:moveTo>
-                    <a:pt x="4652010" y="0"/>
-                  </a:moveTo>
-                  <a:lnTo>
-                    <a:pt x="1550670" y="0"/>
-                  </a:lnTo>
-                  <a:lnTo>
-                    <a:pt x="0" y="2686050"/>
-                  </a:lnTo>
-                  <a:lnTo>
-                    <a:pt x="1550670" y="5372100"/>
-                  </a:lnTo>
-                  <a:lnTo>
-                    <a:pt x="4652010" y="5372100"/>
-                  </a:lnTo>
-                  <a:lnTo>
-                    <a:pt x="6202680" y="2686050"/>
-                  </a:lnTo>
-                  <a:lnTo>
-                    <a:pt x="4652010" y="0"/>
-                  </a:lnTo>
-                  <a:close/>
-                </a:path>
-              </a:pathLst>
-            </a:custGeom>
-            <a:solidFill>
-              <a:srgbClr val="F9DD0B"/>
-            </a:solidFill>
-          </p:spPr>
-        </p:sp>
-      </p:grpSp>
-      <p:grpSp>
-        <p:nvGrpSpPr>
-          <p:cNvPr name="Group 9" id="9"/>
-          <p:cNvGrpSpPr/>
-          <p:nvPr/>
-        </p:nvGrpSpPr>
-        <p:grpSpPr>
-          <a:xfrm rot="0">
-            <a:off x="-6445582" y="-5124540"/>
-            <a:ext cx="11235829" cy="9731277"/>
-            <a:chOff x="0" y="0"/>
-            <a:chExt cx="6202680" cy="5372100"/>
-          </a:xfrm>
-        </p:grpSpPr>
-        <p:sp>
-          <p:nvSpPr>
-            <p:cNvPr name="Freeform 10" id="10"/>
-            <p:cNvSpPr/>
-            <p:nvPr/>
-          </p:nvSpPr>
-          <p:spPr>
-            <a:xfrm>
-              <a:off x="0" y="0"/>
-              <a:ext cx="6202680" cy="5372100"/>
-            </a:xfrm>
-            <a:custGeom>
-              <a:avLst/>
-              <a:gdLst/>
-              <a:ahLst/>
-              <a:cxnLst/>
-              <a:rect r="r" b="b" t="t" l="l"/>
-              <a:pathLst>
-                <a:path h="5372100" w="6202680">
-                  <a:moveTo>
-                    <a:pt x="4652010" y="0"/>
-                  </a:moveTo>
-                  <a:lnTo>
-                    <a:pt x="1550670" y="0"/>
-                  </a:lnTo>
-                  <a:lnTo>
-                    <a:pt x="0" y="2686050"/>
-                  </a:lnTo>
-                  <a:lnTo>
-                    <a:pt x="1550670" y="5372100"/>
-                  </a:lnTo>
-                  <a:lnTo>
-                    <a:pt x="4652010" y="5372100"/>
-                  </a:lnTo>
-                  <a:lnTo>
-                    <a:pt x="6202680" y="2686050"/>
-                  </a:lnTo>
-                  <a:lnTo>
-                    <a:pt x="4652010" y="0"/>
-                  </a:lnTo>
-                  <a:close/>
-                </a:path>
-              </a:pathLst>
-            </a:custGeom>
-            <a:solidFill>
-              <a:srgbClr val="F9DD0B"/>
-            </a:solidFill>
-          </p:spPr>
-        </p:sp>
-      </p:grpSp>
-      <p:pic>
-        <p:nvPicPr>
-          <p:cNvPr name="Picture 11" id="11"/>
-          <p:cNvPicPr>
-            <a:picLocks noChangeAspect="true"/>
-          </p:cNvPicPr>
-          <p:nvPr/>
-        </p:nvPicPr>
-        <p:blipFill>
-          <a:blip r:embed="rId4"/>
-          <a:srcRect l="0" t="0" r="0" b="0"/>
-          <a:stretch>
-            <a:fillRect/>
-          </a:stretch>
-        </p:blipFill>
-        <p:spPr>
-          <a:xfrm flipH="false" flipV="false" rot="0">
-            <a:off x="235355" y="414841"/>
-            <a:ext cx="2098548" cy="4114800"/>
-          </a:xfrm>
-          <a:prstGeom prst="rect">
-            <a:avLst/>
-          </a:prstGeom>
-        </p:spPr>
-      </p:pic>
-      <p:pic>
-        <p:nvPicPr>
-          <p:cNvPr name="Picture 12" id="12"/>
-          <p:cNvPicPr>
-            <a:picLocks noChangeAspect="true"/>
-          </p:cNvPicPr>
-          <p:nvPr/>
-        </p:nvPicPr>
-        <p:blipFill>
-          <a:blip r:embed="rId2"/>
-          <a:srcRect l="0" t="0" r="0" b="0"/>
-          <a:stretch>
-            <a:fillRect/>
-          </a:stretch>
-        </p:blipFill>
-        <p:spPr>
-          <a:xfrm flipH="false" flipV="false" rot="0">
-            <a:off x="6218509" y="4606737"/>
-            <a:ext cx="1860607" cy="933686"/>
-          </a:xfrm>
-          <a:prstGeom prst="rect">
-            <a:avLst/>
-          </a:prstGeom>
-        </p:spPr>
-      </p:pic>
-      <p:sp>
-        <p:nvSpPr>
-          <p:cNvPr name="TextBox 13" id="13"/>
-          <p:cNvSpPr txBox="true"/>
-          <p:nvPr/>
-        </p:nvSpPr>
-        <p:spPr>
-          <a:xfrm rot="0">
-            <a:off x="6218509" y="4789995"/>
-            <a:ext cx="1860607" cy="519450"/>
-          </a:xfrm>
-          <a:prstGeom prst="rect">
-            <a:avLst/>
-          </a:prstGeom>
-        </p:spPr>
-        <p:txBody>
-          <a:bodyPr anchor="t" rtlCol="false" tIns="0" lIns="0" bIns="0" rIns="0">
-            <a:spAutoFit/>
-          </a:bodyPr>
-          <a:lstStyle/>
-          <a:p>
-            <a:pPr algn="ctr">
-              <a:lnSpc>
-                <a:spcPts val="4283"/>
-              </a:lnSpc>
-            </a:pPr>
-            <a:r>
-              <a:rPr lang="en-US" sz="3059">
-                <a:solidFill>
-                  <a:srgbClr val="FFFFFF"/>
-                </a:solidFill>
-                <a:latin typeface="Open Sans Light"/>
-              </a:rPr>
-              <a:t>grade</a:t>
-            </a:r>
-          </a:p>
-        </p:txBody>
-      </p:sp>
-      <p:pic>
-        <p:nvPicPr>
-          <p:cNvPr name="Picture 14" id="14"/>
-          <p:cNvPicPr>
-            <a:picLocks noChangeAspect="true"/>
-          </p:cNvPicPr>
-          <p:nvPr/>
-        </p:nvPicPr>
-        <p:blipFill>
-          <a:blip r:embed="rId5"/>
-          <a:srcRect l="0" t="0" r="0" b="0"/>
-          <a:stretch>
-            <a:fillRect/>
-          </a:stretch>
-        </p:blipFill>
-        <p:spPr>
-          <a:xfrm flipH="false" flipV="false" rot="-3292045">
-            <a:off x="7890111" y="3441845"/>
-            <a:ext cx="4760987" cy="5189087"/>
-          </a:xfrm>
-          <a:prstGeom prst="rect">
-            <a:avLst/>
-          </a:prstGeom>
-        </p:spPr>
-      </p:pic>
-      <p:pic>
-        <p:nvPicPr>
-          <p:cNvPr name="Picture 15" id="15"/>
-          <p:cNvPicPr>
-            <a:picLocks noChangeAspect="true"/>
-          </p:cNvPicPr>
-          <p:nvPr/>
-        </p:nvPicPr>
-        <p:blipFill>
-          <a:blip r:embed="rId3"/>
-          <a:srcRect l="0" t="0" r="0" b="0"/>
-          <a:stretch>
-            <a:fillRect/>
-          </a:stretch>
-        </p:blipFill>
-        <p:spPr>
-          <a:xfrm flipH="false" flipV="false" rot="0">
-            <a:off x="8203069" y="4733309"/>
-            <a:ext cx="2222274" cy="1115178"/>
-          </a:xfrm>
-          <a:prstGeom prst="rect">
-            <a:avLst/>
-          </a:prstGeom>
-        </p:spPr>
-      </p:pic>
-      <p:pic>
-        <p:nvPicPr>
-          <p:cNvPr name="Picture 16" id="16"/>
-          <p:cNvPicPr>
-            <a:picLocks noChangeAspect="true"/>
-          </p:cNvPicPr>
-          <p:nvPr/>
-        </p:nvPicPr>
-        <p:blipFill>
-          <a:blip r:embed="rId6"/>
-          <a:srcRect l="0" t="0" r="0" b="0"/>
-          <a:stretch>
-            <a:fillRect/>
-          </a:stretch>
-        </p:blipFill>
-        <p:spPr>
-          <a:xfrm flipH="false" flipV="false" rot="0">
-            <a:off x="14457747" y="6036388"/>
-            <a:ext cx="3029989" cy="4114800"/>
-          </a:xfrm>
-          <a:prstGeom prst="rect">
-            <a:avLst/>
-          </a:prstGeom>
-        </p:spPr>
-      </p:pic>
-      <p:pic>
-        <p:nvPicPr>
-          <p:cNvPr name="Picture 17" id="17"/>
-          <p:cNvPicPr>
-            <a:picLocks noChangeAspect="true"/>
-          </p:cNvPicPr>
-          <p:nvPr/>
-        </p:nvPicPr>
-        <p:blipFill>
-          <a:blip r:embed="rId7"/>
-          <a:srcRect l="0" t="0" r="0" b="0"/>
-          <a:stretch>
-            <a:fillRect/>
-          </a:stretch>
-        </p:blipFill>
-        <p:spPr>
-          <a:xfrm flipH="false" flipV="false" rot="0">
-            <a:off x="16298365" y="4991605"/>
-            <a:ext cx="960935" cy="779231"/>
-          </a:xfrm>
-          <a:prstGeom prst="rect">
-            <a:avLst/>
-          </a:prstGeom>
-        </p:spPr>
-      </p:pic>
-      <p:pic>
-        <p:nvPicPr>
-          <p:cNvPr name="Picture 18" id="18"/>
-          <p:cNvPicPr>
-            <a:picLocks noChangeAspect="true"/>
-          </p:cNvPicPr>
-          <p:nvPr/>
-        </p:nvPicPr>
-        <p:blipFill>
-          <a:blip r:embed="rId8"/>
-          <a:srcRect l="0" t="0" r="0" b="0"/>
-          <a:stretch>
-            <a:fillRect/>
-          </a:stretch>
-        </p:blipFill>
-        <p:spPr>
-          <a:xfrm flipH="false" flipV="false" rot="0">
-            <a:off x="5140747" y="2715980"/>
-            <a:ext cx="626219" cy="507806"/>
-          </a:xfrm>
-          <a:prstGeom prst="rect">
-            <a:avLst/>
-          </a:prstGeom>
-        </p:spPr>
-      </p:pic>
-      <p:pic>
-        <p:nvPicPr>
-          <p:cNvPr name="Picture 19" id="19"/>
-          <p:cNvPicPr>
-            <a:picLocks noChangeAspect="true"/>
-          </p:cNvPicPr>
-          <p:nvPr/>
-        </p:nvPicPr>
-        <p:blipFill>
-          <a:blip r:embed="rId9"/>
-          <a:srcRect l="0" t="0" r="0" b="0"/>
-          <a:stretch>
-            <a:fillRect/>
-          </a:stretch>
-        </p:blipFill>
-        <p:spPr>
-          <a:xfrm flipH="false" flipV="false" rot="0">
-            <a:off x="7148813" y="3323643"/>
-            <a:ext cx="626219" cy="507806"/>
-          </a:xfrm>
-          <a:prstGeom prst="rect">
-            <a:avLst/>
-          </a:prstGeom>
-        </p:spPr>
-      </p:pic>
-      <p:pic>
-        <p:nvPicPr>
-          <p:cNvPr name="Picture 20" id="20"/>
-          <p:cNvPicPr>
-            <a:picLocks noChangeAspect="true"/>
-          </p:cNvPicPr>
-          <p:nvPr/>
-        </p:nvPicPr>
-        <p:blipFill>
-          <a:blip r:embed="rId10"/>
-          <a:srcRect l="0" t="0" r="0" b="0"/>
-          <a:stretch>
-            <a:fillRect/>
-          </a:stretch>
-        </p:blipFill>
-        <p:spPr>
-          <a:xfrm flipH="false" flipV="false" rot="0">
-            <a:off x="17327065" y="6246144"/>
-            <a:ext cx="960935" cy="779231"/>
-          </a:xfrm>
-          <a:prstGeom prst="rect">
-            <a:avLst/>
-          </a:prstGeom>
-        </p:spPr>
-      </p:pic>
-      <p:pic>
-        <p:nvPicPr>
-          <p:cNvPr name="Picture 21" id="21"/>
-          <p:cNvPicPr>
-            <a:picLocks noChangeAspect="true"/>
-          </p:cNvPicPr>
-          <p:nvPr/>
-        </p:nvPicPr>
-        <p:blipFill>
-          <a:blip r:embed="rId11"/>
-          <a:srcRect l="0" t="0" r="0" b="0"/>
-          <a:stretch>
-            <a:fillRect/>
-          </a:stretch>
-        </p:blipFill>
-        <p:spPr>
-          <a:xfrm flipH="false" flipV="false" rot="0">
-            <a:off x="9314207" y="5309445"/>
-            <a:ext cx="486510" cy="486510"/>
-          </a:xfrm>
-          <a:prstGeom prst="rect">
-            <a:avLst/>
-          </a:prstGeom>
-        </p:spPr>
-      </p:pic>
-      <p:sp>
-        <p:nvSpPr>
-          <p:cNvPr name="TextBox 22" id="22"/>
-          <p:cNvSpPr txBox="true"/>
-          <p:nvPr/>
-        </p:nvSpPr>
-        <p:spPr>
-          <a:xfrm rot="0">
-            <a:off x="7311447" y="-200025"/>
-            <a:ext cx="3958666" cy="1707652"/>
-          </a:xfrm>
-          <a:prstGeom prst="rect">
-            <a:avLst/>
-          </a:prstGeom>
-        </p:spPr>
-        <p:txBody>
-          <a:bodyPr anchor="t" rtlCol="false" tIns="0" lIns="0" bIns="0" rIns="0">
-            <a:spAutoFit/>
-          </a:bodyPr>
-          <a:lstStyle/>
-          <a:p>
-            <a:pPr algn="ctr">
-              <a:lnSpc>
-                <a:spcPts val="13849"/>
-              </a:lnSpc>
-            </a:pPr>
-            <a:r>
-              <a:rPr lang="en-US" sz="9892">
-                <a:solidFill>
-                  <a:srgbClr val="000000"/>
-                </a:solidFill>
-                <a:latin typeface="Open Sans Extra Bold"/>
-              </a:rPr>
-              <a:t>HOW: </a:t>
-            </a:r>
-          </a:p>
-        </p:txBody>
-      </p:sp>
-      <p:sp>
-        <p:nvSpPr>
-          <p:cNvPr name="TextBox 23" id="23"/>
-          <p:cNvSpPr txBox="true"/>
-          <p:nvPr/>
-        </p:nvSpPr>
-        <p:spPr>
-          <a:xfrm rot="0">
-            <a:off x="8110232" y="4856880"/>
-            <a:ext cx="2067535" cy="580390"/>
-          </a:xfrm>
-          <a:prstGeom prst="rect">
-            <a:avLst/>
-          </a:prstGeom>
-        </p:spPr>
-        <p:txBody>
-          <a:bodyPr anchor="t" rtlCol="false" tIns="0" lIns="0" bIns="0" rIns="0">
-            <a:spAutoFit/>
-          </a:bodyPr>
-          <a:lstStyle/>
-          <a:p>
-            <a:pPr algn="ctr">
-              <a:lnSpc>
-                <a:spcPts val="4759"/>
-              </a:lnSpc>
-            </a:pPr>
-            <a:r>
-              <a:rPr lang="en-US" sz="3400">
-                <a:solidFill>
-                  <a:srgbClr val="000000"/>
-                </a:solidFill>
-                <a:latin typeface="Open Sans Light"/>
-              </a:rPr>
-              <a:t>subject</a:t>
-            </a:r>
-          </a:p>
-        </p:txBody>
-      </p:sp>
-      <p:sp>
-        <p:nvSpPr>
-          <p:cNvPr name="TextBox 24" id="24"/>
-          <p:cNvSpPr txBox="true"/>
-          <p:nvPr/>
-        </p:nvSpPr>
-        <p:spPr>
-          <a:xfrm rot="0">
-            <a:off x="4853744" y="3450881"/>
-            <a:ext cx="2067535" cy="580390"/>
-          </a:xfrm>
-          <a:prstGeom prst="rect">
-            <a:avLst/>
-          </a:prstGeom>
-        </p:spPr>
-        <p:txBody>
-          <a:bodyPr anchor="t" rtlCol="false" tIns="0" lIns="0" bIns="0" rIns="0">
-            <a:spAutoFit/>
-          </a:bodyPr>
-          <a:lstStyle/>
-          <a:p>
-            <a:pPr algn="ctr">
-              <a:lnSpc>
-                <a:spcPts val="4759"/>
-              </a:lnSpc>
-            </a:pPr>
-            <a:r>
-              <a:rPr lang="en-US" sz="3400">
-                <a:solidFill>
-                  <a:srgbClr val="000000"/>
-                </a:solidFill>
-                <a:latin typeface="Open Sans Light"/>
-              </a:rPr>
-              <a:t>location</a:t>
-            </a:r>
-          </a:p>
-        </p:txBody>
-      </p:sp>
-      <p:sp>
-        <p:nvSpPr>
-          <p:cNvPr name="TextBox 25" id="25"/>
-          <p:cNvSpPr txBox="true"/>
-          <p:nvPr/>
-        </p:nvSpPr>
-        <p:spPr>
-          <a:xfrm rot="0">
-            <a:off x="0" y="5467532"/>
-            <a:ext cx="5966489" cy="1557843"/>
-          </a:xfrm>
-          <a:prstGeom prst="rect">
-            <a:avLst/>
-          </a:prstGeom>
-        </p:spPr>
-        <p:txBody>
-          <a:bodyPr anchor="t" rtlCol="false" tIns="0" lIns="0" bIns="0" rIns="0">
-            <a:spAutoFit/>
-          </a:bodyPr>
-          <a:lstStyle/>
-          <a:p>
-            <a:pPr marL="646837" indent="-323418" lvl="1">
-              <a:lnSpc>
-                <a:spcPts val="4194"/>
-              </a:lnSpc>
-              <a:buFont typeface="Arial"/>
-              <a:buChar char="•"/>
-            </a:pPr>
-            <a:r>
-              <a:rPr lang="en-US" sz="2996">
-                <a:solidFill>
-                  <a:srgbClr val="000000"/>
-                </a:solidFill>
-                <a:latin typeface="Open Sans Light Bold"/>
-              </a:rPr>
-              <a:t>Parents sign up to get educational services for their child/children</a:t>
-            </a:r>
-          </a:p>
-        </p:txBody>
-      </p:sp>
-      <p:sp>
-        <p:nvSpPr>
-          <p:cNvPr name="TextBox 26" id="26"/>
-          <p:cNvSpPr txBox="true"/>
-          <p:nvPr/>
-        </p:nvSpPr>
-        <p:spPr>
-          <a:xfrm rot="0">
-            <a:off x="0" y="7248037"/>
-            <a:ext cx="5611458" cy="998241"/>
-          </a:xfrm>
-          <a:prstGeom prst="rect">
-            <a:avLst/>
-          </a:prstGeom>
-        </p:spPr>
-        <p:txBody>
-          <a:bodyPr anchor="t" rtlCol="false" tIns="0" lIns="0" bIns="0" rIns="0">
-            <a:spAutoFit/>
-          </a:bodyPr>
-          <a:lstStyle/>
-          <a:p>
-            <a:pPr marL="626518" indent="-313259" lvl="1">
-              <a:lnSpc>
-                <a:spcPts val="4062"/>
-              </a:lnSpc>
-              <a:buFont typeface="Arial"/>
-              <a:buChar char="•"/>
-            </a:pPr>
-            <a:r>
-              <a:rPr lang="en-US" sz="2901">
-                <a:solidFill>
-                  <a:srgbClr val="000000"/>
-                </a:solidFill>
-                <a:latin typeface="Open Sans Light Bold"/>
-              </a:rPr>
-              <a:t>Specifying their preferences</a:t>
-            </a:r>
-          </a:p>
-        </p:txBody>
-      </p:sp>
-      <p:sp>
-        <p:nvSpPr>
-          <p:cNvPr name="TextBox 27" id="27"/>
-          <p:cNvSpPr txBox="true"/>
-          <p:nvPr/>
-        </p:nvSpPr>
-        <p:spPr>
-          <a:xfrm rot="0">
-            <a:off x="-87556" y="8377419"/>
-            <a:ext cx="4826290" cy="486079"/>
-          </a:xfrm>
-          <a:prstGeom prst="rect">
-            <a:avLst/>
-          </a:prstGeom>
-        </p:spPr>
-        <p:txBody>
-          <a:bodyPr anchor="t" rtlCol="false" tIns="0" lIns="0" bIns="0" rIns="0">
-            <a:spAutoFit/>
-          </a:bodyPr>
-          <a:lstStyle/>
-          <a:p>
-            <a:pPr marL="626518" indent="-313259" lvl="1">
-              <a:lnSpc>
-                <a:spcPts val="4062"/>
-              </a:lnSpc>
-              <a:buFont typeface="Arial"/>
-              <a:buChar char="•"/>
-            </a:pPr>
-            <a:r>
-              <a:rPr lang="en-US" sz="2901">
-                <a:solidFill>
-                  <a:srgbClr val="000000"/>
-                </a:solidFill>
-                <a:latin typeface="Open Sans Light Bold"/>
-              </a:rPr>
-              <a:t>Select a Tutor's service</a:t>
-            </a:r>
-          </a:p>
-        </p:txBody>
-      </p:sp>
-      <p:sp>
-        <p:nvSpPr>
-          <p:cNvPr name="TextBox 28" id="28"/>
-          <p:cNvSpPr txBox="true"/>
-          <p:nvPr/>
-        </p:nvSpPr>
-        <p:spPr>
-          <a:xfrm rot="0">
-            <a:off x="-87556" y="9210675"/>
-            <a:ext cx="4270178" cy="486079"/>
-          </a:xfrm>
-          <a:prstGeom prst="rect">
-            <a:avLst/>
-          </a:prstGeom>
-        </p:spPr>
-        <p:txBody>
-          <a:bodyPr anchor="t" rtlCol="false" tIns="0" lIns="0" bIns="0" rIns="0">
-            <a:spAutoFit/>
-          </a:bodyPr>
-          <a:lstStyle/>
-          <a:p>
-            <a:pPr marL="626518" indent="-313259" lvl="1">
-              <a:lnSpc>
-                <a:spcPts val="4062"/>
-              </a:lnSpc>
-              <a:buFont typeface="Arial"/>
-              <a:buChar char="•"/>
-            </a:pPr>
-            <a:r>
-              <a:rPr lang="en-US" sz="2901">
-                <a:solidFill>
-                  <a:srgbClr val="000000"/>
-                </a:solidFill>
-                <a:latin typeface="Open Sans Light Bold"/>
-              </a:rPr>
-              <a:t>Request Enrollment</a:t>
-            </a:r>
-          </a:p>
-        </p:txBody>
-      </p:sp>
-      <p:pic>
-        <p:nvPicPr>
-          <p:cNvPr name="Picture 29" id="29"/>
-          <p:cNvPicPr>
-            <a:picLocks noChangeAspect="true"/>
-          </p:cNvPicPr>
-          <p:nvPr/>
-        </p:nvPicPr>
-        <p:blipFill>
-          <a:blip r:embed="rId11"/>
-          <a:srcRect l="0" t="0" r="0" b="0"/>
-          <a:stretch>
-            <a:fillRect/>
-          </a:stretch>
-        </p:blipFill>
-        <p:spPr>
-          <a:xfrm flipH="false" flipV="false" rot="0">
-            <a:off x="5611458" y="3970010"/>
-            <a:ext cx="355031" cy="355031"/>
-          </a:xfrm>
-          <a:prstGeom prst="rect">
-            <a:avLst/>
-          </a:prstGeom>
-        </p:spPr>
-      </p:pic>
-      <p:pic>
-        <p:nvPicPr>
-          <p:cNvPr name="Picture 30" id="30"/>
-          <p:cNvPicPr>
-            <a:picLocks noChangeAspect="true"/>
-          </p:cNvPicPr>
-          <p:nvPr/>
-        </p:nvPicPr>
-        <p:blipFill>
-          <a:blip r:embed="rId11"/>
-          <a:srcRect l="0" t="0" r="0" b="0"/>
-          <a:stretch>
-            <a:fillRect/>
-          </a:stretch>
-        </p:blipFill>
-        <p:spPr>
-          <a:xfrm flipH="false" flipV="false" rot="0">
-            <a:off x="15373623" y="5009886"/>
-            <a:ext cx="599119" cy="599119"/>
-          </a:xfrm>
-          <a:prstGeom prst="rect">
-            <a:avLst/>
-          </a:prstGeom>
-        </p:spPr>
-      </p:pic>
-      <p:pic>
-        <p:nvPicPr>
-          <p:cNvPr name="Picture 31" id="31"/>
-          <p:cNvPicPr>
-            <a:picLocks noChangeAspect="true"/>
-          </p:cNvPicPr>
-          <p:nvPr/>
-        </p:nvPicPr>
-        <p:blipFill>
-          <a:blip r:embed="rId11"/>
-          <a:srcRect l="0" t="0" r="0" b="0"/>
-          <a:stretch>
-            <a:fillRect/>
-          </a:stretch>
-        </p:blipFill>
-        <p:spPr>
-          <a:xfrm flipH="false" flipV="false" rot="0">
-            <a:off x="17327065" y="5343847"/>
-            <a:ext cx="692541" cy="692541"/>
-          </a:xfrm>
-          <a:prstGeom prst="rect">
-            <a:avLst/>
-          </a:prstGeom>
-        </p:spPr>
-      </p:pic>
-      <p:pic>
-        <p:nvPicPr>
-          <p:cNvPr name="Picture 32" id="32"/>
-          <p:cNvPicPr>
-            <a:picLocks noChangeAspect="true"/>
-          </p:cNvPicPr>
-          <p:nvPr/>
-        </p:nvPicPr>
-        <p:blipFill>
-          <a:blip r:embed="rId11"/>
-          <a:srcRect l="0" t="0" r="0" b="0"/>
-          <a:stretch>
-            <a:fillRect/>
-          </a:stretch>
-        </p:blipFill>
-        <p:spPr>
-          <a:xfrm flipH="false" flipV="false" rot="0">
-            <a:off x="15373623" y="5848487"/>
-            <a:ext cx="486510" cy="486510"/>
-          </a:xfrm>
-          <a:prstGeom prst="rect">
-            <a:avLst/>
-          </a:prstGeom>
-        </p:spPr>
-      </p:pic>
-      <p:pic>
-        <p:nvPicPr>
-          <p:cNvPr name="Picture 33" id="33"/>
-          <p:cNvPicPr>
-            <a:picLocks noChangeAspect="true"/>
-          </p:cNvPicPr>
-          <p:nvPr/>
-        </p:nvPicPr>
-        <p:blipFill>
-          <a:blip r:embed="rId12"/>
-          <a:srcRect l="0" t="0" r="0" b="0"/>
-          <a:stretch>
-            <a:fillRect/>
-          </a:stretch>
-        </p:blipFill>
-        <p:spPr>
-          <a:xfrm flipH="false" flipV="false" rot="0">
-            <a:off x="6984776" y="4606737"/>
-            <a:ext cx="355031" cy="355031"/>
+          <a:xfrm>
+            <a:off x="1143" y="643"/>
+            <a:ext cx="18285714" cy="10285714"/>
           </a:xfrm>
           <a:prstGeom prst="rect">
             <a:avLst/>
@@ -9731,13 +8347,14 @@
 </file>
 
 <file path=ppt/slides/slide7.xml><?xml version="1.0" encoding="utf-8"?>
-<p:sld xmlns:p="http://schemas.openxmlformats.org/presentationml/2006/main" xmlns:a="http://schemas.openxmlformats.org/drawingml/2006/main" xmlns:r="http://schemas.openxmlformats.org/officeDocument/2006/relationships">
+<p:sld xmlns:a="http://schemas.openxmlformats.org/drawingml/2006/main" xmlns:r="http://schemas.openxmlformats.org/officeDocument/2006/relationships" xmlns:p="http://schemas.openxmlformats.org/presentationml/2006/main">
   <p:cSld>
     <p:bg>
       <p:bgPr>
         <a:solidFill>
           <a:srgbClr val="000000"/>
         </a:solidFill>
+        <a:effectLst/>
       </p:bgPr>
     </p:bg>
     <p:spTree>
@@ -9756,9 +8373,9 @@
       </p:grpSpPr>
       <p:pic>
         <p:nvPicPr>
-          <p:cNvPr name="Picture 2" id="2"/>
+          <p:cNvPr id="2" name="Picture 2"/>
           <p:cNvPicPr>
-            <a:picLocks noChangeAspect="true"/>
+            <a:picLocks noChangeAspect="1"/>
           </p:cNvPicPr>
           <p:nvPr/>
         </p:nvPicPr>
@@ -9766,13 +8383,13 @@
           <a:blip r:embed="rId2">
             <a:alphaModFix amt="14000"/>
           </a:blip>
-          <a:srcRect l="0" t="0" r="0" b="0"/>
+          <a:srcRect/>
           <a:stretch>
             <a:fillRect/>
           </a:stretch>
         </p:blipFill>
         <p:spPr>
-          <a:xfrm flipH="false" flipV="false" rot="0">
+          <a:xfrm>
             <a:off x="10872466" y="-186839"/>
             <a:ext cx="10872466" cy="10872466"/>
           </a:xfrm>
@@ -9783,9 +8400,9 @@
       </p:pic>
       <p:pic>
         <p:nvPicPr>
-          <p:cNvPr name="Picture 3" id="3"/>
+          <p:cNvPr id="3" name="Picture 3"/>
           <p:cNvPicPr>
-            <a:picLocks noChangeAspect="true"/>
+            <a:picLocks noChangeAspect="1"/>
           </p:cNvPicPr>
           <p:nvPr/>
         </p:nvPicPr>
@@ -9793,13 +8410,13 @@
           <a:blip r:embed="rId3">
             <a:alphaModFix amt="56000"/>
           </a:blip>
-          <a:srcRect l="0" t="0" r="0" b="0"/>
+          <a:srcRect/>
           <a:stretch>
             <a:fillRect/>
           </a:stretch>
         </p:blipFill>
         <p:spPr>
-          <a:xfrm flipH="false" flipV="false" rot="8967519">
+          <a:xfrm rot="8967519">
             <a:off x="4339778" y="6192926"/>
             <a:ext cx="1620593" cy="867017"/>
           </a:xfrm>
@@ -9810,9 +8427,9 @@
       </p:pic>
       <p:pic>
         <p:nvPicPr>
-          <p:cNvPr name="Picture 4" id="4"/>
+          <p:cNvPr id="4" name="Picture 4"/>
           <p:cNvPicPr>
-            <a:picLocks noChangeAspect="true"/>
+            <a:picLocks noChangeAspect="1"/>
           </p:cNvPicPr>
           <p:nvPr/>
         </p:nvPicPr>
@@ -9820,13 +8437,13 @@
           <a:blip r:embed="rId2">
             <a:alphaModFix amt="14000"/>
           </a:blip>
-          <a:srcRect l="0" t="0" r="0" b="0"/>
+          <a:srcRect/>
           <a:stretch>
             <a:fillRect/>
           </a:stretch>
         </p:blipFill>
         <p:spPr>
-          <a:xfrm flipH="false" flipV="false" rot="0">
+          <a:xfrm>
             <a:off x="0" y="-585466"/>
             <a:ext cx="10872466" cy="10872466"/>
           </a:xfrm>
@@ -9837,12 +8454,12 @@
       </p:pic>
       <p:sp>
         <p:nvSpPr>
-          <p:cNvPr name="TextBox 5" id="5"/>
-          <p:cNvSpPr txBox="true"/>
-          <p:nvPr/>
-        </p:nvSpPr>
-        <p:spPr>
-          <a:xfrm rot="0">
+          <p:cNvPr id="5" name="TextBox 5"/>
+          <p:cNvSpPr txBox="1"/>
+          <p:nvPr/>
+        </p:nvSpPr>
+        <p:spPr>
+          <a:xfrm>
             <a:off x="150236" y="2056097"/>
             <a:ext cx="11114029" cy="4184325"/>
           </a:xfrm>
@@ -9851,7 +8468,7 @@
           </a:prstGeom>
         </p:spPr>
         <p:txBody>
-          <a:bodyPr anchor="t" rtlCol="false" tIns="0" lIns="0" bIns="0" rIns="0">
+          <a:bodyPr lIns="0" tIns="0" rIns="0" bIns="0" rtlCol="0" anchor="t">
             <a:spAutoFit/>
           </a:bodyPr>
           <a:lstStyle/>
@@ -9875,9 +8492,9 @@
       </p:sp>
       <p:pic>
         <p:nvPicPr>
-          <p:cNvPr name="Picture 6" id="6"/>
+          <p:cNvPr id="6" name="Picture 6"/>
           <p:cNvPicPr>
-            <a:picLocks noChangeAspect="true"/>
+            <a:picLocks noChangeAspect="1"/>
           </p:cNvPicPr>
           <p:nvPr/>
         </p:nvPicPr>
@@ -9885,13 +8502,13 @@
           <a:blip r:embed="rId4">
             <a:alphaModFix amt="77000"/>
           </a:blip>
-          <a:srcRect l="0" t="0" r="0" b="0"/>
+          <a:srcRect/>
           <a:stretch>
             <a:fillRect/>
           </a:stretch>
         </p:blipFill>
         <p:spPr>
-          <a:xfrm flipH="false" flipV="false" rot="0">
+          <a:xfrm>
             <a:off x="17259300" y="519064"/>
             <a:ext cx="689399" cy="1019272"/>
           </a:xfrm>
@@ -9902,21 +8519,21 @@
       </p:pic>
       <p:pic>
         <p:nvPicPr>
-          <p:cNvPr name="Picture 7" id="7"/>
+          <p:cNvPr id="7" name="Picture 7"/>
           <p:cNvPicPr>
-            <a:picLocks noChangeAspect="true"/>
+            <a:picLocks noChangeAspect="1"/>
           </p:cNvPicPr>
           <p:nvPr/>
         </p:nvPicPr>
         <p:blipFill>
           <a:blip r:embed="rId5"/>
-          <a:srcRect l="0" t="0" r="0" b="0"/>
+          <a:srcRect/>
           <a:stretch>
             <a:fillRect/>
           </a:stretch>
         </p:blipFill>
         <p:spPr>
-          <a:xfrm flipH="false" flipV="false" rot="-10800000">
+          <a:xfrm rot="-10800000">
             <a:off x="15235042" y="422667"/>
             <a:ext cx="10152328" cy="9441665"/>
           </a:xfrm>
@@ -9927,21 +8544,21 @@
       </p:pic>
       <p:pic>
         <p:nvPicPr>
-          <p:cNvPr name="Picture 8" id="8"/>
+          <p:cNvPr id="8" name="Picture 8"/>
           <p:cNvPicPr>
-            <a:picLocks noChangeAspect="true"/>
+            <a:picLocks noChangeAspect="1"/>
           </p:cNvPicPr>
           <p:nvPr/>
         </p:nvPicPr>
         <p:blipFill>
           <a:blip r:embed="rId3"/>
-          <a:srcRect l="0" t="0" r="0" b="0"/>
+          <a:srcRect/>
           <a:stretch>
             <a:fillRect/>
           </a:stretch>
         </p:blipFill>
         <p:spPr>
-          <a:xfrm flipH="false" flipV="false" rot="-10800000">
+          <a:xfrm rot="-10800000">
             <a:off x="705882" y="8391283"/>
             <a:ext cx="1620593" cy="867017"/>
           </a:xfrm>
@@ -9952,9 +8569,9 @@
       </p:pic>
       <p:pic>
         <p:nvPicPr>
-          <p:cNvPr name="Picture 9" id="9"/>
+          <p:cNvPr id="9" name="Picture 9"/>
           <p:cNvPicPr>
-            <a:picLocks noChangeAspect="true"/>
+            <a:picLocks noChangeAspect="1"/>
           </p:cNvPicPr>
           <p:nvPr/>
         </p:nvPicPr>
@@ -9962,13 +8579,13 @@
           <a:blip r:embed="rId3">
             <a:alphaModFix amt="65999"/>
           </a:blip>
-          <a:srcRect l="0" t="0" r="0" b="0"/>
+          <a:srcRect/>
           <a:stretch>
             <a:fillRect/>
           </a:stretch>
         </p:blipFill>
         <p:spPr>
-          <a:xfrm flipH="false" flipV="false" rot="7812612">
+          <a:xfrm rot="7812612">
             <a:off x="8148660" y="6948559"/>
             <a:ext cx="1216262" cy="650700"/>
           </a:xfrm>
@@ -9979,9 +8596,9 @@
       </p:pic>
       <p:pic>
         <p:nvPicPr>
-          <p:cNvPr name="Picture 10" id="10"/>
+          <p:cNvPr id="10" name="Picture 10"/>
           <p:cNvPicPr>
-            <a:picLocks noChangeAspect="true"/>
+            <a:picLocks noChangeAspect="1"/>
           </p:cNvPicPr>
           <p:nvPr/>
         </p:nvPicPr>
@@ -9989,13 +8606,13 @@
           <a:blip r:embed="rId3">
             <a:alphaModFix amt="52000"/>
           </a:blip>
-          <a:srcRect l="0" t="0" r="0" b="0"/>
+          <a:srcRect/>
           <a:stretch>
             <a:fillRect/>
           </a:stretch>
         </p:blipFill>
         <p:spPr>
-          <a:xfrm flipH="false" flipV="false" rot="3168385">
+          <a:xfrm rot="3168385">
             <a:off x="8587564" y="3029306"/>
             <a:ext cx="1620593" cy="867017"/>
           </a:xfrm>
@@ -10006,21 +8623,21 @@
       </p:pic>
       <p:pic>
         <p:nvPicPr>
-          <p:cNvPr name="Picture 11" id="11"/>
+          <p:cNvPr id="11" name="Picture 11"/>
           <p:cNvPicPr>
-            <a:picLocks noChangeAspect="true"/>
+            <a:picLocks noChangeAspect="1"/>
           </p:cNvPicPr>
           <p:nvPr/>
         </p:nvPicPr>
         <p:blipFill>
           <a:blip r:embed="rId3"/>
-          <a:srcRect l="0" t="0" r="0" b="0"/>
+          <a:srcRect/>
           <a:stretch>
             <a:fillRect/>
           </a:stretch>
         </p:blipFill>
         <p:spPr>
-          <a:xfrm flipH="false" flipV="false" rot="2846983">
+          <a:xfrm rot="2846983">
             <a:off x="6308603" y="425625"/>
             <a:ext cx="1027764" cy="549854"/>
           </a:xfrm>
@@ -10031,21 +8648,21 @@
       </p:pic>
       <p:pic>
         <p:nvPicPr>
-          <p:cNvPr name="Picture 12" id="12"/>
+          <p:cNvPr id="12" name="Picture 12"/>
           <p:cNvPicPr>
-            <a:picLocks noChangeAspect="true"/>
+            <a:picLocks noChangeAspect="1"/>
           </p:cNvPicPr>
           <p:nvPr/>
         </p:nvPicPr>
         <p:blipFill>
           <a:blip r:embed="rId3"/>
-          <a:srcRect l="0" t="0" r="0" b="0"/>
+          <a:srcRect/>
           <a:stretch>
             <a:fillRect/>
           </a:stretch>
         </p:blipFill>
         <p:spPr>
-          <a:xfrm flipH="false" flipV="false" rot="8717930">
+          <a:xfrm rot="8717930">
             <a:off x="11656996" y="8824791"/>
             <a:ext cx="1620593" cy="867017"/>
           </a:xfrm>
@@ -10056,21 +8673,21 @@
       </p:pic>
       <p:pic>
         <p:nvPicPr>
-          <p:cNvPr name="Picture 13" id="13"/>
+          <p:cNvPr id="13" name="Picture 13"/>
           <p:cNvPicPr>
-            <a:picLocks noChangeAspect="true"/>
+            <a:picLocks noChangeAspect="1"/>
           </p:cNvPicPr>
           <p:nvPr/>
         </p:nvPicPr>
         <p:blipFill>
           <a:blip r:embed="rId3"/>
-          <a:srcRect l="0" t="0" r="0" b="0"/>
+          <a:srcRect/>
           <a:stretch>
             <a:fillRect/>
           </a:stretch>
         </p:blipFill>
         <p:spPr>
-          <a:xfrm flipH="false" flipV="false" rot="-10213695">
+          <a:xfrm rot="-10213695">
             <a:off x="15465331" y="6650952"/>
             <a:ext cx="1234792" cy="660614"/>
           </a:xfrm>
@@ -10081,9 +8698,9 @@
       </p:pic>
       <p:pic>
         <p:nvPicPr>
-          <p:cNvPr name="Picture 14" id="14"/>
+          <p:cNvPr id="14" name="Picture 14"/>
           <p:cNvPicPr>
-            <a:picLocks noChangeAspect="true"/>
+            <a:picLocks noChangeAspect="1"/>
           </p:cNvPicPr>
           <p:nvPr/>
         </p:nvPicPr>
@@ -10091,13 +8708,13 @@
           <a:blip r:embed="rId6">
             <a:alphaModFix amt="85000"/>
           </a:blip>
-          <a:srcRect l="0" t="0" r="0" b="0"/>
+          <a:srcRect/>
           <a:stretch>
             <a:fillRect/>
           </a:stretch>
         </p:blipFill>
         <p:spPr>
-          <a:xfrm flipH="false" flipV="false" rot="0">
+          <a:xfrm>
             <a:off x="7807361" y="2432701"/>
             <a:ext cx="3456904" cy="4548557"/>
           </a:xfrm>
@@ -10115,7 +8732,7 @@
 </file>
 
 <file path=ppt/slides/slide8.xml><?xml version="1.0" encoding="utf-8"?>
-<p:sld xmlns:p="http://schemas.openxmlformats.org/presentationml/2006/main" xmlns:a="http://schemas.openxmlformats.org/drawingml/2006/main" xmlns:r="http://schemas.openxmlformats.org/officeDocument/2006/relationships">
+<p:sld xmlns:a="http://schemas.openxmlformats.org/drawingml/2006/main" xmlns:r="http://schemas.openxmlformats.org/officeDocument/2006/relationships" xmlns:p="http://schemas.openxmlformats.org/presentationml/2006/main">
   <p:cSld>
     <p:spTree>
       <p:nvGrpSpPr>
@@ -10133,21 +8750,21 @@
       </p:grpSpPr>
       <p:pic>
         <p:nvPicPr>
-          <p:cNvPr name="Picture 2" id="2"/>
+          <p:cNvPr id="2" name="Picture 2"/>
           <p:cNvPicPr>
-            <a:picLocks noChangeAspect="true"/>
+            <a:picLocks noChangeAspect="1"/>
           </p:cNvPicPr>
           <p:nvPr/>
         </p:nvPicPr>
         <p:blipFill>
           <a:blip r:embed="rId2"/>
-          <a:srcRect l="0" t="0" r="0" b="0"/>
+          <a:srcRect/>
           <a:stretch>
             <a:fillRect/>
           </a:stretch>
         </p:blipFill>
         <p:spPr>
-          <a:xfrm flipH="false" flipV="false" rot="0">
+          <a:xfrm>
             <a:off x="1200371" y="0"/>
             <a:ext cx="15887259" cy="10287000"/>
           </a:xfrm>
@@ -10165,7 +8782,7 @@
 </file>
 
 <file path=ppt/slides/slide9.xml><?xml version="1.0" encoding="utf-8"?>
-<p:sld xmlns:p="http://schemas.openxmlformats.org/presentationml/2006/main" xmlns:a="http://schemas.openxmlformats.org/drawingml/2006/main" xmlns:r="http://schemas.openxmlformats.org/officeDocument/2006/relationships">
+<p:sld xmlns:a="http://schemas.openxmlformats.org/drawingml/2006/main" xmlns:r="http://schemas.openxmlformats.org/officeDocument/2006/relationships" xmlns:p="http://schemas.openxmlformats.org/presentationml/2006/main">
   <p:cSld>
     <p:spTree>
       <p:nvGrpSpPr>
@@ -10183,21 +8800,21 @@
       </p:grpSpPr>
       <p:pic>
         <p:nvPicPr>
-          <p:cNvPr name="Picture 2" id="2"/>
+          <p:cNvPr id="2" name="Picture 2"/>
           <p:cNvPicPr>
-            <a:picLocks noChangeAspect="true"/>
+            <a:picLocks noChangeAspect="1"/>
           </p:cNvPicPr>
           <p:nvPr/>
         </p:nvPicPr>
         <p:blipFill>
           <a:blip r:embed="rId2"/>
-          <a:srcRect l="0" t="0" r="0" b="0"/>
+          <a:srcRect/>
           <a:stretch>
             <a:fillRect/>
           </a:stretch>
         </p:blipFill>
         <p:spPr>
-          <a:xfrm flipH="false" flipV="false" rot="0">
+          <a:xfrm>
             <a:off x="1157950" y="222525"/>
             <a:ext cx="16101350" cy="9841950"/>
           </a:xfrm>
@@ -10495,4 +9112,299 @@
   <a:objectDefaults/>
   <a:extraClrSchemeLst/>
 </a:theme>
+</file>
+
+<file path=ppt/theme/theme2.xml><?xml version="1.0" encoding="utf-8"?>
+<a:theme xmlns:a="http://schemas.openxmlformats.org/drawingml/2006/main" name="Office Theme">
+  <a:themeElements>
+    <a:clrScheme name="Office">
+      <a:dk1>
+        <a:sysClr val="windowText" lastClr="000000"/>
+      </a:dk1>
+      <a:lt1>
+        <a:sysClr val="window" lastClr="FFFFFF"/>
+      </a:lt1>
+      <a:dk2>
+        <a:srgbClr val="44546A"/>
+      </a:dk2>
+      <a:lt2>
+        <a:srgbClr val="E7E6E6"/>
+      </a:lt2>
+      <a:accent1>
+        <a:srgbClr val="4472C4"/>
+      </a:accent1>
+      <a:accent2>
+        <a:srgbClr val="ED7D31"/>
+      </a:accent2>
+      <a:accent3>
+        <a:srgbClr val="A5A5A5"/>
+      </a:accent3>
+      <a:accent4>
+        <a:srgbClr val="FFC000"/>
+      </a:accent4>
+      <a:accent5>
+        <a:srgbClr val="5B9BD5"/>
+      </a:accent5>
+      <a:accent6>
+        <a:srgbClr val="70AD47"/>
+      </a:accent6>
+      <a:hlink>
+        <a:srgbClr val="0563C1"/>
+      </a:hlink>
+      <a:folHlink>
+        <a:srgbClr val="954F72"/>
+      </a:folHlink>
+    </a:clrScheme>
+    <a:fontScheme name="Office">
+      <a:majorFont>
+        <a:latin typeface="Calibri Light" panose="020F0302020204030204"/>
+        <a:ea typeface=""/>
+        <a:cs typeface=""/>
+        <a:font script="Jpan" typeface="游ゴシック Light"/>
+        <a:font script="Hang" typeface="맑은 고딕"/>
+        <a:font script="Hans" typeface="等线 Light"/>
+        <a:font script="Hant" typeface="新細明體"/>
+        <a:font script="Arab" typeface="Times New Roman"/>
+        <a:font script="Hebr" typeface="Times New Roman"/>
+        <a:font script="Thai" typeface="Angsana New"/>
+        <a:font script="Ethi" typeface="Nyala"/>
+        <a:font script="Beng" typeface="Vrinda"/>
+        <a:font script="Gujr" typeface="Shruti"/>
+        <a:font script="Khmr" typeface="MoolBoran"/>
+        <a:font script="Knda" typeface="Tunga"/>
+        <a:font script="Guru" typeface="Raavi"/>
+        <a:font script="Cans" typeface="Euphemia"/>
+        <a:font script="Cher" typeface="Plantagenet Cherokee"/>
+        <a:font script="Yiii" typeface="Microsoft Yi Baiti"/>
+        <a:font script="Tibt" typeface="Microsoft Himalaya"/>
+        <a:font script="Thaa" typeface="MV Boli"/>
+        <a:font script="Deva" typeface="Mangal"/>
+        <a:font script="Telu" typeface="Gautami"/>
+        <a:font script="Taml" typeface="Latha"/>
+        <a:font script="Syrc" typeface="Estrangelo Edessa"/>
+        <a:font script="Orya" typeface="Kalinga"/>
+        <a:font script="Mlym" typeface="Kartika"/>
+        <a:font script="Laoo" typeface="DokChampa"/>
+        <a:font script="Sinh" typeface="Iskoola Pota"/>
+        <a:font script="Mong" typeface="Mongolian Baiti"/>
+        <a:font script="Viet" typeface="Times New Roman"/>
+        <a:font script="Uigh" typeface="Microsoft Uighur"/>
+        <a:font script="Geor" typeface="Sylfaen"/>
+        <a:font script="Armn" typeface="Arial"/>
+        <a:font script="Bugi" typeface="Leelawadee UI"/>
+        <a:font script="Bopo" typeface="Microsoft JhengHei"/>
+        <a:font script="Java" typeface="Javanese Text"/>
+        <a:font script="Lisu" typeface="Segoe UI"/>
+        <a:font script="Mymr" typeface="Myanmar Text"/>
+        <a:font script="Nkoo" typeface="Ebrima"/>
+        <a:font script="Olck" typeface="Nirmala UI"/>
+        <a:font script="Osma" typeface="Ebrima"/>
+        <a:font script="Phag" typeface="Phagspa"/>
+        <a:font script="Syrn" typeface="Estrangelo Edessa"/>
+        <a:font script="Syrj" typeface="Estrangelo Edessa"/>
+        <a:font script="Syre" typeface="Estrangelo Edessa"/>
+        <a:font script="Sora" typeface="Nirmala UI"/>
+        <a:font script="Tale" typeface="Microsoft Tai Le"/>
+        <a:font script="Talu" typeface="Microsoft New Tai Lue"/>
+        <a:font script="Tfng" typeface="Ebrima"/>
+      </a:majorFont>
+      <a:minorFont>
+        <a:latin typeface="Calibri" panose="020F0502020204030204"/>
+        <a:ea typeface=""/>
+        <a:cs typeface=""/>
+        <a:font script="Jpan" typeface="游ゴシック"/>
+        <a:font script="Hang" typeface="맑은 고딕"/>
+        <a:font script="Hans" typeface="等线"/>
+        <a:font script="Hant" typeface="新細明體"/>
+        <a:font script="Arab" typeface="Arial"/>
+        <a:font script="Hebr" typeface="Arial"/>
+        <a:font script="Thai" typeface="Cordia New"/>
+        <a:font script="Ethi" typeface="Nyala"/>
+        <a:font script="Beng" typeface="Vrinda"/>
+        <a:font script="Gujr" typeface="Shruti"/>
+        <a:font script="Khmr" typeface="DaunPenh"/>
+        <a:font script="Knda" typeface="Tunga"/>
+        <a:font script="Guru" typeface="Raavi"/>
+        <a:font script="Cans" typeface="Euphemia"/>
+        <a:font script="Cher" typeface="Plantagenet Cherokee"/>
+        <a:font script="Yiii" typeface="Microsoft Yi Baiti"/>
+        <a:font script="Tibt" typeface="Microsoft Himalaya"/>
+        <a:font script="Thaa" typeface="MV Boli"/>
+        <a:font script="Deva" typeface="Mangal"/>
+        <a:font script="Telu" typeface="Gautami"/>
+        <a:font script="Taml" typeface="Latha"/>
+        <a:font script="Syrc" typeface="Estrangelo Edessa"/>
+        <a:font script="Orya" typeface="Kalinga"/>
+        <a:font script="Mlym" typeface="Kartika"/>
+        <a:font script="Laoo" typeface="DokChampa"/>
+        <a:font script="Sinh" typeface="Iskoola Pota"/>
+        <a:font script="Mong" typeface="Mongolian Baiti"/>
+        <a:font script="Viet" typeface="Arial"/>
+        <a:font script="Uigh" typeface="Microsoft Uighur"/>
+        <a:font script="Geor" typeface="Sylfaen"/>
+        <a:font script="Armn" typeface="Arial"/>
+        <a:font script="Bugi" typeface="Leelawadee UI"/>
+        <a:font script="Bopo" typeface="Microsoft JhengHei"/>
+        <a:font script="Java" typeface="Javanese Text"/>
+        <a:font script="Lisu" typeface="Segoe UI"/>
+        <a:font script="Mymr" typeface="Myanmar Text"/>
+        <a:font script="Nkoo" typeface="Ebrima"/>
+        <a:font script="Olck" typeface="Nirmala UI"/>
+        <a:font script="Osma" typeface="Ebrima"/>
+        <a:font script="Phag" typeface="Phagspa"/>
+        <a:font script="Syrn" typeface="Estrangelo Edessa"/>
+        <a:font script="Syrj" typeface="Estrangelo Edessa"/>
+        <a:font script="Syre" typeface="Estrangelo Edessa"/>
+        <a:font script="Sora" typeface="Nirmala UI"/>
+        <a:font script="Tale" typeface="Microsoft Tai Le"/>
+        <a:font script="Talu" typeface="Microsoft New Tai Lue"/>
+        <a:font script="Tfng" typeface="Ebrima"/>
+      </a:minorFont>
+    </a:fontScheme>
+    <a:fmtScheme name="Office">
+      <a:fillStyleLst>
+        <a:solidFill>
+          <a:schemeClr val="phClr"/>
+        </a:solidFill>
+        <a:gradFill rotWithShape="1">
+          <a:gsLst>
+            <a:gs pos="0">
+              <a:schemeClr val="phClr">
+                <a:lumMod val="110000"/>
+                <a:satMod val="105000"/>
+                <a:tint val="67000"/>
+              </a:schemeClr>
+            </a:gs>
+            <a:gs pos="50000">
+              <a:schemeClr val="phClr">
+                <a:lumMod val="105000"/>
+                <a:satMod val="103000"/>
+                <a:tint val="73000"/>
+              </a:schemeClr>
+            </a:gs>
+            <a:gs pos="100000">
+              <a:schemeClr val="phClr">
+                <a:lumMod val="105000"/>
+                <a:satMod val="109000"/>
+                <a:tint val="81000"/>
+              </a:schemeClr>
+            </a:gs>
+          </a:gsLst>
+          <a:lin ang="5400000" scaled="0"/>
+        </a:gradFill>
+        <a:gradFill rotWithShape="1">
+          <a:gsLst>
+            <a:gs pos="0">
+              <a:schemeClr val="phClr">
+                <a:satMod val="103000"/>
+                <a:lumMod val="102000"/>
+                <a:tint val="94000"/>
+              </a:schemeClr>
+            </a:gs>
+            <a:gs pos="50000">
+              <a:schemeClr val="phClr">
+                <a:satMod val="110000"/>
+                <a:lumMod val="100000"/>
+                <a:shade val="100000"/>
+              </a:schemeClr>
+            </a:gs>
+            <a:gs pos="100000">
+              <a:schemeClr val="phClr">
+                <a:lumMod val="99000"/>
+                <a:satMod val="120000"/>
+                <a:shade val="78000"/>
+              </a:schemeClr>
+            </a:gs>
+          </a:gsLst>
+          <a:lin ang="5400000" scaled="0"/>
+        </a:gradFill>
+      </a:fillStyleLst>
+      <a:lnStyleLst>
+        <a:ln w="6350" cap="flat" cmpd="sng" algn="ctr">
+          <a:solidFill>
+            <a:schemeClr val="phClr"/>
+          </a:solidFill>
+          <a:prstDash val="solid"/>
+          <a:miter lim="800000"/>
+        </a:ln>
+        <a:ln w="12700" cap="flat" cmpd="sng" algn="ctr">
+          <a:solidFill>
+            <a:schemeClr val="phClr"/>
+          </a:solidFill>
+          <a:prstDash val="solid"/>
+          <a:miter lim="800000"/>
+        </a:ln>
+        <a:ln w="19050" cap="flat" cmpd="sng" algn="ctr">
+          <a:solidFill>
+            <a:schemeClr val="phClr"/>
+          </a:solidFill>
+          <a:prstDash val="solid"/>
+          <a:miter lim="800000"/>
+        </a:ln>
+      </a:lnStyleLst>
+      <a:effectStyleLst>
+        <a:effectStyle>
+          <a:effectLst/>
+        </a:effectStyle>
+        <a:effectStyle>
+          <a:effectLst/>
+        </a:effectStyle>
+        <a:effectStyle>
+          <a:effectLst>
+            <a:outerShdw blurRad="57150" dist="19050" dir="5400000" algn="ctr" rotWithShape="0">
+              <a:srgbClr val="000000">
+                <a:alpha val="63000"/>
+              </a:srgbClr>
+            </a:outerShdw>
+          </a:effectLst>
+        </a:effectStyle>
+      </a:effectStyleLst>
+      <a:bgFillStyleLst>
+        <a:solidFill>
+          <a:schemeClr val="phClr"/>
+        </a:solidFill>
+        <a:solidFill>
+          <a:schemeClr val="phClr">
+            <a:tint val="95000"/>
+            <a:satMod val="170000"/>
+          </a:schemeClr>
+        </a:solidFill>
+        <a:gradFill rotWithShape="1">
+          <a:gsLst>
+            <a:gs pos="0">
+              <a:schemeClr val="phClr">
+                <a:tint val="93000"/>
+                <a:satMod val="150000"/>
+                <a:shade val="98000"/>
+                <a:lumMod val="102000"/>
+              </a:schemeClr>
+            </a:gs>
+            <a:gs pos="50000">
+              <a:schemeClr val="phClr">
+                <a:tint val="98000"/>
+                <a:satMod val="130000"/>
+                <a:shade val="90000"/>
+                <a:lumMod val="103000"/>
+              </a:schemeClr>
+            </a:gs>
+            <a:gs pos="100000">
+              <a:schemeClr val="phClr">
+                <a:shade val="63000"/>
+                <a:satMod val="120000"/>
+              </a:schemeClr>
+            </a:gs>
+          </a:gsLst>
+          <a:lin ang="5400000" scaled="0"/>
+        </a:gradFill>
+      </a:bgFillStyleLst>
+    </a:fmtScheme>
+  </a:themeElements>
+  <a:objectDefaults/>
+  <a:extraClrSchemeLst/>
+  <a:extLst>
+    <a:ext uri="{05A4C25C-085E-4340-85A3-A5531E510DB2}">
+      <thm15:themeFamily xmlns:thm15="http://schemas.microsoft.com/office/thememl/2012/main" name="Office Theme" id="{62F939B6-93AF-4DB8-9C6B-D6C7DFDC589F}" vid="{4A3C46E8-61CC-4603-A589-7422A47A8E4A}"/>
+    </a:ext>
+  </a:extLst>
+</a:theme>
 </file>